--- a/DQN-Pong.pptx
+++ b/DQN-Pong.pptx
@@ -259,7 +259,7 @@
   </p:defaultTextStyle>
   <p:extLst>
     <p:ext uri="http://customooxmlschemas.google.com/">
-      <go:slidesCustomData xmlns:go="http://customooxmlschemas.google.com/" r:id="rId15" roundtripDataSignature="AMtx7mimjDpMTHQL3lZ5WD8wzVqjyUVVmQ=="/>
+      <go:slidesCustomData xmlns:go="http://customooxmlschemas.google.com/" r:id="rId15" roundtripDataSignature="AMtx7mgayTyq3YCh4LmudLD11hYUSbYyzQ=="/>
     </p:ext>
   </p:extLst>
 </p:presentation>
@@ -6541,16 +6541,240 @@
             <a:noAutofit/>
           </a:bodyPr>
           <a:lstStyle>
-            <a:lvl1pPr lvl="0">
-              <a:spcBef>
-                <a:spcPts val="0"/>
-              </a:spcBef>
-              <a:spcAft>
-                <a:spcPts val="0"/>
-              </a:spcAft>
-              <a:buNone/>
-              <a:defRPr/>
+            <a:lvl1pPr lvl="0" marR="0" rtl="0" algn="l">
+              <a:lnSpc>
+                <a:spcPct val="100000"/>
+              </a:lnSpc>
+              <a:spcBef>
+                <a:spcPts val="0"/>
+              </a:spcBef>
+              <a:spcAft>
+                <a:spcPts val="0"/>
+              </a:spcAft>
+              <a:buClr>
+                <a:schemeClr val="dk1"/>
+              </a:buClr>
+              <a:buSzPts val="1400"/>
+              <a:buFont typeface="Times New Roman"/>
+              <a:buNone/>
+              <a:defRPr b="0" i="0" sz="1400" u="none" cap="none" strike="noStrike">
+                <a:solidFill>
+                  <a:srgbClr val="000000"/>
+                </a:solidFill>
+                <a:latin typeface="Arial"/>
+                <a:ea typeface="Arial"/>
+                <a:cs typeface="Arial"/>
+                <a:sym typeface="Arial"/>
+              </a:defRPr>
             </a:lvl1pPr>
+            <a:lvl2pPr lvl="1" marR="0" rtl="0" algn="l">
+              <a:lnSpc>
+                <a:spcPct val="100000"/>
+              </a:lnSpc>
+              <a:spcBef>
+                <a:spcPts val="2580"/>
+              </a:spcBef>
+              <a:spcAft>
+                <a:spcPts val="0"/>
+              </a:spcAft>
+              <a:buClr>
+                <a:schemeClr val="dk1"/>
+              </a:buClr>
+              <a:buSzPts val="1400"/>
+              <a:buFont typeface="Times New Roman"/>
+              <a:buChar char="–"/>
+              <a:defRPr b="0" i="0" sz="1400" u="none" cap="none" strike="noStrike">
+                <a:solidFill>
+                  <a:srgbClr val="000000"/>
+                </a:solidFill>
+                <a:latin typeface="Arial"/>
+                <a:ea typeface="Arial"/>
+                <a:cs typeface="Arial"/>
+                <a:sym typeface="Arial"/>
+              </a:defRPr>
+            </a:lvl2pPr>
+            <a:lvl3pPr lvl="2" marR="0" rtl="0" algn="l">
+              <a:lnSpc>
+                <a:spcPct val="100000"/>
+              </a:lnSpc>
+              <a:spcBef>
+                <a:spcPts val="2180"/>
+              </a:spcBef>
+              <a:spcAft>
+                <a:spcPts val="0"/>
+              </a:spcAft>
+              <a:buClr>
+                <a:schemeClr val="dk1"/>
+              </a:buClr>
+              <a:buSzPts val="1400"/>
+              <a:buFont typeface="Times New Roman"/>
+              <a:buChar char="•"/>
+              <a:defRPr b="0" i="0" sz="1400" u="none" cap="none" strike="noStrike">
+                <a:solidFill>
+                  <a:srgbClr val="000000"/>
+                </a:solidFill>
+                <a:latin typeface="Arial"/>
+                <a:ea typeface="Arial"/>
+                <a:cs typeface="Arial"/>
+                <a:sym typeface="Arial"/>
+              </a:defRPr>
+            </a:lvl3pPr>
+            <a:lvl4pPr lvl="3" marR="0" rtl="0" algn="l">
+              <a:lnSpc>
+                <a:spcPct val="100000"/>
+              </a:lnSpc>
+              <a:spcBef>
+                <a:spcPts val="1820"/>
+              </a:spcBef>
+              <a:spcAft>
+                <a:spcPts val="0"/>
+              </a:spcAft>
+              <a:buClr>
+                <a:schemeClr val="dk1"/>
+              </a:buClr>
+              <a:buSzPts val="1400"/>
+              <a:buFont typeface="Times New Roman"/>
+              <a:buChar char="–"/>
+              <a:defRPr b="0" i="0" sz="1400" u="none" cap="none" strike="noStrike">
+                <a:solidFill>
+                  <a:srgbClr val="000000"/>
+                </a:solidFill>
+                <a:latin typeface="Arial"/>
+                <a:ea typeface="Arial"/>
+                <a:cs typeface="Arial"/>
+                <a:sym typeface="Arial"/>
+              </a:defRPr>
+            </a:lvl4pPr>
+            <a:lvl5pPr lvl="4" marR="0" rtl="0" algn="l">
+              <a:lnSpc>
+                <a:spcPct val="100000"/>
+              </a:lnSpc>
+              <a:spcBef>
+                <a:spcPts val="1820"/>
+              </a:spcBef>
+              <a:spcAft>
+                <a:spcPts val="0"/>
+              </a:spcAft>
+              <a:buClr>
+                <a:schemeClr val="dk1"/>
+              </a:buClr>
+              <a:buSzPts val="1400"/>
+              <a:buFont typeface="Times New Roman"/>
+              <a:buChar char="»"/>
+              <a:defRPr b="0" i="0" sz="1400" u="none" cap="none" strike="noStrike">
+                <a:solidFill>
+                  <a:srgbClr val="000000"/>
+                </a:solidFill>
+                <a:latin typeface="Arial"/>
+                <a:ea typeface="Arial"/>
+                <a:cs typeface="Arial"/>
+                <a:sym typeface="Arial"/>
+              </a:defRPr>
+            </a:lvl5pPr>
+            <a:lvl6pPr lvl="5" marR="0" rtl="0" algn="l">
+              <a:lnSpc>
+                <a:spcPct val="100000"/>
+              </a:lnSpc>
+              <a:spcBef>
+                <a:spcPts val="1820"/>
+              </a:spcBef>
+              <a:spcAft>
+                <a:spcPts val="0"/>
+              </a:spcAft>
+              <a:buClr>
+                <a:schemeClr val="dk1"/>
+              </a:buClr>
+              <a:buSzPts val="1400"/>
+              <a:buFont typeface="Times New Roman"/>
+              <a:buChar char="»"/>
+              <a:defRPr b="0" i="0" sz="1400" u="none" cap="none" strike="noStrike">
+                <a:solidFill>
+                  <a:srgbClr val="000000"/>
+                </a:solidFill>
+                <a:latin typeface="Arial"/>
+                <a:ea typeface="Arial"/>
+                <a:cs typeface="Arial"/>
+                <a:sym typeface="Arial"/>
+              </a:defRPr>
+            </a:lvl6pPr>
+            <a:lvl7pPr lvl="6" marR="0" rtl="0" algn="l">
+              <a:lnSpc>
+                <a:spcPct val="100000"/>
+              </a:lnSpc>
+              <a:spcBef>
+                <a:spcPts val="1820"/>
+              </a:spcBef>
+              <a:spcAft>
+                <a:spcPts val="0"/>
+              </a:spcAft>
+              <a:buClr>
+                <a:schemeClr val="dk1"/>
+              </a:buClr>
+              <a:buSzPts val="1400"/>
+              <a:buFont typeface="Times New Roman"/>
+              <a:buChar char="»"/>
+              <a:defRPr b="0" i="0" sz="1400" u="none" cap="none" strike="noStrike">
+                <a:solidFill>
+                  <a:srgbClr val="000000"/>
+                </a:solidFill>
+                <a:latin typeface="Arial"/>
+                <a:ea typeface="Arial"/>
+                <a:cs typeface="Arial"/>
+                <a:sym typeface="Arial"/>
+              </a:defRPr>
+            </a:lvl7pPr>
+            <a:lvl8pPr lvl="7" marR="0" rtl="0" algn="l">
+              <a:lnSpc>
+                <a:spcPct val="100000"/>
+              </a:lnSpc>
+              <a:spcBef>
+                <a:spcPts val="1820"/>
+              </a:spcBef>
+              <a:spcAft>
+                <a:spcPts val="0"/>
+              </a:spcAft>
+              <a:buClr>
+                <a:schemeClr val="dk1"/>
+              </a:buClr>
+              <a:buSzPts val="1400"/>
+              <a:buFont typeface="Times New Roman"/>
+              <a:buChar char="»"/>
+              <a:defRPr b="0" i="0" sz="1400" u="none" cap="none" strike="noStrike">
+                <a:solidFill>
+                  <a:srgbClr val="000000"/>
+                </a:solidFill>
+                <a:latin typeface="Arial"/>
+                <a:ea typeface="Arial"/>
+                <a:cs typeface="Arial"/>
+                <a:sym typeface="Arial"/>
+              </a:defRPr>
+            </a:lvl8pPr>
+            <a:lvl9pPr lvl="8" marR="0" rtl="0" algn="l">
+              <a:lnSpc>
+                <a:spcPct val="100000"/>
+              </a:lnSpc>
+              <a:spcBef>
+                <a:spcPts val="1820"/>
+              </a:spcBef>
+              <a:spcAft>
+                <a:spcPts val="0"/>
+              </a:spcAft>
+              <a:buClr>
+                <a:schemeClr val="dk1"/>
+              </a:buClr>
+              <a:buSzPts val="1400"/>
+              <a:buFont typeface="Times New Roman"/>
+              <a:buChar char="»"/>
+              <a:defRPr b="0" i="0" sz="1400" u="none" cap="none" strike="noStrike">
+                <a:solidFill>
+                  <a:srgbClr val="000000"/>
+                </a:solidFill>
+                <a:latin typeface="Arial"/>
+                <a:ea typeface="Arial"/>
+                <a:cs typeface="Arial"/>
+                <a:sym typeface="Arial"/>
+              </a:defRPr>
+            </a:lvl9pPr>
           </a:lstStyle>
           <a:p/>
         </p:txBody>
@@ -14754,7 +14978,7 @@
         </p:nvSpPr>
         <p:spPr>
           <a:xfrm>
-            <a:off x="602462" y="558012"/>
+            <a:off x="279337" y="1643900"/>
             <a:ext cx="41603700" cy="29163900"/>
           </a:xfrm>
           <a:prstGeom prst="roundRect">
@@ -14801,10 +15025,14 @@
               <a:buNone/>
             </a:pPr>
             <a:r>
-              <a:rPr lang="en-US" sz="2400">
+              <a:rPr b="0" i="0" lang="en-US" sz="2400" u="none" cap="none" strike="noStrike">
                 <a:solidFill>
                   <a:schemeClr val="dk1"/>
                 </a:solidFill>
+                <a:latin typeface="Arial"/>
+                <a:ea typeface="Arial"/>
+                <a:cs typeface="Arial"/>
+                <a:sym typeface="Arial"/>
               </a:rPr>
               <a:t> </a:t>
             </a:r>
@@ -14919,7 +15147,7 @@
             <a:tbl>
               <a:tblPr>
                 <a:noFill/>
-                <a:tableStyleId>{8A0DD9FC-9D8A-4777-8CBA-C6BD4E4D0E6F}</a:tableStyleId>
+                <a:tableStyleId>{291B4C46-22E7-4626-9448-7D674B6B9E94}</a:tableStyleId>
               </a:tblPr>
               <a:tblGrid>
                 <a:gridCol w="38736575"/>
@@ -14948,30 +15176,14 @@
                         <a:buNone/>
                       </a:pPr>
                       <a:r>
-                        <a:rPr i="1" lang="en-US" sz="3600">
-                          <a:solidFill>
-                            <a:schemeClr val="dk1"/>
-                          </a:solidFill>
-                        </a:rPr>
-                        <a:t>Mathias Stefan Carius Larsen - s164029</a:t>
-                      </a:r>
-                      <a:r>
                         <a:rPr i="1" lang="en-US" sz="3600" u="none" cap="none" strike="noStrike">
                           <a:solidFill>
                             <a:schemeClr val="dk1"/>
                           </a:solidFill>
                         </a:rPr>
-                        <a:t>,</a:t>
+                        <a:t>Mathias Stefan Carius Larsen - s164029, </a:t>
                       </a:r>
-                      <a:r>
-                        <a:rPr i="1" lang="en-US" sz="3600">
-                          <a:solidFill>
-                            <a:schemeClr val="dk1"/>
-                          </a:solidFill>
-                        </a:rPr>
-                        <a:t> </a:t>
-                      </a:r>
-                      <a:endParaRPr i="1" sz="3600">
+                      <a:endParaRPr i="1" sz="3600" u="none" cap="none" strike="noStrike">
                         <a:solidFill>
                           <a:schemeClr val="dk1"/>
                         </a:solidFill>
@@ -14996,7 +15208,7 @@
                         <a:buNone/>
                       </a:pPr>
                       <a:r>
-                        <a:rPr i="1" lang="en-US" sz="3600">
+                        <a:rPr i="1" lang="en-US" sz="3600" u="none" cap="none" strike="noStrike">
                           <a:solidFill>
                             <a:schemeClr val="dk1"/>
                           </a:solidFill>
@@ -15033,31 +15245,7 @@
                           <a:cs typeface="Arial"/>
                           <a:sym typeface="Arial"/>
                         </a:rPr>
-                        <a:t>DTU</a:t>
-                      </a:r>
-                      <a:r>
-                        <a:rPr b="0" i="0" lang="en-US" sz="3600" u="none" cap="none" strike="noStrike">
-                          <a:solidFill>
-                            <a:schemeClr val="dk1"/>
-                          </a:solidFill>
-                          <a:latin typeface="Arial"/>
-                          <a:ea typeface="Arial"/>
-                          <a:cs typeface="Arial"/>
-                          <a:sym typeface="Arial"/>
-                        </a:rPr>
-                        <a:t> Compute</a:t>
-                      </a:r>
-                      <a:r>
-                        <a:rPr b="0" i="0" lang="en-US" sz="3600" u="none" cap="none" strike="noStrike">
-                          <a:solidFill>
-                            <a:schemeClr val="dk1"/>
-                          </a:solidFill>
-                          <a:latin typeface="Arial"/>
-                          <a:ea typeface="Arial"/>
-                          <a:cs typeface="Arial"/>
-                          <a:sym typeface="Arial"/>
-                        </a:rPr>
-                        <a:t>, Technical University of Denmark</a:t>
+                        <a:t>DTU Compute, Technical University of Denmark</a:t>
                       </a:r>
                       <a:endParaRPr sz="3600" u="none" cap="none" strike="noStrike">
                         <a:solidFill>
@@ -15116,7 +15304,10 @@
               <a:buChar char="-"/>
             </a:pPr>
             <a:r>
-              <a:rPr lang="en-US" sz="3600">
+              <a:rPr b="0" i="0" lang="en-US" sz="3600" u="none" cap="none" strike="noStrike">
+                <a:solidFill>
+                  <a:srgbClr val="000000"/>
+                </a:solidFill>
                 <a:latin typeface="Times New Roman"/>
                 <a:ea typeface="Times New Roman"/>
                 <a:cs typeface="Times New Roman"/>
@@ -15124,7 +15315,10 @@
               </a:rPr>
               <a:t>The goal is to design an AI agent that learns to play the game Pong based on raw pixels and rewards.</a:t>
             </a:r>
-            <a:endParaRPr sz="3600">
+            <a:endParaRPr b="0" i="0" sz="3600" u="none" cap="none" strike="noStrike">
+              <a:solidFill>
+                <a:srgbClr val="000000"/>
+              </a:solidFill>
               <a:latin typeface="Times New Roman"/>
               <a:ea typeface="Times New Roman"/>
               <a:cs typeface="Times New Roman"/>
@@ -15142,12 +15336,18 @@
               <a:spcAft>
                 <a:spcPts val="0"/>
               </a:spcAft>
+              <a:buClr>
+                <a:srgbClr val="000000"/>
+              </a:buClr>
               <a:buSzPts val="3600"/>
               <a:buFont typeface="Times New Roman"/>
               <a:buChar char="-"/>
             </a:pPr>
             <a:r>
-              <a:rPr lang="en-US" sz="3600">
+              <a:rPr b="0" i="0" lang="en-US" sz="3600" u="none" cap="none" strike="noStrike">
+                <a:solidFill>
+                  <a:srgbClr val="000000"/>
+                </a:solidFill>
                 <a:latin typeface="Times New Roman"/>
                 <a:ea typeface="Times New Roman"/>
                 <a:cs typeface="Times New Roman"/>
@@ -15155,38 +15355,10 @@
               </a:rPr>
               <a:t>Pong is a good choice of game since its concept is simple, but introduces some complex DQN algorithms.</a:t>
             </a:r>
-            <a:endParaRPr sz="3600">
-              <a:latin typeface="Times New Roman"/>
-              <a:ea typeface="Times New Roman"/>
-              <a:cs typeface="Times New Roman"/>
-              <a:sym typeface="Times New Roman"/>
-            </a:endParaRPr>
-          </a:p>
-          <a:p>
-            <a:pPr indent="-457200" lvl="0" marL="457200" marR="0" rtl="0" algn="l">
-              <a:lnSpc>
-                <a:spcPct val="100000"/>
-              </a:lnSpc>
-              <a:spcBef>
-                <a:spcPts val="0"/>
-              </a:spcBef>
-              <a:spcAft>
-                <a:spcPts val="0"/>
-              </a:spcAft>
-              <a:buSzPts val="3600"/>
-              <a:buFont typeface="Times New Roman"/>
-              <a:buChar char="-"/>
-            </a:pPr>
-            <a:r>
-              <a:rPr lang="en-US" sz="3600">
-                <a:latin typeface="Times New Roman"/>
-                <a:ea typeface="Times New Roman"/>
-                <a:cs typeface="Times New Roman"/>
-                <a:sym typeface="Times New Roman"/>
-              </a:rPr>
-              <a:t> </a:t>
-            </a:r>
-            <a:endParaRPr sz="3600">
+            <a:endParaRPr b="0" i="0" sz="3600" u="none" cap="none" strike="noStrike">
+              <a:solidFill>
+                <a:srgbClr val="000000"/>
+              </a:solidFill>
               <a:latin typeface="Times New Roman"/>
               <a:ea typeface="Times New Roman"/>
               <a:cs typeface="Times New Roman"/>
@@ -15203,7 +15375,7 @@
         </p:nvSpPr>
         <p:spPr>
           <a:xfrm>
-            <a:off x="2195375" y="7017200"/>
+            <a:off x="3686688" y="6883838"/>
             <a:ext cx="4542300" cy="1014000"/>
           </a:xfrm>
           <a:prstGeom prst="rect">
@@ -15220,7 +15392,7 @@
           </a:bodyPr>
           <a:lstStyle/>
           <a:p>
-            <a:pPr indent="0" lvl="0" marL="0" marR="0" rtl="0" algn="l">
+            <a:pPr indent="0" lvl="0" marL="0" marR="0" rtl="0" algn="ctr">
               <a:lnSpc>
                 <a:spcPct val="100000"/>
               </a:lnSpc>
@@ -15269,7 +15441,7 @@
         </p:nvSpPr>
         <p:spPr>
           <a:xfrm>
-            <a:off x="12374050" y="7017200"/>
+            <a:off x="11798450" y="7010525"/>
             <a:ext cx="7524900" cy="1014000"/>
           </a:xfrm>
           <a:prstGeom prst="rect">
@@ -15286,7 +15458,7 @@
           </a:bodyPr>
           <a:lstStyle/>
           <a:p>
-            <a:pPr indent="0" lvl="0" marL="0" marR="0" rtl="0" algn="l">
+            <a:pPr indent="0" lvl="0" marL="0" marR="0" rtl="0" algn="ctr">
               <a:lnSpc>
                 <a:spcPct val="100000"/>
               </a:lnSpc>
@@ -15304,7 +15476,15 @@
               <a:buNone/>
             </a:pPr>
             <a:r>
-              <a:rPr b="1" lang="en-US" sz="4800" u="sng"/>
+              <a:rPr b="1" i="0" lang="en-US" sz="4800" u="sng" cap="none" strike="noStrike">
+                <a:solidFill>
+                  <a:srgbClr val="000000"/>
+                </a:solidFill>
+                <a:latin typeface="Arial"/>
+                <a:ea typeface="Arial"/>
+                <a:cs typeface="Arial"/>
+                <a:sym typeface="Arial"/>
+              </a:rPr>
               <a:t>Deep-Q-Network</a:t>
             </a:r>
             <a:endParaRPr b="1" i="0" sz="4800" u="sng" cap="none" strike="noStrike">
@@ -15355,7 +15535,7 @@
         <p:spPr>
           <a:xfrm>
             <a:off x="21215050" y="7010525"/>
-            <a:ext cx="12376500" cy="1014000"/>
+            <a:ext cx="7065000" cy="1014000"/>
           </a:xfrm>
           <a:prstGeom prst="rect">
             <a:avLst/>
@@ -15371,7 +15551,7 @@
           </a:bodyPr>
           <a:lstStyle/>
           <a:p>
-            <a:pPr indent="0" lvl="0" marL="0" marR="0" rtl="0" algn="l">
+            <a:pPr indent="0" lvl="0" marL="0" marR="0" rtl="0" algn="ctr">
               <a:lnSpc>
                 <a:spcPct val="100000"/>
               </a:lnSpc>
@@ -15389,8 +15569,16 @@
               <a:buNone/>
             </a:pPr>
             <a:r>
-              <a:rPr b="1" lang="en-US" sz="4800" u="sng"/>
-              <a:t>Epsilon-Greedy &amp; Experience Replay</a:t>
+              <a:rPr b="1" i="0" lang="en-US" sz="4800" u="sng" cap="none" strike="noStrike">
+                <a:solidFill>
+                  <a:srgbClr val="000000"/>
+                </a:solidFill>
+                <a:latin typeface="Arial"/>
+                <a:ea typeface="Arial"/>
+                <a:cs typeface="Arial"/>
+                <a:sym typeface="Arial"/>
+              </a:rPr>
+              <a:t>Experience Replay</a:t>
             </a:r>
             <a:endParaRPr b="1" i="0" sz="4800" u="sng" cap="none" strike="noStrike">
               <a:solidFill>
@@ -15997,7 +16185,7 @@
         </p:nvSpPr>
         <p:spPr>
           <a:xfrm>
-            <a:off x="34667628" y="7017200"/>
+            <a:off x="32351003" y="6883850"/>
             <a:ext cx="5426700" cy="1014000"/>
           </a:xfrm>
           <a:prstGeom prst="rect">
@@ -16014,7 +16202,7 @@
           </a:bodyPr>
           <a:lstStyle/>
           <a:p>
-            <a:pPr indent="0" lvl="0" marL="0" marR="0" rtl="0" algn="l">
+            <a:pPr indent="0" lvl="0" marL="0" marR="0" rtl="0" algn="ctr">
               <a:lnSpc>
                 <a:spcPct val="100000"/>
               </a:lnSpc>
@@ -16152,7 +16340,7 @@
             <a:tbl>
               <a:tblPr>
                 <a:noFill/>
-                <a:tableStyleId>{1DA5FD72-FE64-487D-9AF3-5FC7489FF431}</a:tableStyleId>
+                <a:tableStyleId>{4DED47A7-27C0-48A2-87E6-DD45657740E1}</a:tableStyleId>
               </a:tblPr>
               <a:tblGrid>
                 <a:gridCol w="3535875"/>
@@ -16646,7 +16834,7 @@
         </p:nvCxnSpPr>
         <p:spPr>
           <a:xfrm>
-            <a:off x="34137600" y="7620000"/>
+            <a:off x="28984900" y="7620000"/>
             <a:ext cx="0" cy="10363200"/>
           </a:xfrm>
           <a:prstGeom prst="straightConnector1">
@@ -17110,71 +17298,6 @@
         </p:nvSpPr>
         <p:spPr>
           <a:xfrm>
-            <a:off x="26381050" y="17295675"/>
-            <a:ext cx="7699500" cy="141900"/>
-          </a:xfrm>
-          <a:prstGeom prst="rect">
-            <a:avLst/>
-          </a:prstGeom>
-          <a:solidFill>
-            <a:schemeClr val="lt1"/>
-          </a:solidFill>
-          <a:ln cap="flat" cmpd="sng" w="9525">
-            <a:solidFill>
-              <a:schemeClr val="lt1"/>
-            </a:solidFill>
-            <a:prstDash val="solid"/>
-            <a:round/>
-            <a:headEnd len="sm" w="sm" type="none"/>
-            <a:tailEnd len="sm" w="sm" type="none"/>
-          </a:ln>
-        </p:spPr>
-        <p:txBody>
-          <a:bodyPr anchorCtr="0" anchor="ctr" bIns="91425" lIns="91425" spcFirstLastPara="1" rIns="91425" wrap="square" tIns="91425">
-            <a:noAutofit/>
-          </a:bodyPr>
-          <a:lstStyle/>
-          <a:p>
-            <a:pPr indent="0" lvl="0" marL="0" marR="0" rtl="0" algn="l">
-              <a:lnSpc>
-                <a:spcPct val="100000"/>
-              </a:lnSpc>
-              <a:spcBef>
-                <a:spcPts val="0"/>
-              </a:spcBef>
-              <a:spcAft>
-                <a:spcPts val="0"/>
-              </a:spcAft>
-              <a:buClr>
-                <a:srgbClr val="000000"/>
-              </a:buClr>
-              <a:buSzPts val="1400"/>
-              <a:buFont typeface="Arial"/>
-              <a:buNone/>
-            </a:pPr>
-            <a:r>
-              <a:t/>
-            </a:r>
-            <a:endParaRPr b="0" i="0" sz="1400" u="none" cap="none" strike="noStrike">
-              <a:solidFill>
-                <a:srgbClr val="000000"/>
-              </a:solidFill>
-              <a:latin typeface="Arial"/>
-              <a:ea typeface="Arial"/>
-              <a:cs typeface="Arial"/>
-              <a:sym typeface="Arial"/>
-            </a:endParaRPr>
-          </a:p>
-        </p:txBody>
-      </p:sp>
-      <p:sp>
-        <p:nvSpPr>
-          <p:cNvPr id="121" name="Google Shape;121;p1"/>
-          <p:cNvSpPr/>
-          <p:nvPr/>
-        </p:nvSpPr>
-        <p:spPr>
-          <a:xfrm>
             <a:off x="13458775" y="13047750"/>
             <a:ext cx="75900" cy="112500"/>
           </a:xfrm>
@@ -17234,17 +17357,16 @@
       </p:sp>
       <p:pic>
         <p:nvPicPr>
-          <p:cNvPr id="122" name="Google Shape;122;p1"/>
+          <p:cNvPr id="121" name="Google Shape;121;p1"/>
           <p:cNvPicPr preferRelativeResize="0"/>
           <p:nvPr/>
         </p:nvPicPr>
-        <p:blipFill>
+        <p:blipFill rotWithShape="1">
           <a:blip r:embed="rId6">
             <a:alphaModFix/>
           </a:blip>
-          <a:stretch>
-            <a:fillRect/>
-          </a:stretch>
+          <a:srcRect b="0" l="0" r="0" t="0"/>
+          <a:stretch/>
         </p:blipFill>
         <p:spPr>
           <a:xfrm>
@@ -17262,7 +17384,7 @@
       </p:pic>
       <p:sp>
         <p:nvSpPr>
-          <p:cNvPr id="123" name="Google Shape;123;p1"/>
+          <p:cNvPr id="122" name="Google Shape;122;p1"/>
           <p:cNvSpPr txBox="1"/>
           <p:nvPr/>
         </p:nvSpPr>
@@ -17285,53 +17407,30 @@
           </a:bodyPr>
           <a:lstStyle/>
           <a:p>
-            <a:pPr indent="-457200" lvl="0" marL="457200" marR="0" rtl="0" algn="l">
-              <a:lnSpc>
-                <a:spcPct val="100000"/>
-              </a:lnSpc>
-              <a:spcBef>
-                <a:spcPts val="0"/>
-              </a:spcBef>
-              <a:spcAft>
-                <a:spcPts val="0"/>
-              </a:spcAft>
+            <a:pPr indent="0" lvl="0" marL="457200" marR="0" rtl="0" algn="l">
+              <a:lnSpc>
+                <a:spcPct val="100000"/>
+              </a:lnSpc>
+              <a:spcBef>
+                <a:spcPts val="0"/>
+              </a:spcBef>
+              <a:spcAft>
+                <a:spcPts val="0"/>
+              </a:spcAft>
+              <a:buClr>
+                <a:srgbClr val="000000"/>
+              </a:buClr>
               <a:buSzPts val="3600"/>
-              <a:buFont typeface="Times New Roman"/>
-              <a:buChar char="-"/>
-            </a:pPr>
-            <a:r>
-              <a:rPr lang="en-US" sz="3600">
-                <a:latin typeface="Times New Roman"/>
-                <a:ea typeface="Times New Roman"/>
-                <a:cs typeface="Times New Roman"/>
-                <a:sym typeface="Times New Roman"/>
-              </a:rPr>
-              <a:t>Using the Pytorch framework </a:t>
-            </a:r>
-            <a:endParaRPr sz="3600">
-              <a:latin typeface="Times New Roman"/>
-              <a:ea typeface="Times New Roman"/>
-              <a:cs typeface="Times New Roman"/>
-              <a:sym typeface="Times New Roman"/>
-            </a:endParaRPr>
-          </a:p>
-          <a:p>
-            <a:pPr indent="0" lvl="0" marL="457200" marR="0" rtl="0" algn="l">
-              <a:lnSpc>
-                <a:spcPct val="100000"/>
-              </a:lnSpc>
-              <a:spcBef>
-                <a:spcPts val="0"/>
-              </a:spcBef>
-              <a:spcAft>
-                <a:spcPts val="0"/>
-              </a:spcAft>
+              <a:buFont typeface="Arial"/>
               <a:buNone/>
             </a:pPr>
             <a:r>
               <a:t/>
             </a:r>
-            <a:endParaRPr sz="3600">
+            <a:endParaRPr b="0" i="0" sz="3600" u="none" cap="none" strike="noStrike">
+              <a:solidFill>
+                <a:srgbClr val="000000"/>
+              </a:solidFill>
               <a:latin typeface="Times New Roman"/>
               <a:ea typeface="Times New Roman"/>
               <a:cs typeface="Times New Roman"/>
@@ -17342,7 +17441,7 @@
       </p:sp>
       <p:sp>
         <p:nvSpPr>
-          <p:cNvPr id="124" name="Google Shape;124;p1"/>
+          <p:cNvPr id="123" name="Google Shape;123;p1"/>
           <p:cNvSpPr txBox="1"/>
           <p:nvPr/>
         </p:nvSpPr>
@@ -17375,12 +17474,18 @@
               <a:spcAft>
                 <a:spcPts val="0"/>
               </a:spcAft>
+              <a:buClr>
+                <a:srgbClr val="000000"/>
+              </a:buClr>
               <a:buSzPts val="3600"/>
               <a:buFont typeface="Times New Roman"/>
               <a:buAutoNum type="arabicParenBoth"/>
             </a:pPr>
             <a:r>
-              <a:rPr lang="en-US" sz="3600">
+              <a:rPr b="0" i="0" lang="en-US" sz="3600" u="none" cap="none" strike="noStrike">
+                <a:solidFill>
+                  <a:srgbClr val="000000"/>
+                </a:solidFill>
                 <a:latin typeface="Times New Roman"/>
                 <a:ea typeface="Times New Roman"/>
                 <a:cs typeface="Times New Roman"/>
@@ -17388,7 +17493,10 @@
               </a:rPr>
               <a:t>Loading Pong game using </a:t>
             </a:r>
-            <a:endParaRPr sz="3600">
+            <a:endParaRPr b="0" i="0" sz="3600" u="none" cap="none" strike="noStrike">
+              <a:solidFill>
+                <a:srgbClr val="000000"/>
+              </a:solidFill>
               <a:latin typeface="Times New Roman"/>
               <a:ea typeface="Times New Roman"/>
               <a:cs typeface="Times New Roman"/>
@@ -17406,10 +17514,18 @@
               <a:spcAft>
                 <a:spcPts val="0"/>
               </a:spcAft>
+              <a:buClr>
+                <a:srgbClr val="000000"/>
+              </a:buClr>
+              <a:buSzPts val="3600"/>
+              <a:buFont typeface="Arial"/>
               <a:buNone/>
             </a:pPr>
             <a:r>
-              <a:rPr lang="en-US" sz="3600">
+              <a:rPr b="0" i="0" lang="en-US" sz="3600" u="none" cap="none" strike="noStrike">
+                <a:solidFill>
+                  <a:srgbClr val="000000"/>
+                </a:solidFill>
                 <a:latin typeface="Times New Roman"/>
                 <a:ea typeface="Times New Roman"/>
                 <a:cs typeface="Times New Roman"/>
@@ -17417,7 +17533,10 @@
               </a:rPr>
               <a:t>Gym package from OpenAI</a:t>
             </a:r>
-            <a:endParaRPr sz="3600">
+            <a:endParaRPr b="0" i="0" sz="3600" u="none" cap="none" strike="noStrike">
+              <a:solidFill>
+                <a:srgbClr val="000000"/>
+              </a:solidFill>
               <a:latin typeface="Times New Roman"/>
               <a:ea typeface="Times New Roman"/>
               <a:cs typeface="Times New Roman"/>
@@ -17435,12 +17554,18 @@
               <a:spcAft>
                 <a:spcPts val="0"/>
               </a:spcAft>
+              <a:buClr>
+                <a:srgbClr val="000000"/>
+              </a:buClr>
               <a:buSzPts val="3600"/>
               <a:buFont typeface="Times New Roman"/>
               <a:buChar char="-"/>
             </a:pPr>
             <a:r>
-              <a:rPr lang="en-US" sz="3600">
+              <a:rPr b="0" i="0" lang="en-US" sz="3600" u="none" cap="none" strike="noStrike">
+                <a:solidFill>
+                  <a:srgbClr val="000000"/>
+                </a:solidFill>
                 <a:latin typeface="Times New Roman"/>
                 <a:ea typeface="Times New Roman"/>
                 <a:cs typeface="Times New Roman"/>
@@ -17448,7 +17573,10 @@
               </a:rPr>
               <a:t>Dimension: 210x160 pixels</a:t>
             </a:r>
-            <a:endParaRPr sz="3600">
+            <a:endParaRPr b="0" i="0" sz="3600" u="none" cap="none" strike="noStrike">
+              <a:solidFill>
+                <a:srgbClr val="000000"/>
+              </a:solidFill>
               <a:latin typeface="Times New Roman"/>
               <a:ea typeface="Times New Roman"/>
               <a:cs typeface="Times New Roman"/>
@@ -17466,12 +17594,18 @@
               <a:spcAft>
                 <a:spcPts val="0"/>
               </a:spcAft>
+              <a:buClr>
+                <a:srgbClr val="000000"/>
+              </a:buClr>
               <a:buSzPts val="3600"/>
               <a:buFont typeface="Times New Roman"/>
               <a:buChar char="-"/>
             </a:pPr>
             <a:r>
-              <a:rPr lang="en-US" sz="3600">
+              <a:rPr b="0" i="0" lang="en-US" sz="3600" u="none" cap="none" strike="noStrike">
+                <a:solidFill>
+                  <a:srgbClr val="000000"/>
+                </a:solidFill>
                 <a:latin typeface="Times New Roman"/>
                 <a:ea typeface="Times New Roman"/>
                 <a:cs typeface="Times New Roman"/>
@@ -17479,7 +17613,10 @@
               </a:rPr>
               <a:t>RGB</a:t>
             </a:r>
-            <a:endParaRPr sz="3600">
+            <a:endParaRPr b="0" i="0" sz="3600" u="none" cap="none" strike="noStrike">
+              <a:solidFill>
+                <a:srgbClr val="000000"/>
+              </a:solidFill>
               <a:latin typeface="Times New Roman"/>
               <a:ea typeface="Times New Roman"/>
               <a:cs typeface="Times New Roman"/>
@@ -17497,12 +17634,20 @@
               <a:spcAft>
                 <a:spcPts val="0"/>
               </a:spcAft>
+              <a:buClr>
+                <a:srgbClr val="000000"/>
+              </a:buClr>
+              <a:buSzPts val="3600"/>
+              <a:buFont typeface="Arial"/>
               <a:buNone/>
             </a:pPr>
             <a:r>
               <a:t/>
             </a:r>
-            <a:endParaRPr sz="3600">
+            <a:endParaRPr b="0" i="0" sz="3600" u="none" cap="none" strike="noStrike">
+              <a:solidFill>
+                <a:srgbClr val="000000"/>
+              </a:solidFill>
               <a:latin typeface="Times New Roman"/>
               <a:ea typeface="Times New Roman"/>
               <a:cs typeface="Times New Roman"/>
@@ -17520,12 +17665,20 @@
               <a:spcAft>
                 <a:spcPts val="0"/>
               </a:spcAft>
+              <a:buClr>
+                <a:srgbClr val="000000"/>
+              </a:buClr>
+              <a:buSzPts val="3600"/>
+              <a:buFont typeface="Arial"/>
               <a:buNone/>
             </a:pPr>
             <a:r>
               <a:t/>
             </a:r>
-            <a:endParaRPr sz="3600">
+            <a:endParaRPr b="0" i="0" sz="3600" u="none" cap="none" strike="noStrike">
+              <a:solidFill>
+                <a:srgbClr val="000000"/>
+              </a:solidFill>
               <a:latin typeface="Times New Roman"/>
               <a:ea typeface="Times New Roman"/>
               <a:cs typeface="Times New Roman"/>
@@ -17543,12 +17696,18 @@
               <a:spcAft>
                 <a:spcPts val="0"/>
               </a:spcAft>
+              <a:buClr>
+                <a:srgbClr val="000000"/>
+              </a:buClr>
               <a:buSzPts val="3600"/>
               <a:buFont typeface="Times New Roman"/>
               <a:buAutoNum type="arabicParenBoth"/>
             </a:pPr>
             <a:r>
-              <a:rPr lang="en-US" sz="3600">
+              <a:rPr b="0" i="0" lang="en-US" sz="3600" u="none" cap="none" strike="noStrike">
+                <a:solidFill>
+                  <a:srgbClr val="000000"/>
+                </a:solidFill>
                 <a:latin typeface="Times New Roman"/>
                 <a:ea typeface="Times New Roman"/>
                 <a:cs typeface="Times New Roman"/>
@@ -17556,7 +17715,10 @@
               </a:rPr>
               <a:t>Preprocessing the game:</a:t>
             </a:r>
-            <a:endParaRPr sz="3600">
+            <a:endParaRPr b="0" i="0" sz="3600" u="none" cap="none" strike="noStrike">
+              <a:solidFill>
+                <a:srgbClr val="000000"/>
+              </a:solidFill>
               <a:latin typeface="Times New Roman"/>
               <a:ea typeface="Times New Roman"/>
               <a:cs typeface="Times New Roman"/>
@@ -17574,12 +17736,18 @@
               <a:spcAft>
                 <a:spcPts val="0"/>
               </a:spcAft>
+              <a:buClr>
+                <a:srgbClr val="000000"/>
+              </a:buClr>
               <a:buSzPts val="3600"/>
               <a:buFont typeface="Times New Roman"/>
               <a:buChar char="-"/>
             </a:pPr>
             <a:r>
-              <a:rPr lang="en-US" sz="3600">
+              <a:rPr b="0" i="0" lang="en-US" sz="3600" u="none" cap="none" strike="noStrike">
+                <a:solidFill>
+                  <a:srgbClr val="000000"/>
+                </a:solidFill>
                 <a:latin typeface="Times New Roman"/>
                 <a:ea typeface="Times New Roman"/>
                 <a:cs typeface="Times New Roman"/>
@@ -17587,7 +17755,10 @@
               </a:rPr>
               <a:t>Downscale to 84x84 pixels</a:t>
             </a:r>
-            <a:endParaRPr sz="3600">
+            <a:endParaRPr b="0" i="0" sz="3600" u="none" cap="none" strike="noStrike">
+              <a:solidFill>
+                <a:srgbClr val="000000"/>
+              </a:solidFill>
               <a:latin typeface="Times New Roman"/>
               <a:ea typeface="Times New Roman"/>
               <a:cs typeface="Times New Roman"/>
@@ -17605,12 +17776,18 @@
               <a:spcAft>
                 <a:spcPts val="0"/>
               </a:spcAft>
+              <a:buClr>
+                <a:srgbClr val="000000"/>
+              </a:buClr>
               <a:buSzPts val="3600"/>
               <a:buFont typeface="Times New Roman"/>
               <a:buChar char="-"/>
             </a:pPr>
             <a:r>
-              <a:rPr lang="en-US" sz="3600">
+              <a:rPr b="0" i="0" lang="en-US" sz="3600" u="none" cap="none" strike="noStrike">
+                <a:solidFill>
+                  <a:srgbClr val="000000"/>
+                </a:solidFill>
                 <a:latin typeface="Times New Roman"/>
                 <a:ea typeface="Times New Roman"/>
                 <a:cs typeface="Times New Roman"/>
@@ -17618,7 +17795,10 @@
               </a:rPr>
               <a:t>Grayscaling</a:t>
             </a:r>
-            <a:endParaRPr sz="3600">
+            <a:endParaRPr b="0" i="0" sz="3600" u="none" cap="none" strike="noStrike">
+              <a:solidFill>
+                <a:srgbClr val="000000"/>
+              </a:solidFill>
               <a:latin typeface="Times New Roman"/>
               <a:ea typeface="Times New Roman"/>
               <a:cs typeface="Times New Roman"/>
@@ -17636,12 +17816,18 @@
               <a:spcAft>
                 <a:spcPts val="0"/>
               </a:spcAft>
+              <a:buClr>
+                <a:srgbClr val="000000"/>
+              </a:buClr>
               <a:buSzPts val="3600"/>
               <a:buFont typeface="Times New Roman"/>
               <a:buChar char="-"/>
             </a:pPr>
             <a:r>
-              <a:rPr lang="en-US" sz="3600">
+              <a:rPr b="0" i="0" lang="en-US" sz="3600" u="none" cap="none" strike="noStrike">
+                <a:solidFill>
+                  <a:srgbClr val="000000"/>
+                </a:solidFill>
                 <a:latin typeface="Times New Roman"/>
                 <a:ea typeface="Times New Roman"/>
                 <a:cs typeface="Times New Roman"/>
@@ -17649,7 +17835,10 @@
               </a:rPr>
               <a:t>Max and skip</a:t>
             </a:r>
-            <a:endParaRPr sz="3600">
+            <a:endParaRPr b="0" i="0" sz="3600" u="none" cap="none" strike="noStrike">
+              <a:solidFill>
+                <a:srgbClr val="000000"/>
+              </a:solidFill>
               <a:latin typeface="Times New Roman"/>
               <a:ea typeface="Times New Roman"/>
               <a:cs typeface="Times New Roman"/>
@@ -17667,12 +17856,20 @@
               <a:spcAft>
                 <a:spcPts val="0"/>
               </a:spcAft>
+              <a:buClr>
+                <a:srgbClr val="000000"/>
+              </a:buClr>
+              <a:buSzPts val="3600"/>
+              <a:buFont typeface="Arial"/>
               <a:buNone/>
             </a:pPr>
             <a:r>
               <a:t/>
             </a:r>
-            <a:endParaRPr sz="3600">
+            <a:endParaRPr b="0" i="0" sz="3600" u="none" cap="none" strike="noStrike">
+              <a:solidFill>
+                <a:srgbClr val="000000"/>
+              </a:solidFill>
               <a:latin typeface="Times New Roman"/>
               <a:ea typeface="Times New Roman"/>
               <a:cs typeface="Times New Roman"/>
@@ -17690,12 +17887,18 @@
               <a:spcAft>
                 <a:spcPts val="0"/>
               </a:spcAft>
+              <a:buClr>
+                <a:srgbClr val="000000"/>
+              </a:buClr>
               <a:buSzPts val="3600"/>
               <a:buFont typeface="Times New Roman"/>
               <a:buAutoNum type="arabicParenBoth"/>
             </a:pPr>
             <a:r>
-              <a:rPr lang="en-US" sz="3600">
+              <a:rPr b="0" i="0" lang="en-US" sz="3600" u="none" cap="none" strike="noStrike">
+                <a:solidFill>
+                  <a:srgbClr val="000000"/>
+                </a:solidFill>
                 <a:latin typeface="Times New Roman"/>
                 <a:ea typeface="Times New Roman"/>
                 <a:cs typeface="Times New Roman"/>
@@ -17703,7 +17906,10 @@
               </a:rPr>
               <a:t>Feeding the Neural Network</a:t>
             </a:r>
-            <a:endParaRPr sz="3600">
+            <a:endParaRPr b="0" i="0" sz="3600" u="none" cap="none" strike="noStrike">
+              <a:solidFill>
+                <a:srgbClr val="000000"/>
+              </a:solidFill>
               <a:latin typeface="Times New Roman"/>
               <a:ea typeface="Times New Roman"/>
               <a:cs typeface="Times New Roman"/>
@@ -17721,10 +17927,25 @@
               <a:spcAft>
                 <a:spcPts val="0"/>
               </a:spcAft>
+              <a:buClr>
+                <a:srgbClr val="000000"/>
+              </a:buClr>
               <a:buSzPts val="3600"/>
               <a:buFont typeface="Times New Roman"/>
               <a:buChar char="-"/>
             </a:pPr>
+            <a:r>
+              <a:rPr b="0" i="0" lang="en-US" sz="3600" u="none" cap="none" strike="noStrike">
+                <a:solidFill>
+                  <a:srgbClr val="000000"/>
+                </a:solidFill>
+                <a:latin typeface="Times New Roman"/>
+                <a:ea typeface="Times New Roman"/>
+                <a:cs typeface="Times New Roman"/>
+                <a:sym typeface="Times New Roman"/>
+              </a:rPr>
+              <a:t>Output: </a:t>
+            </a:r>
             <a:r>
               <a:rPr lang="en-US" sz="3600">
                 <a:latin typeface="Times New Roman"/>
@@ -17732,9 +17953,24 @@
                 <a:cs typeface="Times New Roman"/>
                 <a:sym typeface="Times New Roman"/>
               </a:rPr>
-              <a:t>Output: 2 Q-values</a:t>
+              <a:t>Estimated </a:t>
             </a:r>
-            <a:endParaRPr sz="3600">
+            <a:r>
+              <a:rPr b="0" i="0" lang="en-US" sz="3600" u="none" cap="none" strike="noStrike">
+                <a:solidFill>
+                  <a:srgbClr val="000000"/>
+                </a:solidFill>
+                <a:latin typeface="Times New Roman"/>
+                <a:ea typeface="Times New Roman"/>
+                <a:cs typeface="Times New Roman"/>
+                <a:sym typeface="Times New Roman"/>
+              </a:rPr>
+              <a:t>Q-values</a:t>
+            </a:r>
+            <a:endParaRPr b="0" i="0" sz="3600" u="none" cap="none" strike="noStrike">
+              <a:solidFill>
+                <a:srgbClr val="000000"/>
+              </a:solidFill>
               <a:latin typeface="Times New Roman"/>
               <a:ea typeface="Times New Roman"/>
               <a:cs typeface="Times New Roman"/>
@@ -17752,12 +17988,18 @@
               <a:spcAft>
                 <a:spcPts val="0"/>
               </a:spcAft>
+              <a:buClr>
+                <a:srgbClr val="000000"/>
+              </a:buClr>
               <a:buSzPts val="3600"/>
               <a:buFont typeface="Times New Roman"/>
               <a:buChar char="-"/>
             </a:pPr>
             <a:r>
-              <a:rPr lang="en-US" sz="3600">
+              <a:rPr b="0" i="0" lang="en-US" sz="3600" u="none" cap="none" strike="noStrike">
+                <a:solidFill>
+                  <a:srgbClr val="000000"/>
+                </a:solidFill>
                 <a:latin typeface="Times New Roman"/>
                 <a:ea typeface="Times New Roman"/>
                 <a:cs typeface="Times New Roman"/>
@@ -17765,7 +18007,10 @@
               </a:rPr>
               <a:t>Replay memory</a:t>
             </a:r>
-            <a:endParaRPr sz="3600">
+            <a:endParaRPr b="0" i="0" sz="3600" u="none" cap="none" strike="noStrike">
+              <a:solidFill>
+                <a:srgbClr val="000000"/>
+              </a:solidFill>
               <a:latin typeface="Times New Roman"/>
               <a:ea typeface="Times New Roman"/>
               <a:cs typeface="Times New Roman"/>
@@ -17783,12 +18028,18 @@
               <a:spcAft>
                 <a:spcPts val="0"/>
               </a:spcAft>
+              <a:buClr>
+                <a:srgbClr val="000000"/>
+              </a:buClr>
               <a:buSzPts val="3600"/>
               <a:buFont typeface="Times New Roman"/>
               <a:buChar char="-"/>
             </a:pPr>
             <a:r>
-              <a:rPr lang="en-US" sz="3600">
+              <a:rPr b="0" i="0" lang="en-US" sz="3600" u="none" cap="none" strike="noStrike">
+                <a:solidFill>
+                  <a:srgbClr val="000000"/>
+                </a:solidFill>
                 <a:latin typeface="Times New Roman"/>
                 <a:ea typeface="Times New Roman"/>
                 <a:cs typeface="Times New Roman"/>
@@ -17796,7 +18047,10 @@
               </a:rPr>
               <a:t>Backpropagation</a:t>
             </a:r>
-            <a:endParaRPr sz="3600">
+            <a:endParaRPr b="0" i="0" sz="3600" u="none" cap="none" strike="noStrike">
+              <a:solidFill>
+                <a:srgbClr val="000000"/>
+              </a:solidFill>
               <a:latin typeface="Times New Roman"/>
               <a:ea typeface="Times New Roman"/>
               <a:cs typeface="Times New Roman"/>
@@ -17814,12 +18068,20 @@
               <a:spcAft>
                 <a:spcPts val="0"/>
               </a:spcAft>
+              <a:buClr>
+                <a:srgbClr val="000000"/>
+              </a:buClr>
+              <a:buSzPts val="3600"/>
+              <a:buFont typeface="Arial"/>
               <a:buNone/>
             </a:pPr>
             <a:r>
               <a:t/>
             </a:r>
-            <a:endParaRPr sz="3600">
+            <a:endParaRPr b="0" i="0" sz="3600" u="none" cap="none" strike="noStrike">
+              <a:solidFill>
+                <a:srgbClr val="000000"/>
+              </a:solidFill>
               <a:latin typeface="Times New Roman"/>
               <a:ea typeface="Times New Roman"/>
               <a:cs typeface="Times New Roman"/>
@@ -17837,12 +18099,20 @@
               <a:spcAft>
                 <a:spcPts val="0"/>
               </a:spcAft>
+              <a:buClr>
+                <a:srgbClr val="000000"/>
+              </a:buClr>
+              <a:buSzPts val="3600"/>
+              <a:buFont typeface="Arial"/>
               <a:buNone/>
             </a:pPr>
             <a:r>
               <a:t/>
             </a:r>
-            <a:endParaRPr sz="3600">
+            <a:endParaRPr b="0" i="0" sz="3600" u="none" cap="none" strike="noStrike">
+              <a:solidFill>
+                <a:srgbClr val="000000"/>
+              </a:solidFill>
               <a:latin typeface="Times New Roman"/>
               <a:ea typeface="Times New Roman"/>
               <a:cs typeface="Times New Roman"/>
@@ -17860,12 +18130,20 @@
               <a:spcAft>
                 <a:spcPts val="0"/>
               </a:spcAft>
+              <a:buClr>
+                <a:srgbClr val="000000"/>
+              </a:buClr>
+              <a:buSzPts val="3600"/>
+              <a:buFont typeface="Arial"/>
               <a:buNone/>
             </a:pPr>
             <a:r>
               <a:t/>
             </a:r>
-            <a:endParaRPr sz="3600">
+            <a:endParaRPr b="0" i="0" sz="3600" u="none" cap="none" strike="noStrike">
+              <a:solidFill>
+                <a:srgbClr val="000000"/>
+              </a:solidFill>
               <a:latin typeface="Times New Roman"/>
               <a:ea typeface="Times New Roman"/>
               <a:cs typeface="Times New Roman"/>
@@ -17883,12 +18161,20 @@
               <a:spcAft>
                 <a:spcPts val="0"/>
               </a:spcAft>
+              <a:buClr>
+                <a:srgbClr val="000000"/>
+              </a:buClr>
+              <a:buSzPts val="3600"/>
+              <a:buFont typeface="Arial"/>
               <a:buNone/>
             </a:pPr>
             <a:r>
               <a:t/>
             </a:r>
-            <a:endParaRPr sz="3600">
+            <a:endParaRPr b="0" i="0" sz="3600" u="none" cap="none" strike="noStrike">
+              <a:solidFill>
+                <a:srgbClr val="000000"/>
+              </a:solidFill>
               <a:latin typeface="Times New Roman"/>
               <a:ea typeface="Times New Roman"/>
               <a:cs typeface="Times New Roman"/>
@@ -17899,17 +18185,16 @@
       </p:sp>
       <p:pic>
         <p:nvPicPr>
-          <p:cNvPr id="125" name="Google Shape;125;p1"/>
+          <p:cNvPr id="124" name="Google Shape;124;p1"/>
           <p:cNvPicPr preferRelativeResize="0"/>
           <p:nvPr/>
         </p:nvPicPr>
-        <p:blipFill>
+        <p:blipFill rotWithShape="1">
           <a:blip r:embed="rId7">
             <a:alphaModFix/>
           </a:blip>
-          <a:stretch>
-            <a:fillRect/>
-          </a:stretch>
+          <a:srcRect b="0" l="0" r="0" t="0"/>
+          <a:stretch/>
         </p:blipFill>
         <p:spPr>
           <a:xfrm>
@@ -17925,6 +18210,490 @@
           </a:ln>
         </p:spPr>
       </p:pic>
+      <p:sp>
+        <p:nvSpPr>
+          <p:cNvPr id="125" name="Google Shape;125;p1"/>
+          <p:cNvSpPr txBox="1"/>
+          <p:nvPr/>
+        </p:nvSpPr>
+        <p:spPr>
+          <a:xfrm>
+            <a:off x="21238013" y="11604300"/>
+            <a:ext cx="7065000" cy="1014000"/>
+          </a:xfrm>
+          <a:prstGeom prst="rect">
+            <a:avLst/>
+          </a:prstGeom>
+          <a:noFill/>
+          <a:ln>
+            <a:noFill/>
+          </a:ln>
+        </p:spPr>
+        <p:txBody>
+          <a:bodyPr anchorCtr="0" anchor="t" bIns="91425" lIns="91425" spcFirstLastPara="1" rIns="91425" wrap="square" tIns="91425">
+            <a:noAutofit/>
+          </a:bodyPr>
+          <a:lstStyle/>
+          <a:p>
+            <a:pPr indent="0" lvl="0" marL="0" marR="0" rtl="0" algn="ctr">
+              <a:lnSpc>
+                <a:spcPct val="100000"/>
+              </a:lnSpc>
+              <a:spcBef>
+                <a:spcPts val="0"/>
+              </a:spcBef>
+              <a:spcAft>
+                <a:spcPts val="0"/>
+              </a:spcAft>
+              <a:buClr>
+                <a:srgbClr val="000000"/>
+              </a:buClr>
+              <a:buSzPts val="4800"/>
+              <a:buFont typeface="Arial"/>
+              <a:buNone/>
+            </a:pPr>
+            <a:r>
+              <a:rPr b="1" i="0" lang="en-US" sz="4800" u="sng" cap="none" strike="noStrike">
+                <a:solidFill>
+                  <a:srgbClr val="000000"/>
+                </a:solidFill>
+                <a:latin typeface="Arial"/>
+                <a:ea typeface="Arial"/>
+                <a:cs typeface="Arial"/>
+                <a:sym typeface="Arial"/>
+              </a:rPr>
+              <a:t>Epsilon-Greedy</a:t>
+            </a:r>
+            <a:endParaRPr b="1" i="0" sz="4800" u="sng" cap="none" strike="noStrike">
+              <a:solidFill>
+                <a:srgbClr val="000000"/>
+              </a:solidFill>
+              <a:latin typeface="Arial"/>
+              <a:ea typeface="Arial"/>
+              <a:cs typeface="Arial"/>
+              <a:sym typeface="Arial"/>
+            </a:endParaRPr>
+          </a:p>
+        </p:txBody>
+      </p:sp>
+      <p:cxnSp>
+        <p:nvCxnSpPr>
+          <p:cNvPr id="126" name="Google Shape;126;p1"/>
+          <p:cNvCxnSpPr/>
+          <p:nvPr/>
+        </p:nvCxnSpPr>
+        <p:spPr>
+          <a:xfrm flipH="1">
+            <a:off x="925513" y="18116475"/>
+            <a:ext cx="40957500" cy="19200"/>
+          </a:xfrm>
+          <a:prstGeom prst="straightConnector1">
+            <a:avLst/>
+          </a:prstGeom>
+          <a:noFill/>
+          <a:ln cap="flat" cmpd="sng" w="38100">
+            <a:solidFill>
+              <a:srgbClr val="BF2B36"/>
+            </a:solidFill>
+            <a:prstDash val="solid"/>
+            <a:round/>
+            <a:headEnd len="sm" w="sm" type="none"/>
+            <a:tailEnd len="sm" w="sm" type="none"/>
+          </a:ln>
+        </p:spPr>
+      </p:cxnSp>
+      <p:cxnSp>
+        <p:nvCxnSpPr>
+          <p:cNvPr id="127" name="Google Shape;127;p1"/>
+          <p:cNvCxnSpPr/>
+          <p:nvPr/>
+        </p:nvCxnSpPr>
+        <p:spPr>
+          <a:xfrm>
+            <a:off x="27679650" y="18347888"/>
+            <a:ext cx="19200" cy="11065200"/>
+          </a:xfrm>
+          <a:prstGeom prst="straightConnector1">
+            <a:avLst/>
+          </a:prstGeom>
+          <a:noFill/>
+          <a:ln cap="flat" cmpd="sng" w="38100">
+            <a:solidFill>
+              <a:srgbClr val="BF2B36"/>
+            </a:solidFill>
+            <a:prstDash val="solid"/>
+            <a:round/>
+            <a:headEnd len="sm" w="sm" type="none"/>
+            <a:tailEnd len="sm" w="sm" type="none"/>
+          </a:ln>
+        </p:spPr>
+      </p:cxnSp>
+      <p:sp>
+        <p:nvSpPr>
+          <p:cNvPr id="128" name="Google Shape;128;p1"/>
+          <p:cNvSpPr txBox="1"/>
+          <p:nvPr/>
+        </p:nvSpPr>
+        <p:spPr>
+          <a:xfrm>
+            <a:off x="21322913" y="8024525"/>
+            <a:ext cx="6895200" cy="3000000"/>
+          </a:xfrm>
+          <a:prstGeom prst="rect">
+            <a:avLst/>
+          </a:prstGeom>
+          <a:noFill/>
+          <a:ln>
+            <a:noFill/>
+          </a:ln>
+        </p:spPr>
+        <p:txBody>
+          <a:bodyPr anchorCtr="0" anchor="t" bIns="91425" lIns="91425" spcFirstLastPara="1" rIns="91425" wrap="square" tIns="91425">
+            <a:noAutofit/>
+          </a:bodyPr>
+          <a:lstStyle/>
+          <a:p>
+            <a:pPr indent="-457200" lvl="0" marL="457200" marR="0" rtl="0" algn="l">
+              <a:lnSpc>
+                <a:spcPct val="100000"/>
+              </a:lnSpc>
+              <a:spcBef>
+                <a:spcPts val="0"/>
+              </a:spcBef>
+              <a:spcAft>
+                <a:spcPts val="0"/>
+              </a:spcAft>
+              <a:buClr>
+                <a:srgbClr val="000000"/>
+              </a:buClr>
+              <a:buSzPts val="3600"/>
+              <a:buFont typeface="Times New Roman"/>
+              <a:buChar char="-"/>
+            </a:pPr>
+            <a:r>
+              <a:rPr lang="en-US" sz="3600">
+                <a:latin typeface="Times New Roman"/>
+                <a:ea typeface="Times New Roman"/>
+                <a:cs typeface="Times New Roman"/>
+                <a:sym typeface="Times New Roman"/>
+              </a:rPr>
+              <a:t>Reduces correlation of updates</a:t>
+            </a:r>
+            <a:endParaRPr sz="3600">
+              <a:latin typeface="Times New Roman"/>
+              <a:ea typeface="Times New Roman"/>
+              <a:cs typeface="Times New Roman"/>
+              <a:sym typeface="Times New Roman"/>
+            </a:endParaRPr>
+          </a:p>
+          <a:p>
+            <a:pPr indent="-457200" lvl="0" marL="457200" marR="0" rtl="0" algn="l">
+              <a:lnSpc>
+                <a:spcPct val="100000"/>
+              </a:lnSpc>
+              <a:spcBef>
+                <a:spcPts val="0"/>
+              </a:spcBef>
+              <a:spcAft>
+                <a:spcPts val="0"/>
+              </a:spcAft>
+              <a:buSzPts val="3600"/>
+              <a:buFont typeface="Times New Roman"/>
+              <a:buChar char="-"/>
+            </a:pPr>
+            <a:r>
+              <a:rPr lang="en-US" sz="3600">
+                <a:latin typeface="Times New Roman"/>
+                <a:ea typeface="Times New Roman"/>
+                <a:cs typeface="Times New Roman"/>
+                <a:sym typeface="Times New Roman"/>
+              </a:rPr>
+              <a:t>Increases learning speed</a:t>
+            </a:r>
+            <a:endParaRPr sz="3600">
+              <a:latin typeface="Times New Roman"/>
+              <a:ea typeface="Times New Roman"/>
+              <a:cs typeface="Times New Roman"/>
+              <a:sym typeface="Times New Roman"/>
+            </a:endParaRPr>
+          </a:p>
+          <a:p>
+            <a:pPr indent="-457200" lvl="0" marL="457200" marR="0" rtl="0" algn="l">
+              <a:lnSpc>
+                <a:spcPct val="100000"/>
+              </a:lnSpc>
+              <a:spcBef>
+                <a:spcPts val="0"/>
+              </a:spcBef>
+              <a:spcAft>
+                <a:spcPts val="0"/>
+              </a:spcAft>
+              <a:buSzPts val="3600"/>
+              <a:buFont typeface="Times New Roman"/>
+              <a:buChar char="-"/>
+            </a:pPr>
+            <a:r>
+              <a:rPr lang="en-US" sz="3600">
+                <a:latin typeface="Times New Roman"/>
+                <a:ea typeface="Times New Roman"/>
+                <a:cs typeface="Times New Roman"/>
+                <a:sym typeface="Times New Roman"/>
+              </a:rPr>
+              <a:t>Stores memory of old transitions</a:t>
+            </a:r>
+            <a:endParaRPr sz="3600">
+              <a:latin typeface="Times New Roman"/>
+              <a:ea typeface="Times New Roman"/>
+              <a:cs typeface="Times New Roman"/>
+              <a:sym typeface="Times New Roman"/>
+            </a:endParaRPr>
+          </a:p>
+        </p:txBody>
+      </p:sp>
+      <p:sp>
+        <p:nvSpPr>
+          <p:cNvPr id="129" name="Google Shape;129;p1"/>
+          <p:cNvSpPr txBox="1"/>
+          <p:nvPr/>
+        </p:nvSpPr>
+        <p:spPr>
+          <a:xfrm>
+            <a:off x="21322900" y="12498225"/>
+            <a:ext cx="6895200" cy="3000000"/>
+          </a:xfrm>
+          <a:prstGeom prst="rect">
+            <a:avLst/>
+          </a:prstGeom>
+          <a:noFill/>
+          <a:ln>
+            <a:noFill/>
+          </a:ln>
+        </p:spPr>
+        <p:txBody>
+          <a:bodyPr anchorCtr="0" anchor="t" bIns="91425" lIns="91425" spcFirstLastPara="1" rIns="91425" wrap="square" tIns="91425">
+            <a:noAutofit/>
+          </a:bodyPr>
+          <a:lstStyle/>
+          <a:p>
+            <a:pPr indent="-457200" lvl="0" marL="457200" marR="0" rtl="0" algn="l">
+              <a:lnSpc>
+                <a:spcPct val="100000"/>
+              </a:lnSpc>
+              <a:spcBef>
+                <a:spcPts val="0"/>
+              </a:spcBef>
+              <a:spcAft>
+                <a:spcPts val="0"/>
+              </a:spcAft>
+              <a:buClr>
+                <a:srgbClr val="000000"/>
+              </a:buClr>
+              <a:buSzPts val="3600"/>
+              <a:buFont typeface="Times New Roman"/>
+              <a:buChar char="-"/>
+            </a:pPr>
+            <a:r>
+              <a:rPr lang="en-US" sz="3600">
+                <a:latin typeface="Times New Roman"/>
+                <a:ea typeface="Times New Roman"/>
+                <a:cs typeface="Times New Roman"/>
+                <a:sym typeface="Times New Roman"/>
+              </a:rPr>
+              <a:t>Reduces correlation of updates</a:t>
+            </a:r>
+            <a:endParaRPr sz="3600">
+              <a:latin typeface="Times New Roman"/>
+              <a:ea typeface="Times New Roman"/>
+              <a:cs typeface="Times New Roman"/>
+              <a:sym typeface="Times New Roman"/>
+            </a:endParaRPr>
+          </a:p>
+          <a:p>
+            <a:pPr indent="-457200" lvl="0" marL="457200" marR="0" rtl="0" algn="l">
+              <a:lnSpc>
+                <a:spcPct val="100000"/>
+              </a:lnSpc>
+              <a:spcBef>
+                <a:spcPts val="0"/>
+              </a:spcBef>
+              <a:spcAft>
+                <a:spcPts val="0"/>
+              </a:spcAft>
+              <a:buSzPts val="3600"/>
+              <a:buFont typeface="Times New Roman"/>
+              <a:buChar char="-"/>
+            </a:pPr>
+            <a:r>
+              <a:rPr lang="en-US" sz="3600">
+                <a:latin typeface="Times New Roman"/>
+                <a:ea typeface="Times New Roman"/>
+                <a:cs typeface="Times New Roman"/>
+                <a:sym typeface="Times New Roman"/>
+              </a:rPr>
+              <a:t>Increases learning speed</a:t>
+            </a:r>
+            <a:endParaRPr sz="3600">
+              <a:latin typeface="Times New Roman"/>
+              <a:ea typeface="Times New Roman"/>
+              <a:cs typeface="Times New Roman"/>
+              <a:sym typeface="Times New Roman"/>
+            </a:endParaRPr>
+          </a:p>
+          <a:p>
+            <a:pPr indent="-457200" lvl="0" marL="457200" marR="0" rtl="0" algn="l">
+              <a:lnSpc>
+                <a:spcPct val="100000"/>
+              </a:lnSpc>
+              <a:spcBef>
+                <a:spcPts val="0"/>
+              </a:spcBef>
+              <a:spcAft>
+                <a:spcPts val="0"/>
+              </a:spcAft>
+              <a:buSzPts val="3600"/>
+              <a:buFont typeface="Times New Roman"/>
+              <a:buChar char="-"/>
+            </a:pPr>
+            <a:r>
+              <a:rPr lang="en-US" sz="3600">
+                <a:latin typeface="Times New Roman"/>
+                <a:ea typeface="Times New Roman"/>
+                <a:cs typeface="Times New Roman"/>
+                <a:sym typeface="Times New Roman"/>
+              </a:rPr>
+              <a:t>Stores memory of old transitions</a:t>
+            </a:r>
+            <a:endParaRPr sz="3600">
+              <a:latin typeface="Times New Roman"/>
+              <a:ea typeface="Times New Roman"/>
+              <a:cs typeface="Times New Roman"/>
+              <a:sym typeface="Times New Roman"/>
+            </a:endParaRPr>
+          </a:p>
+        </p:txBody>
+      </p:sp>
+      <p:sp>
+        <p:nvSpPr>
+          <p:cNvPr id="130" name="Google Shape;130;p1"/>
+          <p:cNvSpPr txBox="1"/>
+          <p:nvPr/>
+        </p:nvSpPr>
+        <p:spPr>
+          <a:xfrm>
+            <a:off x="31616738" y="8049400"/>
+            <a:ext cx="6895200" cy="3000000"/>
+          </a:xfrm>
+          <a:prstGeom prst="rect">
+            <a:avLst/>
+          </a:prstGeom>
+          <a:noFill/>
+          <a:ln>
+            <a:noFill/>
+          </a:ln>
+        </p:spPr>
+        <p:txBody>
+          <a:bodyPr anchorCtr="0" anchor="t" bIns="91425" lIns="91425" spcFirstLastPara="1" rIns="91425" wrap="square" tIns="91425">
+            <a:noAutofit/>
+          </a:bodyPr>
+          <a:lstStyle/>
+          <a:p>
+            <a:pPr indent="-457200" lvl="0" marL="457200" marR="0" rtl="0" algn="l">
+              <a:lnSpc>
+                <a:spcPct val="100000"/>
+              </a:lnSpc>
+              <a:spcBef>
+                <a:spcPts val="0"/>
+              </a:spcBef>
+              <a:spcAft>
+                <a:spcPts val="0"/>
+              </a:spcAft>
+              <a:buClr>
+                <a:srgbClr val="000000"/>
+              </a:buClr>
+              <a:buSzPts val="3600"/>
+              <a:buFont typeface="Times New Roman"/>
+              <a:buChar char="-"/>
+            </a:pPr>
+            <a:r>
+              <a:rPr lang="en-US" sz="3600">
+                <a:latin typeface="Times New Roman"/>
+                <a:ea typeface="Times New Roman"/>
+                <a:cs typeface="Times New Roman"/>
+                <a:sym typeface="Times New Roman"/>
+              </a:rPr>
+              <a:t>Reduces correlation of updates</a:t>
+            </a:r>
+            <a:endParaRPr sz="3600">
+              <a:latin typeface="Times New Roman"/>
+              <a:ea typeface="Times New Roman"/>
+              <a:cs typeface="Times New Roman"/>
+              <a:sym typeface="Times New Roman"/>
+            </a:endParaRPr>
+          </a:p>
+          <a:p>
+            <a:pPr indent="-457200" lvl="0" marL="457200" marR="0" rtl="0" algn="l">
+              <a:lnSpc>
+                <a:spcPct val="100000"/>
+              </a:lnSpc>
+              <a:spcBef>
+                <a:spcPts val="0"/>
+              </a:spcBef>
+              <a:spcAft>
+                <a:spcPts val="0"/>
+              </a:spcAft>
+              <a:buSzPts val="3600"/>
+              <a:buFont typeface="Times New Roman"/>
+              <a:buChar char="-"/>
+            </a:pPr>
+            <a:r>
+              <a:rPr lang="en-US" sz="3600">
+                <a:latin typeface="Times New Roman"/>
+                <a:ea typeface="Times New Roman"/>
+                <a:cs typeface="Times New Roman"/>
+                <a:sym typeface="Times New Roman"/>
+              </a:rPr>
+              <a:t>Increases learning speed</a:t>
+            </a:r>
+            <a:endParaRPr sz="3600">
+              <a:latin typeface="Times New Roman"/>
+              <a:ea typeface="Times New Roman"/>
+              <a:cs typeface="Times New Roman"/>
+              <a:sym typeface="Times New Roman"/>
+            </a:endParaRPr>
+          </a:p>
+          <a:p>
+            <a:pPr indent="-457200" lvl="0" marL="457200" marR="0" rtl="0" algn="l">
+              <a:lnSpc>
+                <a:spcPct val="100000"/>
+              </a:lnSpc>
+              <a:spcBef>
+                <a:spcPts val="0"/>
+              </a:spcBef>
+              <a:spcAft>
+                <a:spcPts val="0"/>
+              </a:spcAft>
+              <a:buSzPts val="3600"/>
+              <a:buFont typeface="Times New Roman"/>
+              <a:buChar char="-"/>
+            </a:pPr>
+            <a:r>
+              <a:rPr lang="en-US" sz="3600">
+                <a:latin typeface="Times New Roman"/>
+                <a:ea typeface="Times New Roman"/>
+                <a:cs typeface="Times New Roman"/>
+                <a:sym typeface="Times New Roman"/>
+              </a:rPr>
+              <a:t>Stores memory of old transitions</a:t>
+            </a:r>
+            <a:endParaRPr sz="3600">
+              <a:latin typeface="Times New Roman"/>
+              <a:ea typeface="Times New Roman"/>
+              <a:cs typeface="Times New Roman"/>
+              <a:sym typeface="Times New Roman"/>
+            </a:endParaRPr>
+          </a:p>
+        </p:txBody>
+      </p:sp>
     </p:spTree>
   </p:cSld>
   <p:clrMapOvr>
@@ -17934,6 +18703,285 @@
 </file>
 
 <file path=ppt/theme/theme1.xml><?xml version="1.0" encoding="utf-8"?>
+<a:theme xmlns:a="http://schemas.openxmlformats.org/drawingml/2006/main" xmlns:r="http://schemas.openxmlformats.org/officeDocument/2006/relationships" name="Default Design">
+  <a:themeElements>
+    <a:clrScheme name="Default Design 2">
+      <a:dk1>
+        <a:srgbClr val="000000"/>
+      </a:dk1>
+      <a:lt1>
+        <a:srgbClr val="FFFFFF"/>
+      </a:lt1>
+      <a:dk2>
+        <a:srgbClr val="000000"/>
+      </a:dk2>
+      <a:lt2>
+        <a:srgbClr val="808080"/>
+      </a:lt2>
+      <a:accent1>
+        <a:srgbClr val="00CC99"/>
+      </a:accent1>
+      <a:accent2>
+        <a:srgbClr val="3333CC"/>
+      </a:accent2>
+      <a:accent3>
+        <a:srgbClr val="FFFFFF"/>
+      </a:accent3>
+      <a:accent4>
+        <a:srgbClr val="000000"/>
+      </a:accent4>
+      <a:accent5>
+        <a:srgbClr val="AAE2CA"/>
+      </a:accent5>
+      <a:accent6>
+        <a:srgbClr val="2D2DB9"/>
+      </a:accent6>
+      <a:hlink>
+        <a:srgbClr val="CCCCFF"/>
+      </a:hlink>
+      <a:folHlink>
+        <a:srgbClr val="B2B2B2"/>
+      </a:folHlink>
+    </a:clrScheme>
+    <a:fontScheme name="Office">
+      <a:majorFont>
+        <a:latin typeface="Arial"/>
+        <a:ea typeface=""/>
+        <a:cs typeface=""/>
+        <a:font script="Jpan" typeface="ＭＳ Ｐゴシック"/>
+        <a:font script="Hang" typeface="맑은 고딕"/>
+        <a:font script="Hans" typeface="宋体"/>
+        <a:font script="Hant" typeface="新細明體"/>
+        <a:font script="Arab" typeface="Times New Roman"/>
+        <a:font script="Hebr" typeface="Times New Roman"/>
+        <a:font script="Thai" typeface="Angsana New"/>
+        <a:font script="Ethi" typeface="Nyala"/>
+        <a:font script="Beng" typeface="Vrinda"/>
+        <a:font script="Gujr" typeface="Shruti"/>
+        <a:font script="Khmr" typeface="MoolBoran"/>
+        <a:font script="Knda" typeface="Tunga"/>
+        <a:font script="Guru" typeface="Raavi"/>
+        <a:font script="Cans" typeface="Euphemia"/>
+        <a:font script="Cher" typeface="Plantagenet Cherokee"/>
+        <a:font script="Yiii" typeface="Microsoft Yi Baiti"/>
+        <a:font script="Tibt" typeface="Microsoft Himalaya"/>
+        <a:font script="Thaa" typeface="MV Boli"/>
+        <a:font script="Deva" typeface="Mangal"/>
+        <a:font script="Telu" typeface="Gautami"/>
+        <a:font script="Taml" typeface="Latha"/>
+        <a:font script="Syrc" typeface="Estrangelo Edessa"/>
+        <a:font script="Orya" typeface="Kalinga"/>
+        <a:font script="Mlym" typeface="Kartika"/>
+        <a:font script="Laoo" typeface="DokChampa"/>
+        <a:font script="Sinh" typeface="Iskoola Pota"/>
+        <a:font script="Mong" typeface="Mongolian Baiti"/>
+        <a:font script="Viet" typeface="Times New Roman"/>
+        <a:font script="Uigh" typeface="Microsoft Uighur"/>
+        <a:font script="Geor" typeface="Sylfaen"/>
+      </a:majorFont>
+      <a:minorFont>
+        <a:latin typeface="Arial"/>
+        <a:ea typeface=""/>
+        <a:cs typeface=""/>
+        <a:font script="Jpan" typeface="ＭＳ Ｐゴシック"/>
+        <a:font script="Hang" typeface="맑은 고딕"/>
+        <a:font script="Hans" typeface="宋体"/>
+        <a:font script="Hant" typeface="新細明體"/>
+        <a:font script="Arab" typeface="Arial"/>
+        <a:font script="Hebr" typeface="Arial"/>
+        <a:font script="Thai" typeface="Cordia New"/>
+        <a:font script="Ethi" typeface="Nyala"/>
+        <a:font script="Beng" typeface="Vrinda"/>
+        <a:font script="Gujr" typeface="Shruti"/>
+        <a:font script="Khmr" typeface="DaunPenh"/>
+        <a:font script="Knda" typeface="Tunga"/>
+        <a:font script="Guru" typeface="Raavi"/>
+        <a:font script="Cans" typeface="Euphemia"/>
+        <a:font script="Cher" typeface="Plantagenet Cherokee"/>
+        <a:font script="Yiii" typeface="Microsoft Yi Baiti"/>
+        <a:font script="Tibt" typeface="Microsoft Himalaya"/>
+        <a:font script="Thaa" typeface="MV Boli"/>
+        <a:font script="Deva" typeface="Mangal"/>
+        <a:font script="Telu" typeface="Gautami"/>
+        <a:font script="Taml" typeface="Latha"/>
+        <a:font script="Syrc" typeface="Estrangelo Edessa"/>
+        <a:font script="Orya" typeface="Kalinga"/>
+        <a:font script="Mlym" typeface="Kartika"/>
+        <a:font script="Laoo" typeface="DokChampa"/>
+        <a:font script="Sinh" typeface="Iskoola Pota"/>
+        <a:font script="Mong" typeface="Mongolian Baiti"/>
+        <a:font script="Viet" typeface="Arial"/>
+        <a:font script="Uigh" typeface="Microsoft Uighur"/>
+        <a:font script="Geor" typeface="Sylfaen"/>
+      </a:minorFont>
+    </a:fontScheme>
+    <a:fmtScheme name="Office">
+      <a:fillStyleLst>
+        <a:solidFill>
+          <a:schemeClr val="phClr"/>
+        </a:solidFill>
+        <a:gradFill rotWithShape="1">
+          <a:gsLst>
+            <a:gs pos="0">
+              <a:schemeClr val="phClr">
+                <a:tint val="50000"/>
+                <a:satMod val="300000"/>
+              </a:schemeClr>
+            </a:gs>
+            <a:gs pos="35000">
+              <a:schemeClr val="phClr">
+                <a:tint val="37000"/>
+                <a:satMod val="300000"/>
+              </a:schemeClr>
+            </a:gs>
+            <a:gs pos="100000">
+              <a:schemeClr val="phClr">
+                <a:tint val="15000"/>
+                <a:satMod val="350000"/>
+              </a:schemeClr>
+            </a:gs>
+          </a:gsLst>
+          <a:lin ang="16200000" scaled="1"/>
+        </a:gradFill>
+        <a:gradFill rotWithShape="1">
+          <a:gsLst>
+            <a:gs pos="0">
+              <a:schemeClr val="phClr">
+                <a:tint val="100000"/>
+                <a:shade val="100000"/>
+                <a:satMod val="130000"/>
+              </a:schemeClr>
+            </a:gs>
+            <a:gs pos="100000">
+              <a:schemeClr val="phClr">
+                <a:tint val="50000"/>
+                <a:shade val="100000"/>
+                <a:satMod val="350000"/>
+              </a:schemeClr>
+            </a:gs>
+          </a:gsLst>
+          <a:lin ang="16200000" scaled="0"/>
+        </a:gradFill>
+      </a:fillStyleLst>
+      <a:lnStyleLst>
+        <a:ln w="9525" cap="flat" cmpd="sng" algn="ctr">
+          <a:solidFill>
+            <a:schemeClr val="phClr">
+              <a:shade val="95000"/>
+              <a:satMod val="105000"/>
+            </a:schemeClr>
+          </a:solidFill>
+          <a:prstDash val="solid"/>
+        </a:ln>
+        <a:ln w="25400" cap="flat" cmpd="sng" algn="ctr">
+          <a:solidFill>
+            <a:schemeClr val="phClr"/>
+          </a:solidFill>
+          <a:prstDash val="solid"/>
+        </a:ln>
+        <a:ln w="38100" cap="flat" cmpd="sng" algn="ctr">
+          <a:solidFill>
+            <a:schemeClr val="phClr"/>
+          </a:solidFill>
+          <a:prstDash val="solid"/>
+        </a:ln>
+      </a:lnStyleLst>
+      <a:effectStyleLst>
+        <a:effectStyle>
+          <a:effectLst>
+            <a:outerShdw blurRad="40000" dist="20000" dir="5400000" rotWithShape="0">
+              <a:srgbClr val="000000">
+                <a:alpha val="38000"/>
+              </a:srgbClr>
+            </a:outerShdw>
+          </a:effectLst>
+        </a:effectStyle>
+        <a:effectStyle>
+          <a:effectLst>
+            <a:outerShdw blurRad="40000" dist="23000" dir="5400000" rotWithShape="0">
+              <a:srgbClr val="000000">
+                <a:alpha val="35000"/>
+              </a:srgbClr>
+            </a:outerShdw>
+          </a:effectLst>
+        </a:effectStyle>
+        <a:effectStyle>
+          <a:effectLst>
+            <a:outerShdw blurRad="40000" dist="23000" dir="5400000" rotWithShape="0">
+              <a:srgbClr val="000000">
+                <a:alpha val="35000"/>
+              </a:srgbClr>
+            </a:outerShdw>
+          </a:effectLst>
+          <a:scene3d>
+            <a:camera prst="orthographicFront">
+              <a:rot lat="0" lon="0" rev="0"/>
+            </a:camera>
+            <a:lightRig rig="threePt" dir="t">
+              <a:rot lat="0" lon="0" rev="1200000"/>
+            </a:lightRig>
+          </a:scene3d>
+          <a:sp3d>
+            <a:bevelT w="63500" h="25400"/>
+          </a:sp3d>
+        </a:effectStyle>
+      </a:effectStyleLst>
+      <a:bgFillStyleLst>
+        <a:solidFill>
+          <a:schemeClr val="phClr"/>
+        </a:solidFill>
+        <a:gradFill rotWithShape="1">
+          <a:gsLst>
+            <a:gs pos="0">
+              <a:schemeClr val="phClr">
+                <a:tint val="40000"/>
+                <a:satMod val="350000"/>
+              </a:schemeClr>
+            </a:gs>
+            <a:gs pos="40000">
+              <a:schemeClr val="phClr">
+                <a:tint val="45000"/>
+                <a:shade val="99000"/>
+                <a:satMod val="350000"/>
+              </a:schemeClr>
+            </a:gs>
+            <a:gs pos="100000">
+              <a:schemeClr val="phClr">
+                <a:shade val="20000"/>
+                <a:satMod val="255000"/>
+              </a:schemeClr>
+            </a:gs>
+          </a:gsLst>
+          <a:path path="circle">
+            <a:fillToRect l="50000" t="-80000" r="50000" b="180000"/>
+          </a:path>
+        </a:gradFill>
+        <a:gradFill rotWithShape="1">
+          <a:gsLst>
+            <a:gs pos="0">
+              <a:schemeClr val="phClr">
+                <a:tint val="80000"/>
+                <a:satMod val="300000"/>
+              </a:schemeClr>
+            </a:gs>
+            <a:gs pos="100000">
+              <a:schemeClr val="phClr">
+                <a:shade val="30000"/>
+                <a:satMod val="200000"/>
+              </a:schemeClr>
+            </a:gs>
+          </a:gsLst>
+          <a:path path="circle">
+            <a:fillToRect l="50000" t="50000" r="50000" b="50000"/>
+          </a:path>
+        </a:gradFill>
+      </a:bgFillStyleLst>
+    </a:fmtScheme>
+  </a:themeElements>
+</a:theme>
+</file>
+
+<file path=ppt/theme/theme2.xml><?xml version="1.0" encoding="utf-8"?>
 <a:theme xmlns:a="http://schemas.openxmlformats.org/drawingml/2006/main" xmlns:r="http://schemas.openxmlformats.org/officeDocument/2006/relationships">
   <a:themeElements>
     <a:clrScheme name="Default">
@@ -18210,283 +19258,4 @@
     </a:fmtScheme>
   </a:themeElements>
 </a:theme>
-</file>
-
-<file path=ppt/theme/theme2.xml><?xml version="1.0" encoding="utf-8"?>
-<a:theme xmlns:a="http://schemas.openxmlformats.org/drawingml/2006/main" xmlns:r="http://schemas.openxmlformats.org/officeDocument/2006/relationships" name="Default Design">
-  <a:themeElements>
-    <a:clrScheme name="Default Design 2">
-      <a:dk1>
-        <a:srgbClr val="000000"/>
-      </a:dk1>
-      <a:lt1>
-        <a:srgbClr val="FFFFFF"/>
-      </a:lt1>
-      <a:dk2>
-        <a:srgbClr val="000000"/>
-      </a:dk2>
-      <a:lt2>
-        <a:srgbClr val="808080"/>
-      </a:lt2>
-      <a:accent1>
-        <a:srgbClr val="00CC99"/>
-      </a:accent1>
-      <a:accent2>
-        <a:srgbClr val="3333CC"/>
-      </a:accent2>
-      <a:accent3>
-        <a:srgbClr val="FFFFFF"/>
-      </a:accent3>
-      <a:accent4>
-        <a:srgbClr val="000000"/>
-      </a:accent4>
-      <a:accent5>
-        <a:srgbClr val="AAE2CA"/>
-      </a:accent5>
-      <a:accent6>
-        <a:srgbClr val="2D2DB9"/>
-      </a:accent6>
-      <a:hlink>
-        <a:srgbClr val="CCCCFF"/>
-      </a:hlink>
-      <a:folHlink>
-        <a:srgbClr val="B2B2B2"/>
-      </a:folHlink>
-    </a:clrScheme>
-    <a:fontScheme name="Office">
-      <a:majorFont>
-        <a:latin typeface="Arial"/>
-        <a:ea typeface=""/>
-        <a:cs typeface=""/>
-        <a:font script="Jpan" typeface="ＭＳ Ｐゴシック"/>
-        <a:font script="Hang" typeface="맑은 고딕"/>
-        <a:font script="Hans" typeface="宋体"/>
-        <a:font script="Hant" typeface="新細明體"/>
-        <a:font script="Arab" typeface="Times New Roman"/>
-        <a:font script="Hebr" typeface="Times New Roman"/>
-        <a:font script="Thai" typeface="Angsana New"/>
-        <a:font script="Ethi" typeface="Nyala"/>
-        <a:font script="Beng" typeface="Vrinda"/>
-        <a:font script="Gujr" typeface="Shruti"/>
-        <a:font script="Khmr" typeface="MoolBoran"/>
-        <a:font script="Knda" typeface="Tunga"/>
-        <a:font script="Guru" typeface="Raavi"/>
-        <a:font script="Cans" typeface="Euphemia"/>
-        <a:font script="Cher" typeface="Plantagenet Cherokee"/>
-        <a:font script="Yiii" typeface="Microsoft Yi Baiti"/>
-        <a:font script="Tibt" typeface="Microsoft Himalaya"/>
-        <a:font script="Thaa" typeface="MV Boli"/>
-        <a:font script="Deva" typeface="Mangal"/>
-        <a:font script="Telu" typeface="Gautami"/>
-        <a:font script="Taml" typeface="Latha"/>
-        <a:font script="Syrc" typeface="Estrangelo Edessa"/>
-        <a:font script="Orya" typeface="Kalinga"/>
-        <a:font script="Mlym" typeface="Kartika"/>
-        <a:font script="Laoo" typeface="DokChampa"/>
-        <a:font script="Sinh" typeface="Iskoola Pota"/>
-        <a:font script="Mong" typeface="Mongolian Baiti"/>
-        <a:font script="Viet" typeface="Times New Roman"/>
-        <a:font script="Uigh" typeface="Microsoft Uighur"/>
-        <a:font script="Geor" typeface="Sylfaen"/>
-      </a:majorFont>
-      <a:minorFont>
-        <a:latin typeface="Arial"/>
-        <a:ea typeface=""/>
-        <a:cs typeface=""/>
-        <a:font script="Jpan" typeface="ＭＳ Ｐゴシック"/>
-        <a:font script="Hang" typeface="맑은 고딕"/>
-        <a:font script="Hans" typeface="宋体"/>
-        <a:font script="Hant" typeface="新細明體"/>
-        <a:font script="Arab" typeface="Arial"/>
-        <a:font script="Hebr" typeface="Arial"/>
-        <a:font script="Thai" typeface="Cordia New"/>
-        <a:font script="Ethi" typeface="Nyala"/>
-        <a:font script="Beng" typeface="Vrinda"/>
-        <a:font script="Gujr" typeface="Shruti"/>
-        <a:font script="Khmr" typeface="DaunPenh"/>
-        <a:font script="Knda" typeface="Tunga"/>
-        <a:font script="Guru" typeface="Raavi"/>
-        <a:font script="Cans" typeface="Euphemia"/>
-        <a:font script="Cher" typeface="Plantagenet Cherokee"/>
-        <a:font script="Yiii" typeface="Microsoft Yi Baiti"/>
-        <a:font script="Tibt" typeface="Microsoft Himalaya"/>
-        <a:font script="Thaa" typeface="MV Boli"/>
-        <a:font script="Deva" typeface="Mangal"/>
-        <a:font script="Telu" typeface="Gautami"/>
-        <a:font script="Taml" typeface="Latha"/>
-        <a:font script="Syrc" typeface="Estrangelo Edessa"/>
-        <a:font script="Orya" typeface="Kalinga"/>
-        <a:font script="Mlym" typeface="Kartika"/>
-        <a:font script="Laoo" typeface="DokChampa"/>
-        <a:font script="Sinh" typeface="Iskoola Pota"/>
-        <a:font script="Mong" typeface="Mongolian Baiti"/>
-        <a:font script="Viet" typeface="Arial"/>
-        <a:font script="Uigh" typeface="Microsoft Uighur"/>
-        <a:font script="Geor" typeface="Sylfaen"/>
-      </a:minorFont>
-    </a:fontScheme>
-    <a:fmtScheme name="Office">
-      <a:fillStyleLst>
-        <a:solidFill>
-          <a:schemeClr val="phClr"/>
-        </a:solidFill>
-        <a:gradFill rotWithShape="1">
-          <a:gsLst>
-            <a:gs pos="0">
-              <a:schemeClr val="phClr">
-                <a:tint val="50000"/>
-                <a:satMod val="300000"/>
-              </a:schemeClr>
-            </a:gs>
-            <a:gs pos="35000">
-              <a:schemeClr val="phClr">
-                <a:tint val="37000"/>
-                <a:satMod val="300000"/>
-              </a:schemeClr>
-            </a:gs>
-            <a:gs pos="100000">
-              <a:schemeClr val="phClr">
-                <a:tint val="15000"/>
-                <a:satMod val="350000"/>
-              </a:schemeClr>
-            </a:gs>
-          </a:gsLst>
-          <a:lin ang="16200000" scaled="1"/>
-        </a:gradFill>
-        <a:gradFill rotWithShape="1">
-          <a:gsLst>
-            <a:gs pos="0">
-              <a:schemeClr val="phClr">
-                <a:tint val="100000"/>
-                <a:shade val="100000"/>
-                <a:satMod val="130000"/>
-              </a:schemeClr>
-            </a:gs>
-            <a:gs pos="100000">
-              <a:schemeClr val="phClr">
-                <a:tint val="50000"/>
-                <a:shade val="100000"/>
-                <a:satMod val="350000"/>
-              </a:schemeClr>
-            </a:gs>
-          </a:gsLst>
-          <a:lin ang="16200000" scaled="0"/>
-        </a:gradFill>
-      </a:fillStyleLst>
-      <a:lnStyleLst>
-        <a:ln w="9525" cap="flat" cmpd="sng" algn="ctr">
-          <a:solidFill>
-            <a:schemeClr val="phClr">
-              <a:shade val="95000"/>
-              <a:satMod val="105000"/>
-            </a:schemeClr>
-          </a:solidFill>
-          <a:prstDash val="solid"/>
-        </a:ln>
-        <a:ln w="25400" cap="flat" cmpd="sng" algn="ctr">
-          <a:solidFill>
-            <a:schemeClr val="phClr"/>
-          </a:solidFill>
-          <a:prstDash val="solid"/>
-        </a:ln>
-        <a:ln w="38100" cap="flat" cmpd="sng" algn="ctr">
-          <a:solidFill>
-            <a:schemeClr val="phClr"/>
-          </a:solidFill>
-          <a:prstDash val="solid"/>
-        </a:ln>
-      </a:lnStyleLst>
-      <a:effectStyleLst>
-        <a:effectStyle>
-          <a:effectLst>
-            <a:outerShdw blurRad="40000" dist="20000" dir="5400000" rotWithShape="0">
-              <a:srgbClr val="000000">
-                <a:alpha val="38000"/>
-              </a:srgbClr>
-            </a:outerShdw>
-          </a:effectLst>
-        </a:effectStyle>
-        <a:effectStyle>
-          <a:effectLst>
-            <a:outerShdw blurRad="40000" dist="23000" dir="5400000" rotWithShape="0">
-              <a:srgbClr val="000000">
-                <a:alpha val="35000"/>
-              </a:srgbClr>
-            </a:outerShdw>
-          </a:effectLst>
-        </a:effectStyle>
-        <a:effectStyle>
-          <a:effectLst>
-            <a:outerShdw blurRad="40000" dist="23000" dir="5400000" rotWithShape="0">
-              <a:srgbClr val="000000">
-                <a:alpha val="35000"/>
-              </a:srgbClr>
-            </a:outerShdw>
-          </a:effectLst>
-          <a:scene3d>
-            <a:camera prst="orthographicFront">
-              <a:rot lat="0" lon="0" rev="0"/>
-            </a:camera>
-            <a:lightRig rig="threePt" dir="t">
-              <a:rot lat="0" lon="0" rev="1200000"/>
-            </a:lightRig>
-          </a:scene3d>
-          <a:sp3d>
-            <a:bevelT w="63500" h="25400"/>
-          </a:sp3d>
-        </a:effectStyle>
-      </a:effectStyleLst>
-      <a:bgFillStyleLst>
-        <a:solidFill>
-          <a:schemeClr val="phClr"/>
-        </a:solidFill>
-        <a:gradFill rotWithShape="1">
-          <a:gsLst>
-            <a:gs pos="0">
-              <a:schemeClr val="phClr">
-                <a:tint val="40000"/>
-                <a:satMod val="350000"/>
-              </a:schemeClr>
-            </a:gs>
-            <a:gs pos="40000">
-              <a:schemeClr val="phClr">
-                <a:tint val="45000"/>
-                <a:shade val="99000"/>
-                <a:satMod val="350000"/>
-              </a:schemeClr>
-            </a:gs>
-            <a:gs pos="100000">
-              <a:schemeClr val="phClr">
-                <a:shade val="20000"/>
-                <a:satMod val="255000"/>
-              </a:schemeClr>
-            </a:gs>
-          </a:gsLst>
-          <a:path path="circle">
-            <a:fillToRect l="50000" t="-80000" r="50000" b="180000"/>
-          </a:path>
-        </a:gradFill>
-        <a:gradFill rotWithShape="1">
-          <a:gsLst>
-            <a:gs pos="0">
-              <a:schemeClr val="phClr">
-                <a:tint val="80000"/>
-                <a:satMod val="300000"/>
-              </a:schemeClr>
-            </a:gs>
-            <a:gs pos="100000">
-              <a:schemeClr val="phClr">
-                <a:shade val="30000"/>
-                <a:satMod val="200000"/>
-              </a:schemeClr>
-            </a:gs>
-          </a:gsLst>
-          <a:path path="circle">
-            <a:fillToRect l="50000" t="50000" r="50000" b="50000"/>
-          </a:path>
-        </a:gradFill>
-      </a:bgFillStyleLst>
-    </a:fmtScheme>
-  </a:themeElements>
-</a:theme>
 </file>
--- a/DQN-Pong.pptx
+++ b/DQN-Pong.pptx
@@ -15147,7 +15147,7 @@
             <a:tbl>
               <a:tblPr>
                 <a:noFill/>
-                <a:tableStyleId>{291B4C46-22E7-4626-9448-7D674B6B9E94}</a:tableStyleId>
+                <a:tableStyleId>{739F7495-D3F4-4B7F-8CE4-E3D235B45D7E}</a:tableStyleId>
               </a:tblPr>
               <a:tblGrid>
                 <a:gridCol w="38736575"/>
@@ -15245,7 +15245,27 @@
                           <a:cs typeface="Arial"/>
                           <a:sym typeface="Arial"/>
                         </a:rPr>
-                        <a:t>DTU Compute, Technical University of Denmark</a:t>
+                        <a:t>DTU </a:t>
+                      </a:r>
+                      <a:r>
+                        <a:rPr lang="en-US" sz="3600">
+                          <a:solidFill>
+                            <a:schemeClr val="dk1"/>
+                          </a:solidFill>
+                        </a:rPr>
+                        <a:t>Space</a:t>
+                      </a:r>
+                      <a:r>
+                        <a:rPr b="0" i="0" lang="en-US" sz="3600" u="none" cap="none" strike="noStrike">
+                          <a:solidFill>
+                            <a:schemeClr val="dk1"/>
+                          </a:solidFill>
+                          <a:latin typeface="Arial"/>
+                          <a:ea typeface="Arial"/>
+                          <a:cs typeface="Arial"/>
+                          <a:sym typeface="Arial"/>
+                        </a:rPr>
+                        <a:t>, Technical University of Denmark</a:t>
                       </a:r>
                       <a:endParaRPr sz="3600" u="none" cap="none" strike="noStrike">
                         <a:solidFill>
@@ -16340,7 +16360,7 @@
             <a:tbl>
               <a:tblPr>
                 <a:noFill/>
-                <a:tableStyleId>{4DED47A7-27C0-48A2-87E6-DD45657740E1}</a:tableStyleId>
+                <a:tableStyleId>{61319E08-5E83-49F2-8BFE-937B3F1DD85B}</a:tableStyleId>
               </a:tblPr>
               <a:tblGrid>
                 <a:gridCol w="3535875"/>
@@ -18703,6 +18723,285 @@
 </file>
 
 <file path=ppt/theme/theme1.xml><?xml version="1.0" encoding="utf-8"?>
+<a:theme xmlns:a="http://schemas.openxmlformats.org/drawingml/2006/main" xmlns:r="http://schemas.openxmlformats.org/officeDocument/2006/relationships">
+  <a:themeElements>
+    <a:clrScheme name="Default">
+      <a:dk1>
+        <a:srgbClr val="000000"/>
+      </a:dk1>
+      <a:lt1>
+        <a:srgbClr val="FFFFFF"/>
+      </a:lt1>
+      <a:dk2>
+        <a:srgbClr val="158158"/>
+      </a:dk2>
+      <a:lt2>
+        <a:srgbClr val="F3F3F3"/>
+      </a:lt2>
+      <a:accent1>
+        <a:srgbClr val="058DC7"/>
+      </a:accent1>
+      <a:accent2>
+        <a:srgbClr val="50B432"/>
+      </a:accent2>
+      <a:accent3>
+        <a:srgbClr val="ED561B"/>
+      </a:accent3>
+      <a:accent4>
+        <a:srgbClr val="EDEF00"/>
+      </a:accent4>
+      <a:accent5>
+        <a:srgbClr val="24CBE5"/>
+      </a:accent5>
+      <a:accent6>
+        <a:srgbClr val="64E572"/>
+      </a:accent6>
+      <a:hlink>
+        <a:srgbClr val="2200CC"/>
+      </a:hlink>
+      <a:folHlink>
+        <a:srgbClr val="551A8B"/>
+      </a:folHlink>
+    </a:clrScheme>
+    <a:fontScheme name="Office">
+      <a:majorFont>
+        <a:latin typeface="Arial"/>
+        <a:ea typeface=""/>
+        <a:cs typeface=""/>
+        <a:font script="Jpan" typeface="ＭＳ Ｐゴシック"/>
+        <a:font script="Hang" typeface="맑은 고딕"/>
+        <a:font script="Hans" typeface="宋体"/>
+        <a:font script="Hant" typeface="新細明體"/>
+        <a:font script="Arab" typeface="Times New Roman"/>
+        <a:font script="Hebr" typeface="Times New Roman"/>
+        <a:font script="Thai" typeface="Angsana New"/>
+        <a:font script="Ethi" typeface="Nyala"/>
+        <a:font script="Beng" typeface="Vrinda"/>
+        <a:font script="Gujr" typeface="Shruti"/>
+        <a:font script="Khmr" typeface="MoolBoran"/>
+        <a:font script="Knda" typeface="Tunga"/>
+        <a:font script="Guru" typeface="Raavi"/>
+        <a:font script="Cans" typeface="Euphemia"/>
+        <a:font script="Cher" typeface="Plantagenet Cherokee"/>
+        <a:font script="Yiii" typeface="Microsoft Yi Baiti"/>
+        <a:font script="Tibt" typeface="Microsoft Himalaya"/>
+        <a:font script="Thaa" typeface="MV Boli"/>
+        <a:font script="Deva" typeface="Mangal"/>
+        <a:font script="Telu" typeface="Gautami"/>
+        <a:font script="Taml" typeface="Latha"/>
+        <a:font script="Syrc" typeface="Estrangelo Edessa"/>
+        <a:font script="Orya" typeface="Kalinga"/>
+        <a:font script="Mlym" typeface="Kartika"/>
+        <a:font script="Laoo" typeface="DokChampa"/>
+        <a:font script="Sinh" typeface="Iskoola Pota"/>
+        <a:font script="Mong" typeface="Mongolian Baiti"/>
+        <a:font script="Viet" typeface="Times New Roman"/>
+        <a:font script="Uigh" typeface="Microsoft Uighur"/>
+        <a:font script="Geor" typeface="Sylfaen"/>
+      </a:majorFont>
+      <a:minorFont>
+        <a:latin typeface="Arial"/>
+        <a:ea typeface=""/>
+        <a:cs typeface=""/>
+        <a:font script="Jpan" typeface="ＭＳ Ｐゴシック"/>
+        <a:font script="Hang" typeface="맑은 고딕"/>
+        <a:font script="Hans" typeface="宋体"/>
+        <a:font script="Hant" typeface="新細明體"/>
+        <a:font script="Arab" typeface="Arial"/>
+        <a:font script="Hebr" typeface="Arial"/>
+        <a:font script="Thai" typeface="Cordia New"/>
+        <a:font script="Ethi" typeface="Nyala"/>
+        <a:font script="Beng" typeface="Vrinda"/>
+        <a:font script="Gujr" typeface="Shruti"/>
+        <a:font script="Khmr" typeface="DaunPenh"/>
+        <a:font script="Knda" typeface="Tunga"/>
+        <a:font script="Guru" typeface="Raavi"/>
+        <a:font script="Cans" typeface="Euphemia"/>
+        <a:font script="Cher" typeface="Plantagenet Cherokee"/>
+        <a:font script="Yiii" typeface="Microsoft Yi Baiti"/>
+        <a:font script="Tibt" typeface="Microsoft Himalaya"/>
+        <a:font script="Thaa" typeface="MV Boli"/>
+        <a:font script="Deva" typeface="Mangal"/>
+        <a:font script="Telu" typeface="Gautami"/>
+        <a:font script="Taml" typeface="Latha"/>
+        <a:font script="Syrc" typeface="Estrangelo Edessa"/>
+        <a:font script="Orya" typeface="Kalinga"/>
+        <a:font script="Mlym" typeface="Kartika"/>
+        <a:font script="Laoo" typeface="DokChampa"/>
+        <a:font script="Sinh" typeface="Iskoola Pota"/>
+        <a:font script="Mong" typeface="Mongolian Baiti"/>
+        <a:font script="Viet" typeface="Arial"/>
+        <a:font script="Uigh" typeface="Microsoft Uighur"/>
+        <a:font script="Geor" typeface="Sylfaen"/>
+      </a:minorFont>
+    </a:fontScheme>
+    <a:fmtScheme name="Office">
+      <a:fillStyleLst>
+        <a:solidFill>
+          <a:schemeClr val="phClr"/>
+        </a:solidFill>
+        <a:gradFill rotWithShape="1">
+          <a:gsLst>
+            <a:gs pos="0">
+              <a:schemeClr val="phClr">
+                <a:tint val="50000"/>
+                <a:satMod val="300000"/>
+              </a:schemeClr>
+            </a:gs>
+            <a:gs pos="35000">
+              <a:schemeClr val="phClr">
+                <a:tint val="37000"/>
+                <a:satMod val="300000"/>
+              </a:schemeClr>
+            </a:gs>
+            <a:gs pos="100000">
+              <a:schemeClr val="phClr">
+                <a:tint val="15000"/>
+                <a:satMod val="350000"/>
+              </a:schemeClr>
+            </a:gs>
+          </a:gsLst>
+          <a:lin ang="16200000" scaled="1"/>
+        </a:gradFill>
+        <a:gradFill rotWithShape="1">
+          <a:gsLst>
+            <a:gs pos="0">
+              <a:schemeClr val="phClr">
+                <a:tint val="100000"/>
+                <a:shade val="100000"/>
+                <a:satMod val="130000"/>
+              </a:schemeClr>
+            </a:gs>
+            <a:gs pos="100000">
+              <a:schemeClr val="phClr">
+                <a:tint val="50000"/>
+                <a:shade val="100000"/>
+                <a:satMod val="350000"/>
+              </a:schemeClr>
+            </a:gs>
+          </a:gsLst>
+          <a:lin ang="16200000" scaled="0"/>
+        </a:gradFill>
+      </a:fillStyleLst>
+      <a:lnStyleLst>
+        <a:ln w="9525" cap="flat" cmpd="sng" algn="ctr">
+          <a:solidFill>
+            <a:schemeClr val="phClr">
+              <a:shade val="95000"/>
+              <a:satMod val="105000"/>
+            </a:schemeClr>
+          </a:solidFill>
+          <a:prstDash val="solid"/>
+        </a:ln>
+        <a:ln w="25400" cap="flat" cmpd="sng" algn="ctr">
+          <a:solidFill>
+            <a:schemeClr val="phClr"/>
+          </a:solidFill>
+          <a:prstDash val="solid"/>
+        </a:ln>
+        <a:ln w="38100" cap="flat" cmpd="sng" algn="ctr">
+          <a:solidFill>
+            <a:schemeClr val="phClr"/>
+          </a:solidFill>
+          <a:prstDash val="solid"/>
+        </a:ln>
+      </a:lnStyleLst>
+      <a:effectStyleLst>
+        <a:effectStyle>
+          <a:effectLst>
+            <a:outerShdw blurRad="40000" dist="20000" dir="5400000" rotWithShape="0">
+              <a:srgbClr val="000000">
+                <a:alpha val="38000"/>
+              </a:srgbClr>
+            </a:outerShdw>
+          </a:effectLst>
+        </a:effectStyle>
+        <a:effectStyle>
+          <a:effectLst>
+            <a:outerShdw blurRad="40000" dist="23000" dir="5400000" rotWithShape="0">
+              <a:srgbClr val="000000">
+                <a:alpha val="35000"/>
+              </a:srgbClr>
+            </a:outerShdw>
+          </a:effectLst>
+        </a:effectStyle>
+        <a:effectStyle>
+          <a:effectLst>
+            <a:outerShdw blurRad="40000" dist="23000" dir="5400000" rotWithShape="0">
+              <a:srgbClr val="000000">
+                <a:alpha val="35000"/>
+              </a:srgbClr>
+            </a:outerShdw>
+          </a:effectLst>
+          <a:scene3d>
+            <a:camera prst="orthographicFront">
+              <a:rot lat="0" lon="0" rev="0"/>
+            </a:camera>
+            <a:lightRig rig="threePt" dir="t">
+              <a:rot lat="0" lon="0" rev="1200000"/>
+            </a:lightRig>
+          </a:scene3d>
+          <a:sp3d>
+            <a:bevelT w="63500" h="25400"/>
+          </a:sp3d>
+        </a:effectStyle>
+      </a:effectStyleLst>
+      <a:bgFillStyleLst>
+        <a:solidFill>
+          <a:schemeClr val="phClr"/>
+        </a:solidFill>
+        <a:gradFill rotWithShape="1">
+          <a:gsLst>
+            <a:gs pos="0">
+              <a:schemeClr val="phClr">
+                <a:tint val="40000"/>
+                <a:satMod val="350000"/>
+              </a:schemeClr>
+            </a:gs>
+            <a:gs pos="40000">
+              <a:schemeClr val="phClr">
+                <a:tint val="45000"/>
+                <a:shade val="99000"/>
+                <a:satMod val="350000"/>
+              </a:schemeClr>
+            </a:gs>
+            <a:gs pos="100000">
+              <a:schemeClr val="phClr">
+                <a:shade val="20000"/>
+                <a:satMod val="255000"/>
+              </a:schemeClr>
+            </a:gs>
+          </a:gsLst>
+          <a:path path="circle">
+            <a:fillToRect l="50000" t="-80000" r="50000" b="180000"/>
+          </a:path>
+        </a:gradFill>
+        <a:gradFill rotWithShape="1">
+          <a:gsLst>
+            <a:gs pos="0">
+              <a:schemeClr val="phClr">
+                <a:tint val="80000"/>
+                <a:satMod val="300000"/>
+              </a:schemeClr>
+            </a:gs>
+            <a:gs pos="100000">
+              <a:schemeClr val="phClr">
+                <a:shade val="30000"/>
+                <a:satMod val="200000"/>
+              </a:schemeClr>
+            </a:gs>
+          </a:gsLst>
+          <a:path path="circle">
+            <a:fillToRect l="50000" t="50000" r="50000" b="50000"/>
+          </a:path>
+        </a:gradFill>
+      </a:bgFillStyleLst>
+    </a:fmtScheme>
+  </a:themeElements>
+</a:theme>
+</file>
+
+<file path=ppt/theme/theme2.xml><?xml version="1.0" encoding="utf-8"?>
 <a:theme xmlns:a="http://schemas.openxmlformats.org/drawingml/2006/main" xmlns:r="http://schemas.openxmlformats.org/officeDocument/2006/relationships" name="Default Design">
   <a:themeElements>
     <a:clrScheme name="Default Design 2">
@@ -18979,283 +19278,4 @@
     </a:fmtScheme>
   </a:themeElements>
 </a:theme>
-</file>
-
-<file path=ppt/theme/theme2.xml><?xml version="1.0" encoding="utf-8"?>
-<a:theme xmlns:a="http://schemas.openxmlformats.org/drawingml/2006/main" xmlns:r="http://schemas.openxmlformats.org/officeDocument/2006/relationships">
-  <a:themeElements>
-    <a:clrScheme name="Default">
-      <a:dk1>
-        <a:srgbClr val="000000"/>
-      </a:dk1>
-      <a:lt1>
-        <a:srgbClr val="FFFFFF"/>
-      </a:lt1>
-      <a:dk2>
-        <a:srgbClr val="158158"/>
-      </a:dk2>
-      <a:lt2>
-        <a:srgbClr val="F3F3F3"/>
-      </a:lt2>
-      <a:accent1>
-        <a:srgbClr val="058DC7"/>
-      </a:accent1>
-      <a:accent2>
-        <a:srgbClr val="50B432"/>
-      </a:accent2>
-      <a:accent3>
-        <a:srgbClr val="ED561B"/>
-      </a:accent3>
-      <a:accent4>
-        <a:srgbClr val="EDEF00"/>
-      </a:accent4>
-      <a:accent5>
-        <a:srgbClr val="24CBE5"/>
-      </a:accent5>
-      <a:accent6>
-        <a:srgbClr val="64E572"/>
-      </a:accent6>
-      <a:hlink>
-        <a:srgbClr val="2200CC"/>
-      </a:hlink>
-      <a:folHlink>
-        <a:srgbClr val="551A8B"/>
-      </a:folHlink>
-    </a:clrScheme>
-    <a:fontScheme name="Office">
-      <a:majorFont>
-        <a:latin typeface="Arial"/>
-        <a:ea typeface=""/>
-        <a:cs typeface=""/>
-        <a:font script="Jpan" typeface="ＭＳ Ｐゴシック"/>
-        <a:font script="Hang" typeface="맑은 고딕"/>
-        <a:font script="Hans" typeface="宋体"/>
-        <a:font script="Hant" typeface="新細明體"/>
-        <a:font script="Arab" typeface="Times New Roman"/>
-        <a:font script="Hebr" typeface="Times New Roman"/>
-        <a:font script="Thai" typeface="Angsana New"/>
-        <a:font script="Ethi" typeface="Nyala"/>
-        <a:font script="Beng" typeface="Vrinda"/>
-        <a:font script="Gujr" typeface="Shruti"/>
-        <a:font script="Khmr" typeface="MoolBoran"/>
-        <a:font script="Knda" typeface="Tunga"/>
-        <a:font script="Guru" typeface="Raavi"/>
-        <a:font script="Cans" typeface="Euphemia"/>
-        <a:font script="Cher" typeface="Plantagenet Cherokee"/>
-        <a:font script="Yiii" typeface="Microsoft Yi Baiti"/>
-        <a:font script="Tibt" typeface="Microsoft Himalaya"/>
-        <a:font script="Thaa" typeface="MV Boli"/>
-        <a:font script="Deva" typeface="Mangal"/>
-        <a:font script="Telu" typeface="Gautami"/>
-        <a:font script="Taml" typeface="Latha"/>
-        <a:font script="Syrc" typeface="Estrangelo Edessa"/>
-        <a:font script="Orya" typeface="Kalinga"/>
-        <a:font script="Mlym" typeface="Kartika"/>
-        <a:font script="Laoo" typeface="DokChampa"/>
-        <a:font script="Sinh" typeface="Iskoola Pota"/>
-        <a:font script="Mong" typeface="Mongolian Baiti"/>
-        <a:font script="Viet" typeface="Times New Roman"/>
-        <a:font script="Uigh" typeface="Microsoft Uighur"/>
-        <a:font script="Geor" typeface="Sylfaen"/>
-      </a:majorFont>
-      <a:minorFont>
-        <a:latin typeface="Arial"/>
-        <a:ea typeface=""/>
-        <a:cs typeface=""/>
-        <a:font script="Jpan" typeface="ＭＳ Ｐゴシック"/>
-        <a:font script="Hang" typeface="맑은 고딕"/>
-        <a:font script="Hans" typeface="宋体"/>
-        <a:font script="Hant" typeface="新細明體"/>
-        <a:font script="Arab" typeface="Arial"/>
-        <a:font script="Hebr" typeface="Arial"/>
-        <a:font script="Thai" typeface="Cordia New"/>
-        <a:font script="Ethi" typeface="Nyala"/>
-        <a:font script="Beng" typeface="Vrinda"/>
-        <a:font script="Gujr" typeface="Shruti"/>
-        <a:font script="Khmr" typeface="DaunPenh"/>
-        <a:font script="Knda" typeface="Tunga"/>
-        <a:font script="Guru" typeface="Raavi"/>
-        <a:font script="Cans" typeface="Euphemia"/>
-        <a:font script="Cher" typeface="Plantagenet Cherokee"/>
-        <a:font script="Yiii" typeface="Microsoft Yi Baiti"/>
-        <a:font script="Tibt" typeface="Microsoft Himalaya"/>
-        <a:font script="Thaa" typeface="MV Boli"/>
-        <a:font script="Deva" typeface="Mangal"/>
-        <a:font script="Telu" typeface="Gautami"/>
-        <a:font script="Taml" typeface="Latha"/>
-        <a:font script="Syrc" typeface="Estrangelo Edessa"/>
-        <a:font script="Orya" typeface="Kalinga"/>
-        <a:font script="Mlym" typeface="Kartika"/>
-        <a:font script="Laoo" typeface="DokChampa"/>
-        <a:font script="Sinh" typeface="Iskoola Pota"/>
-        <a:font script="Mong" typeface="Mongolian Baiti"/>
-        <a:font script="Viet" typeface="Arial"/>
-        <a:font script="Uigh" typeface="Microsoft Uighur"/>
-        <a:font script="Geor" typeface="Sylfaen"/>
-      </a:minorFont>
-    </a:fontScheme>
-    <a:fmtScheme name="Office">
-      <a:fillStyleLst>
-        <a:solidFill>
-          <a:schemeClr val="phClr"/>
-        </a:solidFill>
-        <a:gradFill rotWithShape="1">
-          <a:gsLst>
-            <a:gs pos="0">
-              <a:schemeClr val="phClr">
-                <a:tint val="50000"/>
-                <a:satMod val="300000"/>
-              </a:schemeClr>
-            </a:gs>
-            <a:gs pos="35000">
-              <a:schemeClr val="phClr">
-                <a:tint val="37000"/>
-                <a:satMod val="300000"/>
-              </a:schemeClr>
-            </a:gs>
-            <a:gs pos="100000">
-              <a:schemeClr val="phClr">
-                <a:tint val="15000"/>
-                <a:satMod val="350000"/>
-              </a:schemeClr>
-            </a:gs>
-          </a:gsLst>
-          <a:lin ang="16200000" scaled="1"/>
-        </a:gradFill>
-        <a:gradFill rotWithShape="1">
-          <a:gsLst>
-            <a:gs pos="0">
-              <a:schemeClr val="phClr">
-                <a:tint val="100000"/>
-                <a:shade val="100000"/>
-                <a:satMod val="130000"/>
-              </a:schemeClr>
-            </a:gs>
-            <a:gs pos="100000">
-              <a:schemeClr val="phClr">
-                <a:tint val="50000"/>
-                <a:shade val="100000"/>
-                <a:satMod val="350000"/>
-              </a:schemeClr>
-            </a:gs>
-          </a:gsLst>
-          <a:lin ang="16200000" scaled="0"/>
-        </a:gradFill>
-      </a:fillStyleLst>
-      <a:lnStyleLst>
-        <a:ln w="9525" cap="flat" cmpd="sng" algn="ctr">
-          <a:solidFill>
-            <a:schemeClr val="phClr">
-              <a:shade val="95000"/>
-              <a:satMod val="105000"/>
-            </a:schemeClr>
-          </a:solidFill>
-          <a:prstDash val="solid"/>
-        </a:ln>
-        <a:ln w="25400" cap="flat" cmpd="sng" algn="ctr">
-          <a:solidFill>
-            <a:schemeClr val="phClr"/>
-          </a:solidFill>
-          <a:prstDash val="solid"/>
-        </a:ln>
-        <a:ln w="38100" cap="flat" cmpd="sng" algn="ctr">
-          <a:solidFill>
-            <a:schemeClr val="phClr"/>
-          </a:solidFill>
-          <a:prstDash val="solid"/>
-        </a:ln>
-      </a:lnStyleLst>
-      <a:effectStyleLst>
-        <a:effectStyle>
-          <a:effectLst>
-            <a:outerShdw blurRad="40000" dist="20000" dir="5400000" rotWithShape="0">
-              <a:srgbClr val="000000">
-                <a:alpha val="38000"/>
-              </a:srgbClr>
-            </a:outerShdw>
-          </a:effectLst>
-        </a:effectStyle>
-        <a:effectStyle>
-          <a:effectLst>
-            <a:outerShdw blurRad="40000" dist="23000" dir="5400000" rotWithShape="0">
-              <a:srgbClr val="000000">
-                <a:alpha val="35000"/>
-              </a:srgbClr>
-            </a:outerShdw>
-          </a:effectLst>
-        </a:effectStyle>
-        <a:effectStyle>
-          <a:effectLst>
-            <a:outerShdw blurRad="40000" dist="23000" dir="5400000" rotWithShape="0">
-              <a:srgbClr val="000000">
-                <a:alpha val="35000"/>
-              </a:srgbClr>
-            </a:outerShdw>
-          </a:effectLst>
-          <a:scene3d>
-            <a:camera prst="orthographicFront">
-              <a:rot lat="0" lon="0" rev="0"/>
-            </a:camera>
-            <a:lightRig rig="threePt" dir="t">
-              <a:rot lat="0" lon="0" rev="1200000"/>
-            </a:lightRig>
-          </a:scene3d>
-          <a:sp3d>
-            <a:bevelT w="63500" h="25400"/>
-          </a:sp3d>
-        </a:effectStyle>
-      </a:effectStyleLst>
-      <a:bgFillStyleLst>
-        <a:solidFill>
-          <a:schemeClr val="phClr"/>
-        </a:solidFill>
-        <a:gradFill rotWithShape="1">
-          <a:gsLst>
-            <a:gs pos="0">
-              <a:schemeClr val="phClr">
-                <a:tint val="40000"/>
-                <a:satMod val="350000"/>
-              </a:schemeClr>
-            </a:gs>
-            <a:gs pos="40000">
-              <a:schemeClr val="phClr">
-                <a:tint val="45000"/>
-                <a:shade val="99000"/>
-                <a:satMod val="350000"/>
-              </a:schemeClr>
-            </a:gs>
-            <a:gs pos="100000">
-              <a:schemeClr val="phClr">
-                <a:shade val="20000"/>
-                <a:satMod val="255000"/>
-              </a:schemeClr>
-            </a:gs>
-          </a:gsLst>
-          <a:path path="circle">
-            <a:fillToRect l="50000" t="-80000" r="50000" b="180000"/>
-          </a:path>
-        </a:gradFill>
-        <a:gradFill rotWithShape="1">
-          <a:gsLst>
-            <a:gs pos="0">
-              <a:schemeClr val="phClr">
-                <a:tint val="80000"/>
-                <a:satMod val="300000"/>
-              </a:schemeClr>
-            </a:gs>
-            <a:gs pos="100000">
-              <a:schemeClr val="phClr">
-                <a:shade val="30000"/>
-                <a:satMod val="200000"/>
-              </a:schemeClr>
-            </a:gs>
-          </a:gsLst>
-          <a:path path="circle">
-            <a:fillToRect l="50000" t="50000" r="50000" b="50000"/>
-          </a:path>
-        </a:gradFill>
-      </a:bgFillStyleLst>
-    </a:fmtScheme>
-  </a:themeElements>
-</a:theme>
 </file>
--- a/DQN-Pong.pptx
+++ b/DQN-Pong.pptx
@@ -19,13 +19,6 @@
       <p:bold r:id="rId8"/>
       <p:italic r:id="rId9"/>
       <p:boldItalic r:id="rId10"/>
-    </p:embeddedFont>
-    <p:embeddedFont>
-      <p:font typeface="Ubuntu Mono"/>
-      <p:regular r:id="rId11"/>
-      <p:bold r:id="rId12"/>
-      <p:italic r:id="rId13"/>
-      <p:boldItalic r:id="rId14"/>
     </p:embeddedFont>
   </p:embeddedFontLst>
   <p:defaultTextStyle>
@@ -259,7 +252,7 @@
   </p:defaultTextStyle>
   <p:extLst>
     <p:ext uri="http://customooxmlschemas.google.com/">
-      <go:slidesCustomData xmlns:go="http://customooxmlschemas.google.com/" r:id="rId15" roundtripDataSignature="AMtx7mgayTyq3YCh4LmudLD11hYUSbYyzQ=="/>
+      <go:slidesCustomData xmlns:go="http://customooxmlschemas.google.com/" r:id="rId11" roundtripDataSignature="AMtx7mj+KWtSBsgqw18y8h2gJrdhe3d+yQ=="/>
     </p:ext>
   </p:extLst>
 </p:presentation>
@@ -14943,43 +14936,16 @@
           <a:chExt cx="0" cy="0"/>
         </a:xfrm>
       </p:grpSpPr>
-      <p:pic>
-        <p:nvPicPr>
-          <p:cNvPr descr="chartocharattention.png" id="89" name="Google Shape;89;p1"/>
-          <p:cNvPicPr preferRelativeResize="0"/>
-          <p:nvPr/>
-        </p:nvPicPr>
-        <p:blipFill rotWithShape="1">
-          <a:blip r:embed="rId3">
-            <a:alphaModFix/>
-          </a:blip>
-          <a:srcRect b="0" l="0" r="0" t="0"/>
-          <a:stretch/>
-        </p:blipFill>
-        <p:spPr>
-          <a:xfrm>
-            <a:off x="2195363" y="20215775"/>
-            <a:ext cx="14154150" cy="8210550"/>
-          </a:xfrm>
-          <a:prstGeom prst="rect">
-            <a:avLst/>
-          </a:prstGeom>
-          <a:noFill/>
-          <a:ln>
-            <a:noFill/>
-          </a:ln>
-        </p:spPr>
-      </p:pic>
       <p:sp>
         <p:nvSpPr>
-          <p:cNvPr id="90" name="Google Shape;90;p1"/>
+          <p:cNvPr id="89" name="Google Shape;89;p1"/>
           <p:cNvSpPr/>
           <p:nvPr/>
         </p:nvSpPr>
         <p:spPr>
           <a:xfrm>
-            <a:off x="279337" y="1643900"/>
-            <a:ext cx="41603700" cy="29163900"/>
+            <a:off x="444173" y="354635"/>
+            <a:ext cx="41920200" cy="29570700"/>
           </a:xfrm>
           <a:prstGeom prst="roundRect">
             <a:avLst>
@@ -15050,12 +15016,12 @@
       </p:sp>
       <p:pic>
         <p:nvPicPr>
-          <p:cNvPr id="91" name="Google Shape;91;p1"/>
+          <p:cNvPr id="90" name="Google Shape;90;p1"/>
           <p:cNvPicPr preferRelativeResize="0"/>
           <p:nvPr/>
         </p:nvPicPr>
         <p:blipFill rotWithShape="1">
-          <a:blip r:embed="rId4">
+          <a:blip r:embed="rId3">
             <a:alphaModFix/>
           </a:blip>
           <a:srcRect b="0" l="0" r="0" t="0"/>
@@ -15077,13 +15043,13 @@
       </p:pic>
       <p:sp>
         <p:nvSpPr>
-          <p:cNvPr id="92" name="Google Shape;92;p1"/>
+          <p:cNvPr id="91" name="Google Shape;91;p1"/>
           <p:cNvSpPr txBox="1"/>
           <p:nvPr/>
         </p:nvSpPr>
         <p:spPr>
           <a:xfrm>
-            <a:off x="1514450" y="1754062"/>
+            <a:off x="1514425" y="1204512"/>
             <a:ext cx="39779700" cy="1188900"/>
           </a:xfrm>
           <a:prstGeom prst="rect">
@@ -15100,7 +15066,7 @@
           </a:bodyPr>
           <a:lstStyle/>
           <a:p>
-            <a:pPr indent="0" lvl="0" marL="0" marR="0" rtl="0" algn="l">
+            <a:pPr indent="0" lvl="0" marL="0" marR="0" rtl="0" algn="ctr">
               <a:lnSpc>
                 <a:spcPct val="100000"/>
               </a:lnSpc>
@@ -15118,7 +15084,8 @@
               <a:buNone/>
             </a:pPr>
             <a:r>
-              <a:t/>
+              <a:rPr lang="en-US" sz="7200"/>
+              <a:t>Deep Reinforcement Learning Applied to Atari Pong Game</a:t>
             </a:r>
             <a:endParaRPr b="0" i="0" sz="7200" u="none" cap="none" strike="noStrike">
               <a:solidFill>
@@ -15134,12 +15101,12 @@
       </p:sp>
       <p:graphicFrame>
         <p:nvGraphicFramePr>
-          <p:cNvPr id="93" name="Google Shape;93;p1"/>
+          <p:cNvPr id="92" name="Google Shape;92;p1"/>
           <p:cNvGraphicFramePr/>
           <p:nvPr/>
         </p:nvGraphicFramePr>
         <p:xfrm>
-          <a:off x="1606562" y="3361075"/>
+          <a:off x="1801375" y="2951425"/>
           <a:ext cx="3000000" cy="3000000"/>
         </p:xfrm>
         <a:graphic>
@@ -15147,7 +15114,7 @@
             <a:tbl>
               <a:tblPr>
                 <a:noFill/>
-                <a:tableStyleId>{739F7495-D3F4-4B7F-8CE4-E3D235B45D7E}</a:tableStyleId>
+                <a:tableStyleId>{22E8BB32-81BA-4461-AD5A-E5B5FB190DB4}</a:tableStyleId>
               </a:tblPr>
               <a:tblGrid>
                 <a:gridCol w="38736575"/>
@@ -15215,58 +15182,6 @@
                         </a:rPr>
                         <a:t>Dennis Jensen - s155629</a:t>
                       </a:r>
-                      <a:endParaRPr i="1" sz="3600" u="none" cap="none" strike="noStrike"/>
-                    </a:p>
-                    <a:p>
-                      <a:pPr indent="0" lvl="0" marL="0" marR="0" rtl="0" algn="ctr">
-                        <a:lnSpc>
-                          <a:spcPct val="100000"/>
-                        </a:lnSpc>
-                        <a:spcBef>
-                          <a:spcPts val="800"/>
-                        </a:spcBef>
-                        <a:spcAft>
-                          <a:spcPts val="0"/>
-                        </a:spcAft>
-                        <a:buClr>
-                          <a:schemeClr val="dk1"/>
-                        </a:buClr>
-                        <a:buSzPts val="3600"/>
-                        <a:buFont typeface="Arial"/>
-                        <a:buNone/>
-                      </a:pPr>
-                      <a:r>
-                        <a:rPr b="0" i="0" lang="en-US" sz="3600" u="none" cap="none" strike="noStrike">
-                          <a:solidFill>
-                            <a:schemeClr val="dk1"/>
-                          </a:solidFill>
-                          <a:latin typeface="Arial"/>
-                          <a:ea typeface="Arial"/>
-                          <a:cs typeface="Arial"/>
-                          <a:sym typeface="Arial"/>
-                        </a:rPr>
-                        <a:t>DTU </a:t>
-                      </a:r>
-                      <a:r>
-                        <a:rPr lang="en-US" sz="3600">
-                          <a:solidFill>
-                            <a:schemeClr val="dk1"/>
-                          </a:solidFill>
-                        </a:rPr>
-                        <a:t>Space</a:t>
-                      </a:r>
-                      <a:r>
-                        <a:rPr b="0" i="0" lang="en-US" sz="3600" u="none" cap="none" strike="noStrike">
-                          <a:solidFill>
-                            <a:schemeClr val="dk1"/>
-                          </a:solidFill>
-                          <a:latin typeface="Arial"/>
-                          <a:ea typeface="Arial"/>
-                          <a:cs typeface="Arial"/>
-                          <a:sym typeface="Arial"/>
-                        </a:rPr>
-                        <a:t>, Technical University of Denmark</a:t>
-                      </a:r>
                       <a:endParaRPr sz="3600" u="none" cap="none" strike="noStrike">
                         <a:solidFill>
                           <a:schemeClr val="dk1"/>
@@ -15283,13 +15198,13 @@
       </p:graphicFrame>
       <p:sp>
         <p:nvSpPr>
-          <p:cNvPr id="94" name="Google Shape;94;p1"/>
+          <p:cNvPr id="93" name="Google Shape;93;p1"/>
           <p:cNvSpPr txBox="1"/>
           <p:nvPr/>
         </p:nvSpPr>
         <p:spPr>
           <a:xfrm>
-            <a:off x="602450" y="8627975"/>
+            <a:off x="602450" y="7353925"/>
             <a:ext cx="10809000" cy="2591700"/>
           </a:xfrm>
           <a:prstGeom prst="rect">
@@ -15389,13 +15304,13 @@
       </p:sp>
       <p:sp>
         <p:nvSpPr>
-          <p:cNvPr id="95" name="Google Shape;95;p1"/>
+          <p:cNvPr id="94" name="Google Shape;94;p1"/>
           <p:cNvSpPr txBox="1"/>
           <p:nvPr/>
         </p:nvSpPr>
         <p:spPr>
           <a:xfrm>
-            <a:off x="3686688" y="6883838"/>
+            <a:off x="3735788" y="6108700"/>
             <a:ext cx="4542300" cy="1014000"/>
           </a:xfrm>
           <a:prstGeom prst="rect">
@@ -15455,13 +15370,13 @@
       </p:sp>
       <p:sp>
         <p:nvSpPr>
-          <p:cNvPr id="96" name="Google Shape;96;p1"/>
+          <p:cNvPr id="95" name="Google Shape;95;p1"/>
           <p:cNvSpPr txBox="1"/>
           <p:nvPr/>
         </p:nvSpPr>
         <p:spPr>
           <a:xfrm>
-            <a:off x="11798450" y="7010525"/>
+            <a:off x="11896575" y="6188363"/>
             <a:ext cx="7524900" cy="1014000"/>
           </a:xfrm>
           <a:prstGeom prst="rect">
@@ -15519,42 +15434,15 @@
           </a:p>
         </p:txBody>
       </p:sp>
-      <p:pic>
-        <p:nvPicPr>
-          <p:cNvPr descr="char2wordtocharattention.png" id="97" name="Google Shape;97;p1"/>
-          <p:cNvPicPr preferRelativeResize="0"/>
-          <p:nvPr/>
-        </p:nvPicPr>
-        <p:blipFill rotWithShape="1">
-          <a:blip r:embed="rId5">
-            <a:alphaModFix/>
-          </a:blip>
-          <a:srcRect b="0" l="0" r="0" t="0"/>
-          <a:stretch/>
-        </p:blipFill>
-        <p:spPr>
-          <a:xfrm>
-            <a:off x="17206613" y="20753925"/>
-            <a:ext cx="10153650" cy="5305425"/>
-          </a:xfrm>
-          <a:prstGeom prst="rect">
-            <a:avLst/>
-          </a:prstGeom>
-          <a:noFill/>
-          <a:ln>
-            <a:noFill/>
-          </a:ln>
-        </p:spPr>
-      </p:pic>
       <p:sp>
         <p:nvSpPr>
-          <p:cNvPr id="98" name="Google Shape;98;p1"/>
+          <p:cNvPr id="96" name="Google Shape;96;p1"/>
           <p:cNvSpPr txBox="1"/>
           <p:nvPr/>
         </p:nvSpPr>
         <p:spPr>
           <a:xfrm>
-            <a:off x="21215050" y="7010525"/>
+            <a:off x="21165988" y="6108688"/>
             <a:ext cx="7065000" cy="1014000"/>
           </a:xfrm>
           <a:prstGeom prst="rect">
@@ -15614,229 +15502,14 @@
       </p:sp>
       <p:sp>
         <p:nvSpPr>
-          <p:cNvPr id="99" name="Google Shape;99;p1"/>
-          <p:cNvSpPr/>
-          <p:nvPr/>
-        </p:nvSpPr>
-        <p:spPr>
-          <a:xfrm>
-            <a:off x="10313400" y="26054884"/>
-            <a:ext cx="1411500" cy="528000"/>
-          </a:xfrm>
-          <a:prstGeom prst="ellipse">
-            <a:avLst/>
-          </a:prstGeom>
-          <a:noFill/>
-          <a:ln cap="flat" cmpd="sng" w="38100">
-            <a:solidFill>
-              <a:srgbClr val="BF9000"/>
-            </a:solidFill>
-            <a:prstDash val="solid"/>
-            <a:round/>
-            <a:headEnd len="sm" w="sm" type="none"/>
-            <a:tailEnd len="sm" w="sm" type="none"/>
-          </a:ln>
-        </p:spPr>
-        <p:txBody>
-          <a:bodyPr anchorCtr="0" anchor="ctr" bIns="91425" lIns="91425" spcFirstLastPara="1" rIns="91425" wrap="square" tIns="91425">
-            <a:noAutofit/>
-          </a:bodyPr>
-          <a:lstStyle/>
-          <a:p>
-            <a:pPr indent="0" lvl="0" marL="0" marR="0" rtl="0" algn="l">
-              <a:lnSpc>
-                <a:spcPct val="100000"/>
-              </a:lnSpc>
-              <a:spcBef>
-                <a:spcPts val="0"/>
-              </a:spcBef>
-              <a:spcAft>
-                <a:spcPts val="0"/>
-              </a:spcAft>
-              <a:buClr>
-                <a:srgbClr val="000000"/>
-              </a:buClr>
-              <a:buSzPts val="1400"/>
-              <a:buFont typeface="Arial"/>
-              <a:buNone/>
-            </a:pPr>
-            <a:r>
-              <a:t/>
-            </a:r>
-            <a:endParaRPr b="0" i="0" sz="1400" u="none" cap="none" strike="noStrike">
-              <a:solidFill>
-                <a:srgbClr val="000000"/>
-              </a:solidFill>
-              <a:latin typeface="Arial"/>
-              <a:ea typeface="Arial"/>
-              <a:cs typeface="Arial"/>
-              <a:sym typeface="Arial"/>
-            </a:endParaRPr>
-          </a:p>
-        </p:txBody>
-      </p:sp>
-      <p:sp>
-        <p:nvSpPr>
-          <p:cNvPr id="100" name="Google Shape;100;p1"/>
-          <p:cNvSpPr/>
-          <p:nvPr/>
-        </p:nvSpPr>
-        <p:spPr>
-          <a:xfrm>
-            <a:off x="12813075" y="24608209"/>
-            <a:ext cx="1411500" cy="528000"/>
-          </a:xfrm>
-          <a:prstGeom prst="ellipse">
-            <a:avLst/>
-          </a:prstGeom>
-          <a:noFill/>
-          <a:ln cap="flat" cmpd="sng" w="38100">
-            <a:solidFill>
-              <a:srgbClr val="BF9000"/>
-            </a:solidFill>
-            <a:prstDash val="solid"/>
-            <a:round/>
-            <a:headEnd len="sm" w="sm" type="none"/>
-            <a:tailEnd len="sm" w="sm" type="none"/>
-          </a:ln>
-        </p:spPr>
-        <p:txBody>
-          <a:bodyPr anchorCtr="0" anchor="ctr" bIns="91425" lIns="91425" spcFirstLastPara="1" rIns="91425" wrap="square" tIns="91425">
-            <a:noAutofit/>
-          </a:bodyPr>
-          <a:lstStyle/>
-          <a:p>
-            <a:pPr indent="0" lvl="0" marL="0" marR="0" rtl="0" algn="l">
-              <a:lnSpc>
-                <a:spcPct val="100000"/>
-              </a:lnSpc>
-              <a:spcBef>
-                <a:spcPts val="0"/>
-              </a:spcBef>
-              <a:spcAft>
-                <a:spcPts val="0"/>
-              </a:spcAft>
-              <a:buClr>
-                <a:srgbClr val="000000"/>
-              </a:buClr>
-              <a:buSzPts val="1400"/>
-              <a:buFont typeface="Arial"/>
-              <a:buNone/>
-            </a:pPr>
-            <a:r>
-              <a:t/>
-            </a:r>
-            <a:endParaRPr b="0" i="0" sz="1400" u="none" cap="none" strike="noStrike">
-              <a:solidFill>
-                <a:srgbClr val="000000"/>
-              </a:solidFill>
-              <a:latin typeface="Arial"/>
-              <a:ea typeface="Arial"/>
-              <a:cs typeface="Arial"/>
-              <a:sym typeface="Arial"/>
-            </a:endParaRPr>
-          </a:p>
-        </p:txBody>
-      </p:sp>
-      <p:sp>
-        <p:nvSpPr>
-          <p:cNvPr id="101" name="Google Shape;101;p1"/>
-          <p:cNvSpPr/>
-          <p:nvPr/>
-        </p:nvSpPr>
-        <p:spPr>
-          <a:xfrm>
-            <a:off x="8725700" y="23029484"/>
-            <a:ext cx="1411500" cy="528000"/>
-          </a:xfrm>
-          <a:prstGeom prst="ellipse">
-            <a:avLst/>
-          </a:prstGeom>
-          <a:noFill/>
-          <a:ln cap="flat" cmpd="sng" w="38100">
-            <a:solidFill>
-              <a:srgbClr val="BF9000"/>
-            </a:solidFill>
-            <a:prstDash val="solid"/>
-            <a:round/>
-            <a:headEnd len="sm" w="sm" type="none"/>
-            <a:tailEnd len="sm" w="sm" type="none"/>
-          </a:ln>
-        </p:spPr>
-        <p:txBody>
-          <a:bodyPr anchorCtr="0" anchor="ctr" bIns="91425" lIns="91425" spcFirstLastPara="1" rIns="91425" wrap="square" tIns="91425">
-            <a:noAutofit/>
-          </a:bodyPr>
-          <a:lstStyle/>
-          <a:p>
-            <a:pPr indent="0" lvl="0" marL="0" marR="0" rtl="0" algn="l">
-              <a:lnSpc>
-                <a:spcPct val="100000"/>
-              </a:lnSpc>
-              <a:spcBef>
-                <a:spcPts val="0"/>
-              </a:spcBef>
-              <a:spcAft>
-                <a:spcPts val="0"/>
-              </a:spcAft>
-              <a:buClr>
-                <a:srgbClr val="000000"/>
-              </a:buClr>
-              <a:buSzPts val="1400"/>
-              <a:buFont typeface="Arial"/>
-              <a:buNone/>
-            </a:pPr>
-            <a:r>
-              <a:t/>
-            </a:r>
-            <a:endParaRPr b="0" i="0" sz="1400" u="none" cap="none" strike="noStrike">
-              <a:solidFill>
-                <a:srgbClr val="000000"/>
-              </a:solidFill>
-              <a:latin typeface="Arial"/>
-              <a:ea typeface="Arial"/>
-              <a:cs typeface="Arial"/>
-              <a:sym typeface="Arial"/>
-            </a:endParaRPr>
-          </a:p>
-        </p:txBody>
-      </p:sp>
-      <p:cxnSp>
-        <p:nvCxnSpPr>
-          <p:cNvPr id="102" name="Google Shape;102;p1"/>
-          <p:cNvCxnSpPr/>
-          <p:nvPr/>
-        </p:nvCxnSpPr>
-        <p:spPr>
-          <a:xfrm>
-            <a:off x="9781905" y="23517006"/>
-            <a:ext cx="648900" cy="762600"/>
-          </a:xfrm>
-          <a:prstGeom prst="straightConnector1">
-            <a:avLst/>
-          </a:prstGeom>
-          <a:noFill/>
-          <a:ln cap="flat" cmpd="sng" w="38100">
-            <a:solidFill>
-              <a:srgbClr val="BF9000"/>
-            </a:solidFill>
-            <a:prstDash val="solid"/>
-            <a:round/>
-            <a:headEnd len="sm" w="sm" type="none"/>
-            <a:tailEnd len="med" w="med" type="triangle"/>
-          </a:ln>
-        </p:spPr>
-      </p:cxnSp>
-      <p:sp>
-        <p:nvSpPr>
-          <p:cNvPr id="103" name="Google Shape;103;p1"/>
+          <p:cNvPr id="97" name="Google Shape;97;p1"/>
           <p:cNvSpPr txBox="1"/>
           <p:nvPr/>
         </p:nvSpPr>
         <p:spPr>
           <a:xfrm>
-            <a:off x="9842100" y="24429313"/>
-            <a:ext cx="2096400" cy="528000"/>
+            <a:off x="2214425" y="18616750"/>
+            <a:ext cx="6580500" cy="9949800"/>
           </a:xfrm>
           <a:prstGeom prst="rect">
             <a:avLst/>
@@ -15865,286 +15538,6 @@
               <a:buClr>
                 <a:srgbClr val="000000"/>
               </a:buClr>
-              <a:buSzPts val="3000"/>
-              <a:buFont typeface="Arial"/>
-              <a:buNone/>
-            </a:pPr>
-            <a:r>
-              <a:rPr b="0" i="0" lang="en-US" sz="3000" u="none" cap="none" strike="noStrike">
-                <a:solidFill>
-                  <a:srgbClr val="BF9000"/>
-                </a:solidFill>
-                <a:latin typeface="Arial"/>
-                <a:ea typeface="Arial"/>
-                <a:cs typeface="Arial"/>
-                <a:sym typeface="Arial"/>
-              </a:rPr>
-              <a:t>Word-level</a:t>
-            </a:r>
-            <a:endParaRPr b="0" i="0" sz="3000" u="none" cap="none" strike="noStrike">
-              <a:solidFill>
-                <a:srgbClr val="BF9000"/>
-              </a:solidFill>
-              <a:latin typeface="Arial"/>
-              <a:ea typeface="Arial"/>
-              <a:cs typeface="Arial"/>
-              <a:sym typeface="Arial"/>
-            </a:endParaRPr>
-          </a:p>
-        </p:txBody>
-      </p:sp>
-      <p:cxnSp>
-        <p:nvCxnSpPr>
-          <p:cNvPr id="104" name="Google Shape;104;p1"/>
-          <p:cNvCxnSpPr>
-            <a:stCxn id="99" idx="0"/>
-            <a:endCxn id="103" idx="2"/>
-          </p:cNvCxnSpPr>
-          <p:nvPr/>
-        </p:nvCxnSpPr>
-        <p:spPr>
-          <a:xfrm rot="10800000">
-            <a:off x="10890450" y="24957184"/>
-            <a:ext cx="128700" cy="1097700"/>
-          </a:xfrm>
-          <a:prstGeom prst="straightConnector1">
-            <a:avLst/>
-          </a:prstGeom>
-          <a:noFill/>
-          <a:ln cap="flat" cmpd="sng" w="38100">
-            <a:solidFill>
-              <a:srgbClr val="BF9000"/>
-            </a:solidFill>
-            <a:prstDash val="solid"/>
-            <a:round/>
-            <a:headEnd len="sm" w="sm" type="none"/>
-            <a:tailEnd len="med" w="med" type="triangle"/>
-          </a:ln>
-        </p:spPr>
-      </p:cxnSp>
-      <p:cxnSp>
-        <p:nvCxnSpPr>
-          <p:cNvPr id="105" name="Google Shape;105;p1"/>
-          <p:cNvCxnSpPr>
-            <a:stCxn id="100" idx="2"/>
-          </p:cNvCxnSpPr>
-          <p:nvPr/>
-        </p:nvCxnSpPr>
-        <p:spPr>
-          <a:xfrm rot="10800000">
-            <a:off x="11809575" y="24702709"/>
-            <a:ext cx="1003500" cy="169500"/>
-          </a:xfrm>
-          <a:prstGeom prst="straightConnector1">
-            <a:avLst/>
-          </a:prstGeom>
-          <a:noFill/>
-          <a:ln cap="flat" cmpd="sng" w="38100">
-            <a:solidFill>
-              <a:srgbClr val="BF9000"/>
-            </a:solidFill>
-            <a:prstDash val="solid"/>
-            <a:round/>
-            <a:headEnd len="sm" w="sm" type="none"/>
-            <a:tailEnd len="med" w="med" type="triangle"/>
-          </a:ln>
-        </p:spPr>
-      </p:cxnSp>
-      <p:sp>
-        <p:nvSpPr>
-          <p:cNvPr id="106" name="Google Shape;106;p1"/>
-          <p:cNvSpPr/>
-          <p:nvPr/>
-        </p:nvSpPr>
-        <p:spPr>
-          <a:xfrm rot="1765319">
-            <a:off x="4334545" y="21509892"/>
-            <a:ext cx="5189745" cy="517455"/>
-          </a:xfrm>
-          <a:prstGeom prst="ellipse">
-            <a:avLst/>
-          </a:prstGeom>
-          <a:noFill/>
-          <a:ln cap="flat" cmpd="sng" w="38100">
-            <a:solidFill>
-              <a:srgbClr val="38761D"/>
-            </a:solidFill>
-            <a:prstDash val="solid"/>
-            <a:round/>
-            <a:headEnd len="sm" w="sm" type="none"/>
-            <a:tailEnd len="sm" w="sm" type="none"/>
-          </a:ln>
-        </p:spPr>
-        <p:txBody>
-          <a:bodyPr anchorCtr="0" anchor="ctr" bIns="91425" lIns="91425" spcFirstLastPara="1" rIns="91425" wrap="square" tIns="91425">
-            <a:noAutofit/>
-          </a:bodyPr>
-          <a:lstStyle/>
-          <a:p>
-            <a:pPr indent="0" lvl="0" marL="0" marR="0" rtl="0" algn="l">
-              <a:lnSpc>
-                <a:spcPct val="100000"/>
-              </a:lnSpc>
-              <a:spcBef>
-                <a:spcPts val="0"/>
-              </a:spcBef>
-              <a:spcAft>
-                <a:spcPts val="0"/>
-              </a:spcAft>
-              <a:buClr>
-                <a:srgbClr val="000000"/>
-              </a:buClr>
-              <a:buSzPts val="1400"/>
-              <a:buFont typeface="Arial"/>
-              <a:buNone/>
-            </a:pPr>
-            <a:r>
-              <a:t/>
-            </a:r>
-            <a:endParaRPr b="0" i="0" sz="1400" u="none" cap="none" strike="noStrike">
-              <a:solidFill>
-                <a:srgbClr val="FFFFFF"/>
-              </a:solidFill>
-              <a:latin typeface="Arial"/>
-              <a:ea typeface="Arial"/>
-              <a:cs typeface="Arial"/>
-              <a:sym typeface="Arial"/>
-            </a:endParaRPr>
-          </a:p>
-        </p:txBody>
-      </p:sp>
-      <p:cxnSp>
-        <p:nvCxnSpPr>
-          <p:cNvPr id="107" name="Google Shape;107;p1"/>
-          <p:cNvCxnSpPr>
-            <a:stCxn id="106" idx="4"/>
-          </p:cNvCxnSpPr>
-          <p:nvPr/>
-        </p:nvCxnSpPr>
-        <p:spPr>
-          <a:xfrm flipH="1">
-            <a:off x="6073621" y="21993977"/>
-            <a:ext cx="728700" cy="613500"/>
-          </a:xfrm>
-          <a:prstGeom prst="straightConnector1">
-            <a:avLst/>
-          </a:prstGeom>
-          <a:noFill/>
-          <a:ln cap="flat" cmpd="sng" w="38100">
-            <a:solidFill>
-              <a:srgbClr val="38761D"/>
-            </a:solidFill>
-            <a:prstDash val="solid"/>
-            <a:round/>
-            <a:headEnd len="sm" w="sm" type="none"/>
-            <a:tailEnd len="med" w="med" type="triangle"/>
-          </a:ln>
-        </p:spPr>
-      </p:cxnSp>
-      <p:sp>
-        <p:nvSpPr>
-          <p:cNvPr id="108" name="Google Shape;108;p1"/>
-          <p:cNvSpPr txBox="1"/>
-          <p:nvPr/>
-        </p:nvSpPr>
-        <p:spPr>
-          <a:xfrm>
-            <a:off x="4914625" y="22715850"/>
-            <a:ext cx="2156400" cy="528000"/>
-          </a:xfrm>
-          <a:prstGeom prst="rect">
-            <a:avLst/>
-          </a:prstGeom>
-          <a:noFill/>
-          <a:ln>
-            <a:noFill/>
-          </a:ln>
-        </p:spPr>
-        <p:txBody>
-          <a:bodyPr anchorCtr="0" anchor="t" bIns="91425" lIns="91425" spcFirstLastPara="1" rIns="91425" wrap="square" tIns="91425">
-            <a:noAutofit/>
-          </a:bodyPr>
-          <a:lstStyle/>
-          <a:p>
-            <a:pPr indent="0" lvl="0" marL="0" marR="0" rtl="0" algn="l">
-              <a:lnSpc>
-                <a:spcPct val="100000"/>
-              </a:lnSpc>
-              <a:spcBef>
-                <a:spcPts val="0"/>
-              </a:spcBef>
-              <a:spcAft>
-                <a:spcPts val="0"/>
-              </a:spcAft>
-              <a:buClr>
-                <a:srgbClr val="000000"/>
-              </a:buClr>
-              <a:buSzPts val="3000"/>
-              <a:buFont typeface="Arial"/>
-              <a:buNone/>
-            </a:pPr>
-            <a:r>
-              <a:rPr b="0" i="0" lang="en-US" sz="3000" u="none" cap="none" strike="noStrike">
-                <a:solidFill>
-                  <a:srgbClr val="38761D"/>
-                </a:solidFill>
-                <a:latin typeface="Arial"/>
-                <a:ea typeface="Arial"/>
-                <a:cs typeface="Arial"/>
-                <a:sym typeface="Arial"/>
-              </a:rPr>
-              <a:t>Char-level</a:t>
-            </a:r>
-            <a:endParaRPr b="0" i="0" sz="3000" u="none" cap="none" strike="noStrike">
-              <a:solidFill>
-                <a:srgbClr val="38761D"/>
-              </a:solidFill>
-              <a:latin typeface="Arial"/>
-              <a:ea typeface="Arial"/>
-              <a:cs typeface="Arial"/>
-              <a:sym typeface="Arial"/>
-            </a:endParaRPr>
-          </a:p>
-        </p:txBody>
-      </p:sp>
-      <p:sp>
-        <p:nvSpPr>
-          <p:cNvPr id="109" name="Google Shape;109;p1"/>
-          <p:cNvSpPr txBox="1"/>
-          <p:nvPr/>
-        </p:nvSpPr>
-        <p:spPr>
-          <a:xfrm>
-            <a:off x="2195375" y="18140500"/>
-            <a:ext cx="7524900" cy="1014000"/>
-          </a:xfrm>
-          <a:prstGeom prst="rect">
-            <a:avLst/>
-          </a:prstGeom>
-          <a:noFill/>
-          <a:ln>
-            <a:noFill/>
-          </a:ln>
-        </p:spPr>
-        <p:txBody>
-          <a:bodyPr anchorCtr="0" anchor="t" bIns="91425" lIns="91425" spcFirstLastPara="1" rIns="91425" wrap="square" tIns="91425">
-            <a:noAutofit/>
-          </a:bodyPr>
-          <a:lstStyle/>
-          <a:p>
-            <a:pPr indent="0" lvl="0" marL="0" marR="0" rtl="0" algn="l">
-              <a:lnSpc>
-                <a:spcPct val="100000"/>
-              </a:lnSpc>
-              <a:spcBef>
-                <a:spcPts val="0"/>
-              </a:spcBef>
-              <a:spcAft>
-                <a:spcPts val="0"/>
-              </a:spcAft>
-              <a:buClr>
-                <a:srgbClr val="000000"/>
-              </a:buClr>
               <a:buSzPts val="4800"/>
               <a:buFont typeface="Arial"/>
               <a:buNone/>
@@ -16185,27 +15578,230 @@
               </a:rPr>
               <a:t>Qualitative</a:t>
             </a:r>
-            <a:endParaRPr b="1" i="0" sz="4800" u="sng" cap="none" strike="noStrike">
+            <a:endParaRPr b="0" i="0" sz="4800" u="none" cap="none" strike="noStrike">
               <a:solidFill>
+                <a:schemeClr val="dk1"/>
+              </a:solidFill>
+              <a:latin typeface="Garamond"/>
+              <a:ea typeface="Garamond"/>
+              <a:cs typeface="Garamond"/>
+              <a:sym typeface="Garamond"/>
+            </a:endParaRPr>
+          </a:p>
+          <a:p>
+            <a:pPr indent="0" lvl="0" marL="0" marR="0" rtl="0" algn="l">
+              <a:lnSpc>
+                <a:spcPct val="100000"/>
+              </a:lnSpc>
+              <a:spcBef>
+                <a:spcPts val="0"/>
+              </a:spcBef>
+              <a:spcAft>
+                <a:spcPts val="0"/>
+              </a:spcAft>
+              <a:buClr>
                 <a:srgbClr val="000000"/>
+              </a:buClr>
+              <a:buSzPts val="4800"/>
+              <a:buFont typeface="Arial"/>
+              <a:buNone/>
+            </a:pPr>
+            <a:r>
+              <a:t/>
+            </a:r>
+            <a:endParaRPr sz="3600">
+              <a:solidFill>
+                <a:schemeClr val="dk1"/>
               </a:solidFill>
-              <a:latin typeface="Arial"/>
-              <a:ea typeface="Arial"/>
-              <a:cs typeface="Arial"/>
-              <a:sym typeface="Arial"/>
+              <a:latin typeface="Garamond"/>
+              <a:ea typeface="Garamond"/>
+              <a:cs typeface="Garamond"/>
+              <a:sym typeface="Garamond"/>
+            </a:endParaRPr>
+          </a:p>
+          <a:p>
+            <a:pPr indent="-457200" lvl="0" marL="457200" marR="0" rtl="0" algn="l">
+              <a:lnSpc>
+                <a:spcPct val="100000"/>
+              </a:lnSpc>
+              <a:spcBef>
+                <a:spcPts val="0"/>
+              </a:spcBef>
+              <a:spcAft>
+                <a:spcPts val="0"/>
+              </a:spcAft>
+              <a:buClr>
+                <a:schemeClr val="dk1"/>
+              </a:buClr>
+              <a:buSzPts val="3600"/>
+              <a:buFont typeface="Garamond"/>
+              <a:buChar char="-"/>
+            </a:pPr>
+            <a:r>
+              <a:rPr lang="en-US" sz="3600">
+                <a:solidFill>
+                  <a:schemeClr val="dk1"/>
+                </a:solidFill>
+                <a:latin typeface="Garamond"/>
+                <a:ea typeface="Garamond"/>
+                <a:cs typeface="Garamond"/>
+                <a:sym typeface="Garamond"/>
+              </a:rPr>
+              <a:t>The reward on the y-axis is the mean of the last 100 games played</a:t>
+            </a:r>
+            <a:endParaRPr sz="3600">
+              <a:solidFill>
+                <a:schemeClr val="dk1"/>
+              </a:solidFill>
+              <a:latin typeface="Garamond"/>
+              <a:ea typeface="Garamond"/>
+              <a:cs typeface="Garamond"/>
+              <a:sym typeface="Garamond"/>
+            </a:endParaRPr>
+          </a:p>
+          <a:p>
+            <a:pPr indent="0" lvl="0" marL="457200" marR="0" rtl="0" algn="l">
+              <a:lnSpc>
+                <a:spcPct val="100000"/>
+              </a:lnSpc>
+              <a:spcBef>
+                <a:spcPts val="0"/>
+              </a:spcBef>
+              <a:spcAft>
+                <a:spcPts val="0"/>
+              </a:spcAft>
+              <a:buNone/>
+            </a:pPr>
+            <a:r>
+              <a:t/>
+            </a:r>
+            <a:endParaRPr sz="3600">
+              <a:solidFill>
+                <a:schemeClr val="dk1"/>
+              </a:solidFill>
+              <a:latin typeface="Garamond"/>
+              <a:ea typeface="Garamond"/>
+              <a:cs typeface="Garamond"/>
+              <a:sym typeface="Garamond"/>
+            </a:endParaRPr>
+          </a:p>
+          <a:p>
+            <a:pPr indent="-457200" lvl="0" marL="457200" marR="0" rtl="0" algn="l">
+              <a:lnSpc>
+                <a:spcPct val="100000"/>
+              </a:lnSpc>
+              <a:spcBef>
+                <a:spcPts val="0"/>
+              </a:spcBef>
+              <a:spcAft>
+                <a:spcPts val="0"/>
+              </a:spcAft>
+              <a:buClr>
+                <a:schemeClr val="dk1"/>
+              </a:buClr>
+              <a:buSzPts val="3600"/>
+              <a:buFont typeface="Garamond"/>
+              <a:buChar char="-"/>
+            </a:pPr>
+            <a:r>
+              <a:rPr lang="en-US" sz="3600">
+                <a:solidFill>
+                  <a:schemeClr val="dk1"/>
+                </a:solidFill>
+                <a:latin typeface="Garamond"/>
+                <a:ea typeface="Garamond"/>
+                <a:cs typeface="Garamond"/>
+                <a:sym typeface="Garamond"/>
+              </a:rPr>
+              <a:t>The average human performance gets a reward of -3 [2]</a:t>
+            </a:r>
+            <a:endParaRPr sz="3600">
+              <a:solidFill>
+                <a:schemeClr val="dk1"/>
+              </a:solidFill>
+              <a:latin typeface="Garamond"/>
+              <a:ea typeface="Garamond"/>
+              <a:cs typeface="Garamond"/>
+              <a:sym typeface="Garamond"/>
+            </a:endParaRPr>
+          </a:p>
+          <a:p>
+            <a:pPr indent="0" lvl="0" marL="457200" marR="0" rtl="0" algn="l">
+              <a:lnSpc>
+                <a:spcPct val="100000"/>
+              </a:lnSpc>
+              <a:spcBef>
+                <a:spcPts val="0"/>
+              </a:spcBef>
+              <a:spcAft>
+                <a:spcPts val="0"/>
+              </a:spcAft>
+              <a:buNone/>
+            </a:pPr>
+            <a:r>
+              <a:t/>
+            </a:r>
+            <a:endParaRPr sz="3600">
+              <a:solidFill>
+                <a:schemeClr val="dk1"/>
+              </a:solidFill>
+              <a:latin typeface="Garamond"/>
+              <a:ea typeface="Garamond"/>
+              <a:cs typeface="Garamond"/>
+              <a:sym typeface="Garamond"/>
+            </a:endParaRPr>
+          </a:p>
+          <a:p>
+            <a:pPr indent="-457200" lvl="0" marL="457200" marR="0" rtl="0" algn="l">
+              <a:lnSpc>
+                <a:spcPct val="100000"/>
+              </a:lnSpc>
+              <a:spcBef>
+                <a:spcPts val="0"/>
+              </a:spcBef>
+              <a:spcAft>
+                <a:spcPts val="0"/>
+              </a:spcAft>
+              <a:buClr>
+                <a:schemeClr val="dk1"/>
+              </a:buClr>
+              <a:buSzPts val="3600"/>
+              <a:buFont typeface="Garamond"/>
+              <a:buChar char="-"/>
+            </a:pPr>
+            <a:r>
+              <a:rPr lang="en-US" sz="3600">
+                <a:solidFill>
+                  <a:schemeClr val="dk1"/>
+                </a:solidFill>
+                <a:latin typeface="Garamond"/>
+                <a:ea typeface="Garamond"/>
+                <a:cs typeface="Garamond"/>
+                <a:sym typeface="Garamond"/>
+              </a:rPr>
+              <a:t>Overestimation for the DQN does not happen in the figure to the right. This could be because the amount of frames trained on are not high enough. If the overestimation problem occured, the DQN would become unstable and get a worse reward when learning on more frames [4]</a:t>
+            </a:r>
+            <a:endParaRPr sz="3600">
+              <a:solidFill>
+                <a:schemeClr val="dk1"/>
+              </a:solidFill>
+              <a:latin typeface="Garamond"/>
+              <a:ea typeface="Garamond"/>
+              <a:cs typeface="Garamond"/>
+              <a:sym typeface="Garamond"/>
             </a:endParaRPr>
           </a:p>
         </p:txBody>
       </p:sp>
       <p:sp>
         <p:nvSpPr>
-          <p:cNvPr id="110" name="Google Shape;110;p1"/>
+          <p:cNvPr id="98" name="Google Shape;98;p1"/>
           <p:cNvSpPr txBox="1"/>
           <p:nvPr/>
         </p:nvSpPr>
         <p:spPr>
           <a:xfrm>
-            <a:off x="32351003" y="6883850"/>
+            <a:off x="31801703" y="6247425"/>
             <a:ext cx="5426700" cy="1014000"/>
           </a:xfrm>
           <a:prstGeom prst="rect">
@@ -16241,7 +15837,7 @@
             </a:pPr>
             <a:r>
               <a:rPr b="1" lang="en-US" sz="4800" u="sng"/>
-              <a:t>Target Network</a:t>
+              <a:t>DQN</a:t>
             </a:r>
             <a:endParaRPr b="1" i="0" sz="4800" u="sng" cap="none" strike="noStrike">
               <a:solidFill>
@@ -16257,7 +15853,7 @@
       </p:sp>
       <p:sp>
         <p:nvSpPr>
-          <p:cNvPr id="111" name="Google Shape;111;p1"/>
+          <p:cNvPr id="99" name="Google Shape;99;p1"/>
           <p:cNvSpPr txBox="1"/>
           <p:nvPr/>
         </p:nvSpPr>
@@ -16345,392 +15941,9 @@
           </a:p>
         </p:txBody>
       </p:sp>
-      <p:graphicFrame>
-        <p:nvGraphicFramePr>
-          <p:cNvPr id="112" name="Google Shape;112;p1"/>
-          <p:cNvGraphicFramePr/>
-          <p:nvPr/>
-        </p:nvGraphicFramePr>
-        <p:xfrm>
-          <a:off x="28904650" y="19759095"/>
-          <a:ext cx="3000000" cy="3000000"/>
-        </p:xfrm>
-        <a:graphic>
-          <a:graphicData uri="http://schemas.openxmlformats.org/drawingml/2006/table">
-            <a:tbl>
-              <a:tblPr>
-                <a:noFill/>
-                <a:tableStyleId>{61319E08-5E83-49F2-8BFE-937B3F1DD85B}</a:tableStyleId>
-              </a:tblPr>
-              <a:tblGrid>
-                <a:gridCol w="3535875"/>
-                <a:gridCol w="2447475"/>
-                <a:gridCol w="2991625"/>
-              </a:tblGrid>
-              <a:tr h="1010075">
-                <a:tc>
-                  <a:txBody>
-                    <a:bodyPr/>
-                    <a:lstStyle/>
-                    <a:p>
-                      <a:pPr indent="0" lvl="0" marL="0" marR="0" rtl="0" algn="l">
-                        <a:lnSpc>
-                          <a:spcPct val="100000"/>
-                        </a:lnSpc>
-                        <a:spcBef>
-                          <a:spcPts val="0"/>
-                        </a:spcBef>
-                        <a:spcAft>
-                          <a:spcPts val="0"/>
-                        </a:spcAft>
-                        <a:buClr>
-                          <a:srgbClr val="000000"/>
-                        </a:buClr>
-                        <a:buSzPts val="3000"/>
-                        <a:buFont typeface="Arial"/>
-                        <a:buNone/>
-                      </a:pPr>
-                      <a:r>
-                        <a:rPr b="1" lang="en-US" sz="3000" u="none" cap="none" strike="noStrike"/>
-                        <a:t>Model</a:t>
-                      </a:r>
-                      <a:endParaRPr b="1" sz="3000" u="none" cap="none" strike="noStrike"/>
-                    </a:p>
-                  </a:txBody>
-                  <a:tcPr marT="91425" marB="91425" marR="91425" marL="91425">
-                    <a:solidFill>
-                      <a:srgbClr val="FFFFFF"/>
-                    </a:solidFill>
-                  </a:tcPr>
-                </a:tc>
-                <a:tc>
-                  <a:txBody>
-                    <a:bodyPr/>
-                    <a:lstStyle/>
-                    <a:p>
-                      <a:pPr indent="0" lvl="0" marL="0" marR="0" rtl="0" algn="l">
-                        <a:lnSpc>
-                          <a:spcPct val="100000"/>
-                        </a:lnSpc>
-                        <a:spcBef>
-                          <a:spcPts val="0"/>
-                        </a:spcBef>
-                        <a:spcAft>
-                          <a:spcPts val="0"/>
-                        </a:spcAft>
-                        <a:buClr>
-                          <a:srgbClr val="000000"/>
-                        </a:buClr>
-                        <a:buSzPts val="3000"/>
-                        <a:buFont typeface="Arial"/>
-                        <a:buNone/>
-                      </a:pPr>
-                      <a:r>
-                        <a:rPr b="1" lang="en-US" sz="3000" u="none" cap="none" strike="noStrike"/>
-                        <a:t>Language</a:t>
-                      </a:r>
-                      <a:endParaRPr b="1" sz="3000" u="none" cap="none" strike="noStrike"/>
-                    </a:p>
-                  </a:txBody>
-                  <a:tcPr marT="91425" marB="91425" marR="91425" marL="91425">
-                    <a:solidFill>
-                      <a:srgbClr val="FFFFFF"/>
-                    </a:solidFill>
-                  </a:tcPr>
-                </a:tc>
-                <a:tc>
-                  <a:txBody>
-                    <a:bodyPr/>
-                    <a:lstStyle/>
-                    <a:p>
-                      <a:pPr indent="0" lvl="0" marL="0" marR="0" rtl="0" algn="l">
-                        <a:lnSpc>
-                          <a:spcPct val="100000"/>
-                        </a:lnSpc>
-                        <a:spcBef>
-                          <a:spcPts val="0"/>
-                        </a:spcBef>
-                        <a:spcAft>
-                          <a:spcPts val="0"/>
-                        </a:spcAft>
-                        <a:buClr>
-                          <a:srgbClr val="000000"/>
-                        </a:buClr>
-                        <a:buSzPts val="1100"/>
-                        <a:buFont typeface="Arial"/>
-                        <a:buNone/>
-                      </a:pPr>
-                      <a:r>
-                        <a:rPr b="1" lang="en-US" sz="3000" u="none" cap="none" strike="noStrike">
-                          <a:solidFill>
-                            <a:srgbClr val="000000"/>
-                          </a:solidFill>
-                        </a:rPr>
-                        <a:t>newstest2015</a:t>
-                      </a:r>
-                      <a:endParaRPr b="1" sz="3000" u="none" cap="none" strike="noStrike"/>
-                    </a:p>
-                  </a:txBody>
-                  <a:tcPr marT="91425" marB="91425" marR="91425" marL="91425">
-                    <a:solidFill>
-                      <a:srgbClr val="FFFFFF"/>
-                    </a:solidFill>
-                  </a:tcPr>
-                </a:tc>
-              </a:tr>
-              <a:tr h="908500">
-                <a:tc>
-                  <a:txBody>
-                    <a:bodyPr/>
-                    <a:lstStyle/>
-                    <a:p>
-                      <a:pPr indent="0" lvl="0" marL="0" marR="0" rtl="0" algn="l">
-                        <a:lnSpc>
-                          <a:spcPct val="100000"/>
-                        </a:lnSpc>
-                        <a:spcBef>
-                          <a:spcPts val="0"/>
-                        </a:spcBef>
-                        <a:spcAft>
-                          <a:spcPts val="0"/>
-                        </a:spcAft>
-                        <a:buClr>
-                          <a:srgbClr val="000000"/>
-                        </a:buClr>
-                        <a:buSzPts val="3000"/>
-                        <a:buFont typeface="Arial"/>
-                        <a:buNone/>
-                      </a:pPr>
-                      <a:r>
-                        <a:rPr b="1" lang="en-US" sz="3000" u="none" cap="none" strike="noStrike">
-                          <a:latin typeface="Ubuntu Mono"/>
-                          <a:ea typeface="Ubuntu Mono"/>
-                          <a:cs typeface="Ubuntu Mono"/>
-                          <a:sym typeface="Ubuntu Mono"/>
-                        </a:rPr>
-                        <a:t>char-to-char</a:t>
-                      </a:r>
-                      <a:endParaRPr b="1" sz="3000" u="none" cap="none" strike="noStrike">
-                        <a:latin typeface="Ubuntu Mono"/>
-                        <a:ea typeface="Ubuntu Mono"/>
-                        <a:cs typeface="Ubuntu Mono"/>
-                        <a:sym typeface="Ubuntu Mono"/>
-                      </a:endParaRPr>
-                    </a:p>
-                  </a:txBody>
-                  <a:tcPr marT="91425" marB="91425" marR="91425" marL="91425">
-                    <a:solidFill>
-                      <a:srgbClr val="FFFFFF"/>
-                    </a:solidFill>
-                  </a:tcPr>
-                </a:tc>
-                <a:tc>
-                  <a:txBody>
-                    <a:bodyPr/>
-                    <a:lstStyle/>
-                    <a:p>
-                      <a:pPr indent="0" lvl="0" marL="0" marR="0" rtl="0" algn="l">
-                        <a:lnSpc>
-                          <a:spcPct val="100000"/>
-                        </a:lnSpc>
-                        <a:spcBef>
-                          <a:spcPts val="0"/>
-                        </a:spcBef>
-                        <a:spcAft>
-                          <a:spcPts val="0"/>
-                        </a:spcAft>
-                        <a:buClr>
-                          <a:srgbClr val="000000"/>
-                        </a:buClr>
-                        <a:buSzPts val="1100"/>
-                        <a:buFont typeface="Arial"/>
-                        <a:buNone/>
-                      </a:pPr>
-                      <a:r>
-                        <a:rPr lang="en-US" sz="3000" u="none" cap="none" strike="noStrike">
-                          <a:solidFill>
-                            <a:srgbClr val="000000"/>
-                          </a:solidFill>
-                        </a:rPr>
-                        <a:t>En-De</a:t>
-                      </a:r>
-                      <a:endParaRPr sz="3000" u="none" cap="none" strike="noStrike"/>
-                    </a:p>
-                  </a:txBody>
-                  <a:tcPr marT="91425" marB="91425" marR="91425" marL="91425">
-                    <a:solidFill>
-                      <a:srgbClr val="FFFFFF"/>
-                    </a:solidFill>
-                  </a:tcPr>
-                </a:tc>
-                <a:tc>
-                  <a:txBody>
-                    <a:bodyPr/>
-                    <a:lstStyle/>
-                    <a:p>
-                      <a:pPr indent="0" lvl="0" marL="0" marR="0" rtl="0" algn="l">
-                        <a:lnSpc>
-                          <a:spcPct val="100000"/>
-                        </a:lnSpc>
-                        <a:spcBef>
-                          <a:spcPts val="0"/>
-                        </a:spcBef>
-                        <a:spcAft>
-                          <a:spcPts val="0"/>
-                        </a:spcAft>
-                        <a:buClr>
-                          <a:srgbClr val="000000"/>
-                        </a:buClr>
-                        <a:buSzPts val="1100"/>
-                        <a:buFont typeface="Arial"/>
-                        <a:buNone/>
-                      </a:pPr>
-                      <a:r>
-                        <a:rPr lang="en-US" sz="3000" u="none" cap="none" strike="noStrike"/>
-                        <a:t>15.14 BLEU</a:t>
-                      </a:r>
-                      <a:endParaRPr sz="3000" u="none" cap="none" strike="noStrike"/>
-                    </a:p>
-                  </a:txBody>
-                  <a:tcPr marT="91425" marB="91425" marR="91425" marL="91425">
-                    <a:solidFill>
-                      <a:srgbClr val="FFFFFF"/>
-                    </a:solidFill>
-                  </a:tcPr>
-                </a:tc>
-              </a:tr>
-              <a:tr h="1360400">
-                <a:tc>
-                  <a:txBody>
-                    <a:bodyPr/>
-                    <a:lstStyle/>
-                    <a:p>
-                      <a:pPr indent="0" lvl="0" marL="0" marR="0" rtl="0" algn="l">
-                        <a:lnSpc>
-                          <a:spcPct val="100000"/>
-                        </a:lnSpc>
-                        <a:spcBef>
-                          <a:spcPts val="0"/>
-                        </a:spcBef>
-                        <a:spcAft>
-                          <a:spcPts val="0"/>
-                        </a:spcAft>
-                        <a:buClr>
-                          <a:srgbClr val="000000"/>
-                        </a:buClr>
-                        <a:buSzPts val="3000"/>
-                        <a:buFont typeface="Arial"/>
-                        <a:buNone/>
-                      </a:pPr>
-                      <a:r>
-                        <a:rPr b="1" lang="en-US" sz="3000" u="none" cap="none" strike="noStrike">
-                          <a:latin typeface="Ubuntu Mono"/>
-                          <a:ea typeface="Ubuntu Mono"/>
-                          <a:cs typeface="Ubuntu Mono"/>
-                          <a:sym typeface="Ubuntu Mono"/>
-                        </a:rPr>
-                        <a:t>char2word-to-char</a:t>
-                      </a:r>
-                      <a:endParaRPr b="1" sz="3000" u="none" cap="none" strike="noStrike">
-                        <a:latin typeface="Ubuntu Mono"/>
-                        <a:ea typeface="Ubuntu Mono"/>
-                        <a:cs typeface="Ubuntu Mono"/>
-                        <a:sym typeface="Ubuntu Mono"/>
-                      </a:endParaRPr>
-                    </a:p>
-                  </a:txBody>
-                  <a:tcPr marT="91425" marB="91425" marR="91425" marL="91425">
-                    <a:solidFill>
-                      <a:srgbClr val="FFFFFF"/>
-                    </a:solidFill>
-                  </a:tcPr>
-                </a:tc>
-                <a:tc>
-                  <a:txBody>
-                    <a:bodyPr/>
-                    <a:lstStyle/>
-                    <a:p>
-                      <a:pPr indent="0" lvl="0" marL="0" marR="0" rtl="0" algn="l">
-                        <a:lnSpc>
-                          <a:spcPct val="100000"/>
-                        </a:lnSpc>
-                        <a:spcBef>
-                          <a:spcPts val="0"/>
-                        </a:spcBef>
-                        <a:spcAft>
-                          <a:spcPts val="0"/>
-                        </a:spcAft>
-                        <a:buClr>
-                          <a:srgbClr val="000000"/>
-                        </a:buClr>
-                        <a:buSzPts val="3000"/>
-                        <a:buFont typeface="Arial"/>
-                        <a:buNone/>
-                      </a:pPr>
-                      <a:r>
-                        <a:rPr lang="en-US" sz="3000" u="none" cap="none" strike="noStrike"/>
-                        <a:t>En-De</a:t>
-                      </a:r>
-                      <a:endParaRPr sz="3000" u="none" cap="none" strike="noStrike">
-                        <a:solidFill>
-                          <a:srgbClr val="000000"/>
-                        </a:solidFill>
-                      </a:endParaRPr>
-                    </a:p>
-                  </a:txBody>
-                  <a:tcPr marT="91425" marB="91425" marR="91425" marL="91425">
-                    <a:solidFill>
-                      <a:srgbClr val="FFFFFF"/>
-                    </a:solidFill>
-                  </a:tcPr>
-                </a:tc>
-                <a:tc>
-                  <a:txBody>
-                    <a:bodyPr/>
-                    <a:lstStyle/>
-                    <a:p>
-                      <a:pPr indent="0" lvl="0" marL="0" marR="0" rtl="0" algn="l">
-                        <a:lnSpc>
-                          <a:spcPct val="100000"/>
-                        </a:lnSpc>
-                        <a:spcBef>
-                          <a:spcPts val="0"/>
-                        </a:spcBef>
-                        <a:spcAft>
-                          <a:spcPts val="0"/>
-                        </a:spcAft>
-                        <a:buClr>
-                          <a:srgbClr val="000000"/>
-                        </a:buClr>
-                        <a:buSzPts val="3000"/>
-                        <a:buFont typeface="Arial"/>
-                        <a:buNone/>
-                      </a:pPr>
-                      <a:r>
-                        <a:rPr b="1" lang="en-US" sz="3000" u="sng" cap="none" strike="noStrike"/>
-                        <a:t>17.43</a:t>
-                      </a:r>
-                      <a:r>
-                        <a:rPr lang="en-US" sz="3000" u="none" cap="none" strike="noStrike"/>
-                        <a:t> BLEU</a:t>
-                      </a:r>
-                      <a:endParaRPr sz="3000" u="none" cap="none" strike="noStrike"/>
-                    </a:p>
-                  </a:txBody>
-                  <a:tcPr marT="91425" marB="91425" marR="91425" marL="91425">
-                    <a:solidFill>
-                      <a:srgbClr val="FFFFFF"/>
-                    </a:solidFill>
-                  </a:tcPr>
-                </a:tc>
-              </a:tr>
-            </a:tbl>
-          </a:graphicData>
-        </a:graphic>
-      </p:graphicFrame>
       <p:sp>
         <p:nvSpPr>
-          <p:cNvPr id="113" name="Google Shape;113;p1"/>
+          <p:cNvPr id="100" name="Google Shape;100;p1"/>
           <p:cNvSpPr txBox="1"/>
           <p:nvPr/>
         </p:nvSpPr>
@@ -16796,13 +16009,13 @@
       </p:sp>
       <p:cxnSp>
         <p:nvCxnSpPr>
-          <p:cNvPr id="114" name="Google Shape;114;p1"/>
+          <p:cNvPr id="101" name="Google Shape;101;p1"/>
           <p:cNvCxnSpPr/>
           <p:nvPr/>
         </p:nvCxnSpPr>
         <p:spPr>
           <a:xfrm>
-            <a:off x="11506200" y="7620000"/>
+            <a:off x="11326838" y="6924525"/>
             <a:ext cx="0" cy="10363200"/>
           </a:xfrm>
           <a:prstGeom prst="straightConnector1">
@@ -16822,13 +16035,13 @@
       </p:cxnSp>
       <p:cxnSp>
         <p:nvCxnSpPr>
-          <p:cNvPr id="115" name="Google Shape;115;p1"/>
+          <p:cNvPr id="102" name="Google Shape;102;p1"/>
           <p:cNvCxnSpPr/>
           <p:nvPr/>
         </p:nvCxnSpPr>
         <p:spPr>
           <a:xfrm>
-            <a:off x="20269200" y="7620000"/>
+            <a:off x="20269200" y="6924525"/>
             <a:ext cx="0" cy="10363200"/>
           </a:xfrm>
           <a:prstGeom prst="straightConnector1">
@@ -16848,13 +16061,13 @@
       </p:cxnSp>
       <p:cxnSp>
         <p:nvCxnSpPr>
-          <p:cNvPr id="116" name="Google Shape;116;p1"/>
+          <p:cNvPr id="103" name="Google Shape;103;p1"/>
           <p:cNvCxnSpPr/>
           <p:nvPr/>
         </p:nvCxnSpPr>
         <p:spPr>
           <a:xfrm>
-            <a:off x="28984900" y="7620000"/>
+            <a:off x="29975500" y="6924525"/>
             <a:ext cx="0" cy="10363200"/>
           </a:xfrm>
           <a:prstGeom prst="straightConnector1">
@@ -16874,139 +16087,7 @@
       </p:cxnSp>
       <p:sp>
         <p:nvSpPr>
-          <p:cNvPr id="117" name="Google Shape;117;p1"/>
-          <p:cNvSpPr txBox="1"/>
-          <p:nvPr/>
-        </p:nvSpPr>
-        <p:spPr>
-          <a:xfrm>
-            <a:off x="2821449" y="19411200"/>
-            <a:ext cx="4249500" cy="613500"/>
-          </a:xfrm>
-          <a:prstGeom prst="rect">
-            <a:avLst/>
-          </a:prstGeom>
-          <a:noFill/>
-          <a:ln>
-            <a:noFill/>
-          </a:ln>
-        </p:spPr>
-        <p:txBody>
-          <a:bodyPr anchorCtr="0" anchor="t" bIns="91425" lIns="91425" spcFirstLastPara="1" rIns="91425" wrap="square" tIns="91425">
-            <a:noAutofit/>
-          </a:bodyPr>
-          <a:lstStyle/>
-          <a:p>
-            <a:pPr indent="0" lvl="0" marL="0" marR="0" rtl="0" algn="l">
-              <a:lnSpc>
-                <a:spcPct val="100000"/>
-              </a:lnSpc>
-              <a:spcBef>
-                <a:spcPts val="0"/>
-              </a:spcBef>
-              <a:spcAft>
-                <a:spcPts val="0"/>
-              </a:spcAft>
-              <a:buClr>
-                <a:srgbClr val="000000"/>
-              </a:buClr>
-              <a:buSzPts val="2800"/>
-              <a:buFont typeface="Arial"/>
-              <a:buNone/>
-            </a:pPr>
-            <a:r>
-              <a:rPr b="0" i="0" lang="en-US" sz="2800" u="none" cap="none" strike="noStrike">
-                <a:solidFill>
-                  <a:schemeClr val="dk1"/>
-                </a:solidFill>
-                <a:latin typeface="Garamond"/>
-                <a:ea typeface="Garamond"/>
-                <a:cs typeface="Garamond"/>
-                <a:sym typeface="Garamond"/>
-              </a:rPr>
-              <a:t>char-to-char attention plot</a:t>
-            </a:r>
-            <a:endParaRPr b="0" i="0" sz="1400" u="none" cap="none" strike="noStrike">
-              <a:solidFill>
-                <a:srgbClr val="000000"/>
-              </a:solidFill>
-              <a:latin typeface="Arial"/>
-              <a:ea typeface="Arial"/>
-              <a:cs typeface="Arial"/>
-              <a:sym typeface="Arial"/>
-            </a:endParaRPr>
-          </a:p>
-        </p:txBody>
-      </p:sp>
-      <p:sp>
-        <p:nvSpPr>
-          <p:cNvPr id="118" name="Google Shape;118;p1"/>
-          <p:cNvSpPr txBox="1"/>
-          <p:nvPr/>
-        </p:nvSpPr>
-        <p:spPr>
-          <a:xfrm>
-            <a:off x="17985250" y="19411200"/>
-            <a:ext cx="5103300" cy="613500"/>
-          </a:xfrm>
-          <a:prstGeom prst="rect">
-            <a:avLst/>
-          </a:prstGeom>
-          <a:noFill/>
-          <a:ln>
-            <a:noFill/>
-          </a:ln>
-        </p:spPr>
-        <p:txBody>
-          <a:bodyPr anchorCtr="0" anchor="t" bIns="91425" lIns="91425" spcFirstLastPara="1" rIns="91425" wrap="square" tIns="91425">
-            <a:noAutofit/>
-          </a:bodyPr>
-          <a:lstStyle/>
-          <a:p>
-            <a:pPr indent="0" lvl="0" marL="0" marR="0" rtl="0" algn="l">
-              <a:lnSpc>
-                <a:spcPct val="100000"/>
-              </a:lnSpc>
-              <a:spcBef>
-                <a:spcPts val="0"/>
-              </a:spcBef>
-              <a:spcAft>
-                <a:spcPts val="0"/>
-              </a:spcAft>
-              <a:buClr>
-                <a:srgbClr val="000000"/>
-              </a:buClr>
-              <a:buSzPts val="2800"/>
-              <a:buFont typeface="Arial"/>
-              <a:buNone/>
-            </a:pPr>
-            <a:r>
-              <a:rPr b="0" i="0" lang="en-US" sz="2800" u="none" cap="none" strike="noStrike">
-                <a:solidFill>
-                  <a:schemeClr val="dk1"/>
-                </a:solidFill>
-                <a:latin typeface="Garamond"/>
-                <a:ea typeface="Garamond"/>
-                <a:cs typeface="Garamond"/>
-                <a:sym typeface="Garamond"/>
-              </a:rPr>
-              <a:t>char2word-to-char attention plot</a:t>
-            </a:r>
-            <a:endParaRPr b="0" i="0" sz="1400" u="none" cap="none" strike="noStrike">
-              <a:solidFill>
-                <a:srgbClr val="000000"/>
-              </a:solidFill>
-              <a:latin typeface="Arial"/>
-              <a:ea typeface="Arial"/>
-              <a:cs typeface="Arial"/>
-              <a:sym typeface="Arial"/>
-            </a:endParaRPr>
-          </a:p>
-        </p:txBody>
-      </p:sp>
-      <p:sp>
-        <p:nvSpPr>
-          <p:cNvPr id="119" name="Google Shape;119;p1"/>
+          <p:cNvPr id="104" name="Google Shape;104;p1"/>
           <p:cNvSpPr txBox="1"/>
           <p:nvPr/>
         </p:nvSpPr>
@@ -17029,34 +16110,73 @@
           </a:bodyPr>
           <a:lstStyle/>
           <a:p>
-            <a:pPr indent="0" lvl="0" marL="0" marR="0" rtl="0" algn="l">
-              <a:lnSpc>
-                <a:spcPct val="100000"/>
-              </a:lnSpc>
-              <a:spcBef>
-                <a:spcPts val="0"/>
-              </a:spcBef>
-              <a:spcAft>
-                <a:spcPts val="0"/>
-              </a:spcAft>
-              <a:buClr>
-                <a:srgbClr val="000000"/>
+            <a:pPr indent="0" lvl="0" marL="0" rtl="0" algn="l">
+              <a:spcBef>
+                <a:spcPts val="0"/>
+              </a:spcBef>
+              <a:spcAft>
+                <a:spcPts val="0"/>
+              </a:spcAft>
+              <a:buClr>
+                <a:schemeClr val="dk1"/>
               </a:buClr>
               <a:buSzPts val="2000"/>
               <a:buFont typeface="Arial"/>
               <a:buNone/>
             </a:pPr>
             <a:r>
-              <a:rPr b="0" i="0" lang="en-US" sz="2000" u="none" cap="none" strike="noStrike">
+              <a:rPr lang="en-US" sz="2000">
                 <a:solidFill>
                   <a:schemeClr val="dk1"/>
                 </a:solidFill>
-                <a:latin typeface="Arial"/>
-                <a:ea typeface="Arial"/>
-                <a:cs typeface="Arial"/>
-                <a:sym typeface="Arial"/>
               </a:rPr>
-              <a:t>[1] Dzmitry Bahdanau, Kyunghyun Cho, and Yoshua Bengio. Neural machine translation by jointly learning to align and translate. CoRR, 2014.</a:t>
+              <a:t>[1] Double-Deep-Q-Network, </a:t>
+            </a:r>
+            <a:r>
+              <a:rPr lang="en-US" sz="2000">
+                <a:solidFill>
+                  <a:schemeClr val="dk1"/>
+                </a:solidFill>
+              </a:rPr>
+              <a:t>Chris Yoon,</a:t>
+            </a:r>
+            <a:r>
+              <a:rPr lang="en-US" sz="2000">
+                <a:solidFill>
+                  <a:schemeClr val="dk1"/>
+                </a:solidFill>
+              </a:rPr>
+              <a:t> Tackling maximization bias in deep learning:   </a:t>
+            </a:r>
+            <a:endParaRPr sz="2000">
+              <a:solidFill>
+                <a:schemeClr val="dk1"/>
+              </a:solidFill>
+            </a:endParaRPr>
+          </a:p>
+          <a:p>
+            <a:pPr indent="0" lvl="0" marL="0" rtl="0" algn="l">
+              <a:spcBef>
+                <a:spcPts val="0"/>
+              </a:spcBef>
+              <a:spcAft>
+                <a:spcPts val="0"/>
+              </a:spcAft>
+              <a:buClr>
+                <a:schemeClr val="dk1"/>
+              </a:buClr>
+              <a:buSzPts val="2000"/>
+              <a:buFont typeface="Arial"/>
+              <a:buNone/>
+            </a:pPr>
+            <a:r>
+              <a:rPr lang="en-US" sz="2000" u="sng">
+                <a:solidFill>
+                  <a:schemeClr val="dk1"/>
+                </a:solidFill>
+                <a:hlinkClick r:id="rId4"/>
+              </a:rPr>
+              <a:t>https://towardsdatascience.com/double-deep-q-networks-905dd8325412</a:t>
             </a:r>
             <a:endParaRPr b="0" i="0" sz="2000" u="none" cap="none" strike="noStrike">
               <a:solidFill>
@@ -17096,7 +16216,35 @@
                 <a:cs typeface="Arial"/>
                 <a:sym typeface="Arial"/>
               </a:rPr>
-              <a:t>[2] Ilya Sutskever, Oriol Vinyals, and Quoc V. Le. Sequence to sequence learning with neural networks. CoRR, 2014.</a:t>
+              <a:t>[</a:t>
+            </a:r>
+            <a:r>
+              <a:rPr lang="en-US" sz="2000">
+                <a:solidFill>
+                  <a:schemeClr val="dk1"/>
+                </a:solidFill>
+              </a:rPr>
+              <a:t>2</a:t>
+            </a:r>
+            <a:r>
+              <a:rPr b="0" i="0" lang="en-US" sz="2000" u="none" cap="none" strike="noStrike">
+                <a:solidFill>
+                  <a:schemeClr val="dk1"/>
+                </a:solidFill>
+                <a:latin typeface="Arial"/>
+                <a:ea typeface="Arial"/>
+                <a:cs typeface="Arial"/>
+                <a:sym typeface="Arial"/>
+              </a:rPr>
+              <a:t>] </a:t>
+            </a:r>
+            <a:r>
+              <a:rPr lang="en-US" sz="2000">
+                <a:solidFill>
+                  <a:schemeClr val="dk1"/>
+                </a:solidFill>
+              </a:rPr>
+              <a:t>Playing Atari with Deep Reinforcement Learning V. Mnih et al., NIPS Deep Learning Workshop, December 2013</a:t>
             </a:r>
             <a:endParaRPr b="0" i="0" sz="2000" u="none" cap="none" strike="noStrike">
               <a:solidFill>
@@ -17136,36 +16284,16 @@
                 <a:cs typeface="Arial"/>
                 <a:sym typeface="Arial"/>
               </a:rPr>
-              <a:t>[3] M. Schuster and K.K. Paliwal. Bidirectional recurrent neural networks. Trans. Sig. Proc., 45(11):2673–2681, November 1997.</a:t>
+              <a:t>[</a:t>
             </a:r>
-            <a:endParaRPr b="0" i="0" sz="2000" u="none" cap="none" strike="noStrike">
-              <a:solidFill>
-                <a:schemeClr val="dk1"/>
-              </a:solidFill>
-              <a:latin typeface="Arial"/>
-              <a:ea typeface="Arial"/>
-              <a:cs typeface="Arial"/>
-              <a:sym typeface="Arial"/>
-            </a:endParaRPr>
-          </a:p>
-          <a:p>
-            <a:pPr indent="0" lvl="0" marL="0" marR="0" rtl="0" algn="l">
-              <a:lnSpc>
-                <a:spcPct val="100000"/>
-              </a:lnSpc>
-              <a:spcBef>
-                <a:spcPts val="0"/>
-              </a:spcBef>
-              <a:spcAft>
-                <a:spcPts val="0"/>
-              </a:spcAft>
-              <a:buClr>
-                <a:srgbClr val="000000"/>
-              </a:buClr>
-              <a:buSzPts val="2000"/>
-              <a:buFont typeface="Arial"/>
-              <a:buNone/>
-            </a:pPr>
+            <a:r>
+              <a:rPr lang="en-US" sz="2000">
+                <a:solidFill>
+                  <a:schemeClr val="dk1"/>
+                </a:solidFill>
+              </a:rPr>
+              <a:t>3</a:t>
+            </a:r>
             <a:r>
               <a:rPr b="0" i="0" lang="en-US" sz="2000" u="none" cap="none" strike="noStrike">
                 <a:solidFill>
@@ -17176,16 +16304,88 @@
                 <a:cs typeface="Arial"/>
                 <a:sym typeface="Arial"/>
               </a:rPr>
-              <a:t>[4] Sepp Hochreiter and Jürgen Schmidhuber. Long short-term memory. Neural Comput., 9(8):1735–1780, November 1997.</a:t>
+              <a:t>] </a:t>
             </a:r>
-            <a:endParaRPr b="0" i="0" sz="2000" u="none" cap="none" strike="noStrike">
+            <a:r>
+              <a:rPr lang="en-US" sz="2000">
+                <a:solidFill>
+                  <a:schemeClr val="dk1"/>
+                </a:solidFill>
+              </a:rPr>
+              <a:t>Epsilon-Greedy Algorithm, Imad Dabbura, Marts 31, 2018, </a:t>
+            </a:r>
+            <a:r>
+              <a:rPr lang="en-US" sz="2000" u="sng">
+                <a:hlinkClick r:id="rId5"/>
+              </a:rPr>
+              <a:t>https://imaddabbura.github.io/post/epsilon-greedy-algorithm/</a:t>
+            </a:r>
+            <a:endParaRPr sz="2000" u="sng"/>
+          </a:p>
+          <a:p>
+            <a:pPr indent="0" lvl="0" marL="0" marR="0" rtl="0" algn="l">
+              <a:lnSpc>
+                <a:spcPct val="100000"/>
+              </a:lnSpc>
+              <a:spcBef>
+                <a:spcPts val="0"/>
+              </a:spcBef>
+              <a:spcAft>
+                <a:spcPts val="0"/>
+              </a:spcAft>
+              <a:buClr>
+                <a:srgbClr val="000000"/>
+              </a:buClr>
+              <a:buSzPts val="2000"/>
+              <a:buFont typeface="Arial"/>
+              <a:buNone/>
+            </a:pPr>
+            <a:r>
+              <a:rPr lang="en-US" sz="2000">
+                <a:solidFill>
+                  <a:schemeClr val="dk1"/>
+                </a:solidFill>
+              </a:rPr>
+              <a:t>[4] Deep Reinforcement Learning with Double Q-learning, Hado van Hasselt and Arthur Guez and David Silver, Google Deepmind, December 8, 2015, </a:t>
+            </a:r>
+            <a:r>
+              <a:rPr lang="en-US" sz="2000" u="sng">
+                <a:hlinkClick r:id="rId6"/>
+              </a:rPr>
+              <a:t>https://arxiv.org/pdf/1509.06461.pdf</a:t>
+            </a:r>
+            <a:endParaRPr sz="2000" u="sng"/>
+          </a:p>
+          <a:p>
+            <a:pPr indent="0" lvl="0" marL="0" marR="0" rtl="0" algn="l">
+              <a:lnSpc>
+                <a:spcPct val="100000"/>
+              </a:lnSpc>
+              <a:spcBef>
+                <a:spcPts val="0"/>
+              </a:spcBef>
+              <a:spcAft>
+                <a:spcPts val="0"/>
+              </a:spcAft>
+              <a:buClr>
+                <a:srgbClr val="000000"/>
+              </a:buClr>
+              <a:buSzPts val="2000"/>
+              <a:buFont typeface="Arial"/>
+              <a:buNone/>
+            </a:pPr>
+            <a:r>
+              <a:rPr lang="en-US" sz="2000">
+                <a:solidFill>
+                  <a:schemeClr val="dk1"/>
+                </a:solidFill>
+              </a:rPr>
+              <a:t>[5] Reinforcement Learning with Hindsight Experience Replay, Or Rivlin, January 31, 2019,</a:t>
+            </a:r>
+            <a:endParaRPr sz="2000">
               <a:solidFill>
                 <a:schemeClr val="dk1"/>
               </a:solidFill>
-              <a:latin typeface="Arial"/>
-              <a:ea typeface="Arial"/>
-              <a:cs typeface="Arial"/>
-              <a:sym typeface="Arial"/>
             </a:endParaRPr>
           </a:p>
           <a:p>
@@ -17207,25 +16407,17 @@
               <a:buNone/>
             </a:pPr>
             <a:r>
-              <a:rPr b="0" i="0" lang="en-US" sz="2000" u="none" cap="none" strike="noStrike">
+              <a:rPr lang="en-US" sz="2000" u="sng">
                 <a:solidFill>
                   <a:schemeClr val="dk1"/>
                 </a:solidFill>
-                <a:latin typeface="Arial"/>
-                <a:ea typeface="Arial"/>
-                <a:cs typeface="Arial"/>
-                <a:sym typeface="Arial"/>
               </a:rPr>
-              <a:t>[5] A. Y. Hannun, C. Case, J. Casper, B. Catanzaro, G. Diamos, E. Elsen, R. Prenger, S. Satheesh, S. Sengupta, A. Coates, and A. Y. Ng. Deep speech: Scaling up end-to-end speech recognition. CoRR, 2014.</a:t>
+              <a:t>https://towardsdatascience.com/reinforcement-learning-with-hindsight-experience-replay-1fee5704f2f8</a:t>
             </a:r>
-            <a:endParaRPr b="0" i="0" sz="2000" u="none" cap="none" strike="noStrike">
+            <a:endParaRPr sz="2000" u="sng">
               <a:solidFill>
                 <a:schemeClr val="dk1"/>
               </a:solidFill>
-              <a:latin typeface="Arial"/>
-              <a:ea typeface="Arial"/>
-              <a:cs typeface="Arial"/>
-              <a:sym typeface="Arial"/>
             </a:endParaRPr>
           </a:p>
           <a:p>
@@ -17247,25 +16439,17 @@
               <a:buNone/>
             </a:pPr>
             <a:r>
-              <a:rPr b="0" i="0" lang="en-US" sz="2000" u="none" cap="none" strike="noStrike">
+              <a:rPr lang="en-US" sz="2000">
                 <a:solidFill>
                   <a:schemeClr val="dk1"/>
                 </a:solidFill>
-                <a:latin typeface="Arial"/>
-                <a:ea typeface="Arial"/>
-                <a:cs typeface="Arial"/>
-                <a:sym typeface="Arial"/>
               </a:rPr>
-              <a:t>[6] Minh-Thang Luong and Christopher D. Manning. Achieving open vocabulary neural machine translation with hybrid word-character models. CoRR, 2016.</a:t>
+              <a:t>[6] Welcome to Deep Reinforcement Learning Part 1: DQ, Takuma Seno, October 2017,</a:t>
             </a:r>
-            <a:endParaRPr b="0" i="0" sz="2000" u="none" cap="none" strike="noStrike">
+            <a:endParaRPr sz="2000">
               <a:solidFill>
                 <a:schemeClr val="dk1"/>
               </a:solidFill>
-              <a:latin typeface="Arial"/>
-              <a:ea typeface="Arial"/>
-              <a:cs typeface="Arial"/>
-              <a:sym typeface="Arial"/>
             </a:endParaRPr>
           </a:p>
           <a:p>
@@ -17280,39 +16464,79 @@
                 <a:spcPts val="0"/>
               </a:spcAft>
               <a:buClr>
-                <a:schemeClr val="dk1"/>
-              </a:buClr>
-              <a:buSzPts val="1100"/>
+                <a:srgbClr val="000000"/>
+              </a:buClr>
+              <a:buSzPts val="2000"/>
               <a:buFont typeface="Arial"/>
               <a:buNone/>
             </a:pPr>
             <a:r>
-              <a:rPr b="0" i="0" lang="en-US" sz="2000" u="none" cap="none" strike="noStrike">
-                <a:solidFill>
-                  <a:schemeClr val="dk1"/>
-                </a:solidFill>
-                <a:latin typeface="Arial"/>
-                <a:ea typeface="Arial"/>
-                <a:cs typeface="Arial"/>
-                <a:sym typeface="Arial"/>
+              <a:rPr lang="en-US" sz="2000" u="sng">
+                <a:hlinkClick r:id="rId7"/>
               </a:rPr>
-              <a:t>[7] Jason Lee, Kyunghyun cho, Thomas Hofman. Fully Character-Level Neural Machine Translation without Explicit Segmentation. CoRR, 2016.</a:t>
+              <a:t>https://towardsdatascience.com/welcome-to-deep-reinforcement-learning-part-1-dqn-c3cab4d41b6b</a:t>
             </a:r>
-            <a:endParaRPr b="0" i="0" sz="2000" u="none" cap="none" strike="noStrike">
+            <a:endParaRPr sz="2000" u="sng"/>
+          </a:p>
+          <a:p>
+            <a:pPr indent="0" lvl="0" marL="0" marR="0" rtl="0" algn="l">
+              <a:lnSpc>
+                <a:spcPct val="100000"/>
+              </a:lnSpc>
+              <a:spcBef>
+                <a:spcPts val="0"/>
+              </a:spcBef>
+              <a:spcAft>
+                <a:spcPts val="0"/>
+              </a:spcAft>
+              <a:buClr>
+                <a:srgbClr val="000000"/>
+              </a:buClr>
+              <a:buSzPts val="2000"/>
+              <a:buFont typeface="Arial"/>
+              <a:buNone/>
+            </a:pPr>
+            <a:r>
+              <a:t/>
+            </a:r>
+            <a:endParaRPr sz="2000" u="sng">
               <a:solidFill>
                 <a:schemeClr val="dk1"/>
               </a:solidFill>
-              <a:latin typeface="Arial"/>
-              <a:ea typeface="Arial"/>
-              <a:cs typeface="Arial"/>
-              <a:sym typeface="Arial"/>
+            </a:endParaRPr>
+          </a:p>
+          <a:p>
+            <a:pPr indent="0" lvl="0" marL="0" marR="0" rtl="0" algn="l">
+              <a:lnSpc>
+                <a:spcPct val="100000"/>
+              </a:lnSpc>
+              <a:spcBef>
+                <a:spcPts val="0"/>
+              </a:spcBef>
+              <a:spcAft>
+                <a:spcPts val="0"/>
+              </a:spcAft>
+              <a:buClr>
+                <a:srgbClr val="000000"/>
+              </a:buClr>
+              <a:buSzPts val="2000"/>
+              <a:buFont typeface="Arial"/>
+              <a:buNone/>
+            </a:pPr>
+            <a:r>
+              <a:t/>
+            </a:r>
+            <a:endParaRPr sz="2000" u="sng">
+              <a:solidFill>
+                <a:schemeClr val="dk1"/>
+              </a:solidFill>
             </a:endParaRPr>
           </a:p>
         </p:txBody>
       </p:sp>
       <p:sp>
         <p:nvSpPr>
-          <p:cNvPr id="120" name="Google Shape;120;p1"/>
+          <p:cNvPr id="105" name="Google Shape;105;p1"/>
           <p:cNvSpPr/>
           <p:nvPr/>
         </p:nvSpPr>
@@ -17375,99 +16599,15 @@
           </a:p>
         </p:txBody>
       </p:sp>
-      <p:pic>
-        <p:nvPicPr>
-          <p:cNvPr id="121" name="Google Shape;121;p1"/>
-          <p:cNvPicPr preferRelativeResize="0"/>
-          <p:nvPr/>
-        </p:nvPicPr>
-        <p:blipFill rotWithShape="1">
-          <a:blip r:embed="rId6">
-            <a:alphaModFix/>
-          </a:blip>
-          <a:srcRect b="0" l="0" r="0" t="0"/>
-          <a:stretch/>
-        </p:blipFill>
-        <p:spPr>
-          <a:xfrm>
-            <a:off x="11600950" y="9033763"/>
-            <a:ext cx="2847975" cy="7353300"/>
-          </a:xfrm>
-          <a:prstGeom prst="rect">
-            <a:avLst/>
-          </a:prstGeom>
-          <a:noFill/>
-          <a:ln>
-            <a:noFill/>
-          </a:ln>
-        </p:spPr>
-      </p:pic>
       <p:sp>
         <p:nvSpPr>
-          <p:cNvPr id="122" name="Google Shape;122;p1"/>
+          <p:cNvPr id="106" name="Google Shape;106;p1"/>
           <p:cNvSpPr txBox="1"/>
           <p:nvPr/>
         </p:nvSpPr>
         <p:spPr>
           <a:xfrm>
-            <a:off x="11624100" y="7897850"/>
-            <a:ext cx="8527200" cy="1097700"/>
-          </a:xfrm>
-          <a:prstGeom prst="rect">
-            <a:avLst/>
-          </a:prstGeom>
-          <a:noFill/>
-          <a:ln>
-            <a:noFill/>
-          </a:ln>
-        </p:spPr>
-        <p:txBody>
-          <a:bodyPr anchorCtr="0" anchor="t" bIns="91425" lIns="91425" spcFirstLastPara="1" rIns="91425" wrap="square" tIns="91425">
-            <a:noAutofit/>
-          </a:bodyPr>
-          <a:lstStyle/>
-          <a:p>
-            <a:pPr indent="0" lvl="0" marL="457200" marR="0" rtl="0" algn="l">
-              <a:lnSpc>
-                <a:spcPct val="100000"/>
-              </a:lnSpc>
-              <a:spcBef>
-                <a:spcPts val="0"/>
-              </a:spcBef>
-              <a:spcAft>
-                <a:spcPts val="0"/>
-              </a:spcAft>
-              <a:buClr>
-                <a:srgbClr val="000000"/>
-              </a:buClr>
-              <a:buSzPts val="3600"/>
-              <a:buFont typeface="Arial"/>
-              <a:buNone/>
-            </a:pPr>
-            <a:r>
-              <a:t/>
-            </a:r>
-            <a:endParaRPr b="0" i="0" sz="3600" u="none" cap="none" strike="noStrike">
-              <a:solidFill>
-                <a:srgbClr val="000000"/>
-              </a:solidFill>
-              <a:latin typeface="Times New Roman"/>
-              <a:ea typeface="Times New Roman"/>
-              <a:cs typeface="Times New Roman"/>
-              <a:sym typeface="Times New Roman"/>
-            </a:endParaRPr>
-          </a:p>
-        </p:txBody>
-      </p:sp>
-      <p:sp>
-        <p:nvSpPr>
-          <p:cNvPr id="123" name="Google Shape;123;p1"/>
-          <p:cNvSpPr txBox="1"/>
-          <p:nvPr/>
-        </p:nvSpPr>
-        <p:spPr>
-          <a:xfrm>
-            <a:off x="14364725" y="9076600"/>
+            <a:off x="14381938" y="7094838"/>
             <a:ext cx="6191400" cy="8074500"/>
           </a:xfrm>
           <a:prstGeom prst="rect">
@@ -17499,7 +16639,7 @@
               </a:buClr>
               <a:buSzPts val="3600"/>
               <a:buFont typeface="Times New Roman"/>
-              <a:buAutoNum type="arabicParenBoth"/>
+              <a:buAutoNum type="arabicPeriod"/>
             </a:pPr>
             <a:r>
               <a:rPr b="0" i="0" lang="en-US" sz="3600" u="none" cap="none" strike="noStrike">
@@ -17706,23 +16846,27 @@
             </a:endParaRPr>
           </a:p>
           <a:p>
-            <a:pPr indent="-457200" lvl="0" marL="457200" marR="0" rtl="0" algn="l">
-              <a:lnSpc>
-                <a:spcPct val="100000"/>
-              </a:lnSpc>
-              <a:spcBef>
-                <a:spcPts val="0"/>
-              </a:spcBef>
-              <a:spcAft>
-                <a:spcPts val="0"/>
-              </a:spcAft>
-              <a:buClr>
-                <a:srgbClr val="000000"/>
-              </a:buClr>
-              <a:buSzPts val="3600"/>
-              <a:buFont typeface="Times New Roman"/>
-              <a:buAutoNum type="arabicParenBoth"/>
+            <a:pPr indent="0" lvl="0" marL="0" marR="0" rtl="0" algn="l">
+              <a:lnSpc>
+                <a:spcPct val="100000"/>
+              </a:lnSpc>
+              <a:spcBef>
+                <a:spcPts val="0"/>
+              </a:spcBef>
+              <a:spcAft>
+                <a:spcPts val="0"/>
+              </a:spcAft>
+              <a:buNone/>
             </a:pPr>
+            <a:r>
+              <a:rPr lang="en-US" sz="3600">
+                <a:latin typeface="Times New Roman"/>
+                <a:ea typeface="Times New Roman"/>
+                <a:cs typeface="Times New Roman"/>
+                <a:sym typeface="Times New Roman"/>
+              </a:rPr>
+              <a:t>2. </a:t>
+            </a:r>
             <a:r>
               <a:rPr b="0" i="0" lang="en-US" sz="3600" u="none" cap="none" strike="noStrike">
                 <a:solidFill>
@@ -17844,16 +16988,25 @@
               <a:buChar char="-"/>
             </a:pPr>
             <a:r>
-              <a:rPr b="0" i="0" lang="en-US" sz="3600" u="none" cap="none" strike="noStrike">
-                <a:solidFill>
-                  <a:srgbClr val="000000"/>
-                </a:solidFill>
+              <a:rPr lang="en-US" sz="3600">
                 <a:latin typeface="Times New Roman"/>
                 <a:ea typeface="Times New Roman"/>
                 <a:cs typeface="Times New Roman"/>
                 <a:sym typeface="Times New Roman"/>
               </a:rPr>
-              <a:t>Max and skip</a:t>
+              <a:t>Frame s</a:t>
+            </a:r>
+            <a:r>
+              <a:rPr b="0" i="0" lang="en-US" sz="3600" u="none" cap="none" strike="noStrike">
+                <a:solidFill>
+                  <a:srgbClr val="000000"/>
+                </a:solidFill>
+                <a:latin typeface="Times New Roman"/>
+                <a:ea typeface="Times New Roman"/>
+                <a:cs typeface="Times New Roman"/>
+                <a:sym typeface="Times New Roman"/>
+              </a:rPr>
+              <a:t>kipping</a:t>
             </a:r>
             <a:endParaRPr b="0" i="0" sz="3600" u="none" cap="none" strike="noStrike">
               <a:solidFill>
@@ -17897,23 +17050,27 @@
             </a:endParaRPr>
           </a:p>
           <a:p>
-            <a:pPr indent="-457200" lvl="0" marL="457200" marR="0" rtl="0" algn="l">
-              <a:lnSpc>
-                <a:spcPct val="100000"/>
-              </a:lnSpc>
-              <a:spcBef>
-                <a:spcPts val="0"/>
-              </a:spcBef>
-              <a:spcAft>
-                <a:spcPts val="0"/>
-              </a:spcAft>
-              <a:buClr>
-                <a:srgbClr val="000000"/>
-              </a:buClr>
-              <a:buSzPts val="3600"/>
-              <a:buFont typeface="Times New Roman"/>
-              <a:buAutoNum type="arabicParenBoth"/>
+            <a:pPr indent="0" lvl="0" marL="0" marR="0" rtl="0" algn="l">
+              <a:lnSpc>
+                <a:spcPct val="100000"/>
+              </a:lnSpc>
+              <a:spcBef>
+                <a:spcPts val="0"/>
+              </a:spcBef>
+              <a:spcAft>
+                <a:spcPts val="0"/>
+              </a:spcAft>
+              <a:buNone/>
             </a:pPr>
+            <a:r>
+              <a:rPr lang="en-US" sz="3600">
+                <a:latin typeface="Times New Roman"/>
+                <a:ea typeface="Times New Roman"/>
+                <a:cs typeface="Times New Roman"/>
+                <a:sym typeface="Times New Roman"/>
+              </a:rPr>
+              <a:t>3. </a:t>
+            </a:r>
             <a:r>
               <a:rPr b="0" i="0" lang="en-US" sz="3600" u="none" cap="none" strike="noStrike">
                 <a:solidFill>
@@ -18048,6 +17205,37 @@
               <a:spcAft>
                 <a:spcPts val="0"/>
               </a:spcAft>
+              <a:buSzPts val="3600"/>
+              <a:buFont typeface="Times New Roman"/>
+              <a:buChar char="-"/>
+            </a:pPr>
+            <a:r>
+              <a:rPr lang="en-US" sz="3600">
+                <a:latin typeface="Times New Roman"/>
+                <a:ea typeface="Times New Roman"/>
+                <a:cs typeface="Times New Roman"/>
+                <a:sym typeface="Times New Roman"/>
+              </a:rPr>
+              <a:t>Calculate loss</a:t>
+            </a:r>
+            <a:endParaRPr sz="3600">
+              <a:latin typeface="Times New Roman"/>
+              <a:ea typeface="Times New Roman"/>
+              <a:cs typeface="Times New Roman"/>
+              <a:sym typeface="Times New Roman"/>
+            </a:endParaRPr>
+          </a:p>
+          <a:p>
+            <a:pPr indent="-457200" lvl="0" marL="457200" marR="0" rtl="0" algn="l">
+              <a:lnSpc>
+                <a:spcPct val="100000"/>
+              </a:lnSpc>
+              <a:spcBef>
+                <a:spcPts val="0"/>
+              </a:spcBef>
+              <a:spcAft>
+                <a:spcPts val="0"/>
+              </a:spcAft>
               <a:buClr>
                 <a:srgbClr val="000000"/>
               </a:buClr>
@@ -18078,6 +17266,37 @@
             </a:endParaRPr>
           </a:p>
           <a:p>
+            <a:pPr indent="-457200" lvl="0" marL="457200" marR="0" rtl="0" algn="l">
+              <a:lnSpc>
+                <a:spcPct val="100000"/>
+              </a:lnSpc>
+              <a:spcBef>
+                <a:spcPts val="0"/>
+              </a:spcBef>
+              <a:spcAft>
+                <a:spcPts val="0"/>
+              </a:spcAft>
+              <a:buSzPts val="3600"/>
+              <a:buFont typeface="Times New Roman"/>
+              <a:buChar char="-"/>
+            </a:pPr>
+            <a:r>
+              <a:rPr lang="en-US" sz="3600">
+                <a:latin typeface="Times New Roman"/>
+                <a:ea typeface="Times New Roman"/>
+                <a:cs typeface="Times New Roman"/>
+                <a:sym typeface="Times New Roman"/>
+              </a:rPr>
+              <a:t>Optimizer step</a:t>
+            </a:r>
+            <a:endParaRPr sz="3600">
+              <a:latin typeface="Times New Roman"/>
+              <a:ea typeface="Times New Roman"/>
+              <a:cs typeface="Times New Roman"/>
+              <a:sym typeface="Times New Roman"/>
+            </a:endParaRPr>
+          </a:p>
+          <a:p>
             <a:pPr indent="0" lvl="0" marL="0" marR="0" rtl="0" algn="l">
               <a:lnSpc>
                 <a:spcPct val="100000"/>
@@ -18203,42 +17422,15 @@
           </a:p>
         </p:txBody>
       </p:sp>
-      <p:pic>
-        <p:nvPicPr>
-          <p:cNvPr id="124" name="Google Shape;124;p1"/>
-          <p:cNvPicPr preferRelativeResize="0"/>
-          <p:nvPr/>
-        </p:nvPicPr>
-        <p:blipFill rotWithShape="1">
-          <a:blip r:embed="rId7">
-            <a:alphaModFix/>
-          </a:blip>
-          <a:srcRect b="0" l="0" r="0" t="0"/>
-          <a:stretch/>
-        </p:blipFill>
-        <p:spPr>
-          <a:xfrm>
-            <a:off x="1595513" y="12094137"/>
-            <a:ext cx="8724625" cy="5836897"/>
-          </a:xfrm>
-          <a:prstGeom prst="rect">
-            <a:avLst/>
-          </a:prstGeom>
-          <a:noFill/>
-          <a:ln>
-            <a:noFill/>
-          </a:ln>
-        </p:spPr>
-      </p:pic>
       <p:sp>
         <p:nvSpPr>
-          <p:cNvPr id="125" name="Google Shape;125;p1"/>
+          <p:cNvPr id="107" name="Google Shape;107;p1"/>
           <p:cNvSpPr txBox="1"/>
           <p:nvPr/>
         </p:nvSpPr>
         <p:spPr>
           <a:xfrm>
-            <a:off x="21238013" y="11604300"/>
+            <a:off x="21116913" y="9301525"/>
             <a:ext cx="7065000" cy="1014000"/>
           </a:xfrm>
           <a:prstGeom prst="rect">
@@ -18298,7 +17490,7 @@
       </p:sp>
       <p:cxnSp>
         <p:nvCxnSpPr>
-          <p:cNvPr id="126" name="Google Shape;126;p1"/>
+          <p:cNvPr id="108" name="Google Shape;108;p1"/>
           <p:cNvCxnSpPr/>
           <p:nvPr/>
         </p:nvCxnSpPr>
@@ -18322,9 +17514,140 @@
           </a:ln>
         </p:spPr>
       </p:cxnSp>
+      <p:sp>
+        <p:nvSpPr>
+          <p:cNvPr id="109" name="Google Shape;109;p1"/>
+          <p:cNvSpPr txBox="1"/>
+          <p:nvPr/>
+        </p:nvSpPr>
+        <p:spPr>
+          <a:xfrm>
+            <a:off x="20525550" y="7049975"/>
+            <a:ext cx="9277800" cy="1844100"/>
+          </a:xfrm>
+          <a:prstGeom prst="rect">
+            <a:avLst/>
+          </a:prstGeom>
+          <a:noFill/>
+          <a:ln>
+            <a:noFill/>
+          </a:ln>
+        </p:spPr>
+        <p:txBody>
+          <a:bodyPr anchorCtr="0" anchor="t" bIns="91425" lIns="91425" spcFirstLastPara="1" rIns="91425" wrap="square" tIns="91425">
+            <a:noAutofit/>
+          </a:bodyPr>
+          <a:lstStyle/>
+          <a:p>
+            <a:pPr indent="-457200" lvl="0" marL="457200" marR="0" rtl="0" algn="l">
+              <a:lnSpc>
+                <a:spcPct val="100000"/>
+              </a:lnSpc>
+              <a:spcBef>
+                <a:spcPts val="0"/>
+              </a:spcBef>
+              <a:spcAft>
+                <a:spcPts val="0"/>
+              </a:spcAft>
+              <a:buClr>
+                <a:srgbClr val="000000"/>
+              </a:buClr>
+              <a:buSzPts val="3600"/>
+              <a:buFont typeface="Times New Roman"/>
+              <a:buChar char="-"/>
+            </a:pPr>
+            <a:r>
+              <a:rPr lang="en-US" sz="3600">
+                <a:latin typeface="Times New Roman"/>
+                <a:ea typeface="Times New Roman"/>
+                <a:cs typeface="Times New Roman"/>
+                <a:sym typeface="Times New Roman"/>
+              </a:rPr>
+              <a:t>Reduces correlation </a:t>
+            </a:r>
+            <a:r>
+              <a:rPr lang="en-US" sz="3600">
+                <a:latin typeface="Times New Roman"/>
+                <a:ea typeface="Times New Roman"/>
+                <a:cs typeface="Times New Roman"/>
+                <a:sym typeface="Times New Roman"/>
+              </a:rPr>
+              <a:t>of training examples used to update the networks [5]</a:t>
+            </a:r>
+            <a:endParaRPr sz="3600">
+              <a:latin typeface="Times New Roman"/>
+              <a:ea typeface="Times New Roman"/>
+              <a:cs typeface="Times New Roman"/>
+              <a:sym typeface="Times New Roman"/>
+            </a:endParaRPr>
+          </a:p>
+          <a:p>
+            <a:pPr indent="-457200" lvl="0" marL="457200" marR="0" rtl="0" algn="l">
+              <a:lnSpc>
+                <a:spcPct val="100000"/>
+              </a:lnSpc>
+              <a:spcBef>
+                <a:spcPts val="0"/>
+              </a:spcBef>
+              <a:spcAft>
+                <a:spcPts val="0"/>
+              </a:spcAft>
+              <a:buSzPts val="3600"/>
+              <a:buFont typeface="Times New Roman"/>
+              <a:buChar char="-"/>
+            </a:pPr>
+            <a:r>
+              <a:rPr lang="en-US" sz="3600">
+                <a:latin typeface="Times New Roman"/>
+                <a:ea typeface="Times New Roman"/>
+                <a:cs typeface="Times New Roman"/>
+                <a:sym typeface="Times New Roman"/>
+              </a:rPr>
+              <a:t>Increases learning speed and performance [6]</a:t>
+            </a:r>
+            <a:endParaRPr sz="3600">
+              <a:latin typeface="Times New Roman"/>
+              <a:ea typeface="Times New Roman"/>
+              <a:cs typeface="Times New Roman"/>
+              <a:sym typeface="Times New Roman"/>
+            </a:endParaRPr>
+          </a:p>
+          <a:p>
+            <a:pPr indent="-457200" lvl="0" marL="457200" marR="0" rtl="0" algn="l">
+              <a:lnSpc>
+                <a:spcPct val="100000"/>
+              </a:lnSpc>
+              <a:spcBef>
+                <a:spcPts val="0"/>
+              </a:spcBef>
+              <a:spcAft>
+                <a:spcPts val="0"/>
+              </a:spcAft>
+              <a:buSzPts val="3600"/>
+              <a:buFont typeface="Times New Roman"/>
+              <a:buChar char="-"/>
+            </a:pPr>
+            <a:r>
+              <a:rPr lang="en-US" sz="3600">
+                <a:latin typeface="Times New Roman"/>
+                <a:ea typeface="Times New Roman"/>
+                <a:cs typeface="Times New Roman"/>
+                <a:sym typeface="Times New Roman"/>
+              </a:rPr>
+              <a:t>Stores memory of old transitions</a:t>
+            </a:r>
+            <a:endParaRPr sz="3600">
+              <a:latin typeface="Times New Roman"/>
+              <a:ea typeface="Times New Roman"/>
+              <a:cs typeface="Times New Roman"/>
+              <a:sym typeface="Times New Roman"/>
+            </a:endParaRPr>
+          </a:p>
+        </p:txBody>
+      </p:sp>
       <p:cxnSp>
         <p:nvCxnSpPr>
-          <p:cNvPr id="127" name="Google Shape;127;p1"/>
+          <p:cNvPr id="110" name="Google Shape;110;p1"/>
           <p:cNvCxnSpPr/>
           <p:nvPr/>
         </p:nvCxnSpPr>
@@ -18350,14 +17673,14 @@
       </p:cxnSp>
       <p:sp>
         <p:nvSpPr>
-          <p:cNvPr id="128" name="Google Shape;128;p1"/>
+          <p:cNvPr id="111" name="Google Shape;111;p1"/>
           <p:cNvSpPr txBox="1"/>
           <p:nvPr/>
         </p:nvSpPr>
         <p:spPr>
           <a:xfrm>
-            <a:off x="21322913" y="8024525"/>
-            <a:ext cx="6895200" cy="3000000"/>
+            <a:off x="20553500" y="10079125"/>
+            <a:ext cx="9137700" cy="4188300"/>
           </a:xfrm>
           <a:prstGeom prst="rect">
             <a:avLst/>
@@ -18397,7 +17720,7 @@
                 <a:cs typeface="Times New Roman"/>
                 <a:sym typeface="Times New Roman"/>
               </a:rPr>
-              <a:t>Reduces correlation of updates</a:t>
+              <a:t>𝝐 is the percent of the time to take a random action</a:t>
             </a:r>
             <a:endParaRPr sz="3600">
               <a:latin typeface="Times New Roman"/>
@@ -18428,9 +17751,18 @@
                 <a:cs typeface="Times New Roman"/>
                 <a:sym typeface="Times New Roman"/>
               </a:rPr>
-              <a:t>Increases learning speed</a:t>
+              <a:t>Exploration decreases as experience increases → </a:t>
             </a:r>
-            <a:endParaRPr sz="3600">
+            <a:r>
+              <a:rPr b="1" lang="en-US" sz="3600">
+                <a:latin typeface="Times New Roman"/>
+                <a:ea typeface="Times New Roman"/>
+                <a:cs typeface="Times New Roman"/>
+                <a:sym typeface="Times New Roman"/>
+              </a:rPr>
+              <a:t>exploration/exploitation</a:t>
+            </a:r>
+            <a:endParaRPr b="1" sz="3600">
               <a:latin typeface="Times New Roman"/>
               <a:ea typeface="Times New Roman"/>
               <a:cs typeface="Times New Roman"/>
@@ -18438,10 +17770,7 @@
             </a:endParaRPr>
           </a:p>
           <a:p>
-            <a:pPr indent="-457200" lvl="0" marL="457200" marR="0" rtl="0" algn="l">
-              <a:lnSpc>
-                <a:spcPct val="100000"/>
-              </a:lnSpc>
+            <a:pPr indent="-457200" lvl="0" marL="457200" rtl="0" algn="l">
               <a:spcBef>
                 <a:spcPts val="0"/>
               </a:spcBef>
@@ -18454,12 +17783,15 @@
             </a:pPr>
             <a:r>
               <a:rPr lang="en-US" sz="3600">
+                <a:solidFill>
+                  <a:schemeClr val="dk1"/>
+                </a:solidFill>
                 <a:latin typeface="Times New Roman"/>
                 <a:ea typeface="Times New Roman"/>
                 <a:cs typeface="Times New Roman"/>
                 <a:sym typeface="Times New Roman"/>
               </a:rPr>
-              <a:t>Stores memory of old transitions</a:t>
+              <a:t>𝝐-decay tries to smoothen the transition between exploration and exploitation [3]</a:t>
             </a:r>
             <a:endParaRPr sz="3600">
               <a:latin typeface="Times New Roman"/>
@@ -18472,14 +17804,14 @@
       </p:sp>
       <p:sp>
         <p:nvSpPr>
-          <p:cNvPr id="129" name="Google Shape;129;p1"/>
+          <p:cNvPr id="112" name="Google Shape;112;p1"/>
           <p:cNvSpPr txBox="1"/>
           <p:nvPr/>
         </p:nvSpPr>
         <p:spPr>
           <a:xfrm>
-            <a:off x="21322900" y="12498225"/>
-            <a:ext cx="6895200" cy="3000000"/>
+            <a:off x="30898250" y="7353925"/>
+            <a:ext cx="8724600" cy="9638700"/>
           </a:xfrm>
           <a:prstGeom prst="rect">
             <a:avLst/>
@@ -18505,9 +17837,6 @@
               <a:spcAft>
                 <a:spcPts val="0"/>
               </a:spcAft>
-              <a:buClr>
-                <a:srgbClr val="000000"/>
-              </a:buClr>
               <a:buSzPts val="3600"/>
               <a:buFont typeface="Times New Roman"/>
               <a:buChar char="-"/>
@@ -18519,7 +17848,7 @@
                 <a:cs typeface="Times New Roman"/>
                 <a:sym typeface="Times New Roman"/>
               </a:rPr>
-              <a:t>Reduces correlation of updates</a:t>
+              <a:t>Single Q-value giving the value of an action</a:t>
             </a:r>
             <a:endParaRPr sz="3600">
               <a:latin typeface="Times New Roman"/>
@@ -18550,7 +17879,53 @@
                 <a:cs typeface="Times New Roman"/>
                 <a:sym typeface="Times New Roman"/>
               </a:rPr>
-              <a:t>Increases learning speed</a:t>
+              <a:t>Basic Q-network leads to overestimation[4]</a:t>
+            </a:r>
+            <a:endParaRPr sz="3600">
+              <a:latin typeface="Times New Roman"/>
+              <a:ea typeface="Times New Roman"/>
+              <a:cs typeface="Times New Roman"/>
+              <a:sym typeface="Times New Roman"/>
+            </a:endParaRPr>
+          </a:p>
+          <a:p>
+            <a:pPr indent="0" lvl="0" marL="0" marR="0" rtl="0" algn="l">
+              <a:lnSpc>
+                <a:spcPct val="100000"/>
+              </a:lnSpc>
+              <a:spcBef>
+                <a:spcPts val="0"/>
+              </a:spcBef>
+              <a:spcAft>
+                <a:spcPts val="0"/>
+              </a:spcAft>
+              <a:buNone/>
+            </a:pPr>
+            <a:r>
+              <a:t/>
+            </a:r>
+            <a:endParaRPr sz="3600">
+              <a:latin typeface="Times New Roman"/>
+              <a:ea typeface="Times New Roman"/>
+              <a:cs typeface="Times New Roman"/>
+              <a:sym typeface="Times New Roman"/>
+            </a:endParaRPr>
+          </a:p>
+          <a:p>
+            <a:pPr indent="0" lvl="0" marL="0" marR="0" rtl="0" algn="l">
+              <a:lnSpc>
+                <a:spcPct val="100000"/>
+              </a:lnSpc>
+              <a:spcBef>
+                <a:spcPts val="0"/>
+              </a:spcBef>
+              <a:spcAft>
+                <a:spcPts val="0"/>
+              </a:spcAft>
+              <a:buNone/>
+            </a:pPr>
+            <a:r>
+              <a:t/>
             </a:r>
             <a:endParaRPr sz="3600">
               <a:latin typeface="Times New Roman"/>
@@ -18581,7 +17956,239 @@
                 <a:cs typeface="Times New Roman"/>
                 <a:sym typeface="Times New Roman"/>
               </a:rPr>
-              <a:t>Stores memory of old transitions</a:t>
+              <a:t>Target-network, Training-network</a:t>
+            </a:r>
+            <a:endParaRPr sz="3600">
+              <a:latin typeface="Times New Roman"/>
+              <a:ea typeface="Times New Roman"/>
+              <a:cs typeface="Times New Roman"/>
+              <a:sym typeface="Times New Roman"/>
+            </a:endParaRPr>
+          </a:p>
+          <a:p>
+            <a:pPr indent="-457200" lvl="0" marL="457200" marR="0" rtl="0" algn="l">
+              <a:lnSpc>
+                <a:spcPct val="100000"/>
+              </a:lnSpc>
+              <a:spcBef>
+                <a:spcPts val="0"/>
+              </a:spcBef>
+              <a:spcAft>
+                <a:spcPts val="0"/>
+              </a:spcAft>
+              <a:buSzPts val="3600"/>
+              <a:buFont typeface="Times New Roman"/>
+              <a:buChar char="-"/>
+            </a:pPr>
+            <a:r>
+              <a:rPr lang="en-US" sz="3600">
+                <a:latin typeface="Times New Roman"/>
+                <a:ea typeface="Times New Roman"/>
+                <a:cs typeface="Times New Roman"/>
+                <a:sym typeface="Times New Roman"/>
+              </a:rPr>
+              <a:t>Copies the training network with a frequency over into the Target-network [1]</a:t>
+            </a:r>
+            <a:endParaRPr sz="3600">
+              <a:latin typeface="Times New Roman"/>
+              <a:ea typeface="Times New Roman"/>
+              <a:cs typeface="Times New Roman"/>
+              <a:sym typeface="Times New Roman"/>
+            </a:endParaRPr>
+          </a:p>
+          <a:p>
+            <a:pPr indent="-457200" lvl="0" marL="457200" marR="0" rtl="0" algn="l">
+              <a:lnSpc>
+                <a:spcPct val="100000"/>
+              </a:lnSpc>
+              <a:spcBef>
+                <a:spcPts val="0"/>
+              </a:spcBef>
+              <a:spcAft>
+                <a:spcPts val="0"/>
+              </a:spcAft>
+              <a:buSzPts val="3600"/>
+              <a:buFont typeface="Times New Roman"/>
+              <a:buChar char="-"/>
+            </a:pPr>
+            <a:r>
+              <a:rPr lang="en-US" sz="3600">
+                <a:latin typeface="Times New Roman"/>
+                <a:ea typeface="Times New Roman"/>
+                <a:cs typeface="Times New Roman"/>
+                <a:sym typeface="Times New Roman"/>
+              </a:rPr>
+              <a:t>Solving overestimation issues [1][4]</a:t>
+            </a:r>
+            <a:endParaRPr sz="3600">
+              <a:latin typeface="Times New Roman"/>
+              <a:ea typeface="Times New Roman"/>
+              <a:cs typeface="Times New Roman"/>
+              <a:sym typeface="Times New Roman"/>
+            </a:endParaRPr>
+          </a:p>
+          <a:p>
+            <a:pPr indent="0" lvl="0" marL="914400" marR="0" rtl="0" algn="l">
+              <a:lnSpc>
+                <a:spcPct val="100000"/>
+              </a:lnSpc>
+              <a:spcBef>
+                <a:spcPts val="0"/>
+              </a:spcBef>
+              <a:spcAft>
+                <a:spcPts val="0"/>
+              </a:spcAft>
+              <a:buNone/>
+            </a:pPr>
+            <a:r>
+              <a:t/>
+            </a:r>
+            <a:endParaRPr sz="3600">
+              <a:latin typeface="Times New Roman"/>
+              <a:ea typeface="Times New Roman"/>
+              <a:cs typeface="Times New Roman"/>
+              <a:sym typeface="Times New Roman"/>
+            </a:endParaRPr>
+          </a:p>
+          <a:p>
+            <a:pPr indent="0" lvl="0" marL="0" marR="0" rtl="0" algn="l">
+              <a:lnSpc>
+                <a:spcPct val="100000"/>
+              </a:lnSpc>
+              <a:spcBef>
+                <a:spcPts val="0"/>
+              </a:spcBef>
+              <a:spcAft>
+                <a:spcPts val="0"/>
+              </a:spcAft>
+              <a:buNone/>
+            </a:pPr>
+            <a:r>
+              <a:t/>
+            </a:r>
+            <a:endParaRPr sz="3600">
+              <a:latin typeface="Times New Roman"/>
+              <a:ea typeface="Times New Roman"/>
+              <a:cs typeface="Times New Roman"/>
+              <a:sym typeface="Times New Roman"/>
+            </a:endParaRPr>
+          </a:p>
+          <a:p>
+            <a:pPr indent="-457200" lvl="0" marL="457200" marR="0" rtl="0" algn="l">
+              <a:lnSpc>
+                <a:spcPct val="100000"/>
+              </a:lnSpc>
+              <a:spcBef>
+                <a:spcPts val="0"/>
+              </a:spcBef>
+              <a:spcAft>
+                <a:spcPts val="0"/>
+              </a:spcAft>
+              <a:buSzPts val="3600"/>
+              <a:buFont typeface="Times New Roman"/>
+              <a:buChar char="-"/>
+            </a:pPr>
+            <a:r>
+              <a:rPr lang="en-US" sz="3600">
+                <a:latin typeface="Times New Roman"/>
+                <a:ea typeface="Times New Roman"/>
+                <a:cs typeface="Times New Roman"/>
+                <a:sym typeface="Times New Roman"/>
+              </a:rPr>
+              <a:t>Two independent networks</a:t>
+            </a:r>
+            <a:endParaRPr sz="3600">
+              <a:latin typeface="Times New Roman"/>
+              <a:ea typeface="Times New Roman"/>
+              <a:cs typeface="Times New Roman"/>
+              <a:sym typeface="Times New Roman"/>
+            </a:endParaRPr>
+          </a:p>
+          <a:p>
+            <a:pPr indent="-457200" lvl="0" marL="457200" marR="0" rtl="0" algn="l">
+              <a:lnSpc>
+                <a:spcPct val="100000"/>
+              </a:lnSpc>
+              <a:spcBef>
+                <a:spcPts val="0"/>
+              </a:spcBef>
+              <a:spcAft>
+                <a:spcPts val="0"/>
+              </a:spcAft>
+              <a:buSzPts val="3600"/>
+              <a:buFont typeface="Times New Roman"/>
+              <a:buChar char="-"/>
+            </a:pPr>
+            <a:r>
+              <a:rPr lang="en-US" sz="3600">
+                <a:latin typeface="Times New Roman"/>
+                <a:ea typeface="Times New Roman"/>
+                <a:cs typeface="Times New Roman"/>
+                <a:sym typeface="Times New Roman"/>
+              </a:rPr>
+              <a:t>Both networks estimates Q-values</a:t>
+            </a:r>
+            <a:endParaRPr sz="3600">
+              <a:latin typeface="Times New Roman"/>
+              <a:ea typeface="Times New Roman"/>
+              <a:cs typeface="Times New Roman"/>
+              <a:sym typeface="Times New Roman"/>
+            </a:endParaRPr>
+          </a:p>
+          <a:p>
+            <a:pPr indent="-457200" lvl="0" marL="457200" marR="0" rtl="0" algn="l">
+              <a:lnSpc>
+                <a:spcPct val="100000"/>
+              </a:lnSpc>
+              <a:spcBef>
+                <a:spcPts val="0"/>
+              </a:spcBef>
+              <a:spcAft>
+                <a:spcPts val="0"/>
+              </a:spcAft>
+              <a:buSzPts val="3600"/>
+              <a:buFont typeface="Times New Roman"/>
+              <a:buChar char="-"/>
+            </a:pPr>
+            <a:r>
+              <a:rPr lang="en-US" sz="3600">
+                <a:latin typeface="Times New Roman"/>
+                <a:ea typeface="Times New Roman"/>
+                <a:cs typeface="Times New Roman"/>
+                <a:sym typeface="Times New Roman"/>
+              </a:rPr>
+              <a:t>Takes the greater Q-value estimation of the two networks and reduces it to the minimum Q-value estimation of the other network [1]</a:t>
+            </a:r>
+            <a:endParaRPr sz="3600">
+              <a:latin typeface="Times New Roman"/>
+              <a:ea typeface="Times New Roman"/>
+              <a:cs typeface="Times New Roman"/>
+              <a:sym typeface="Times New Roman"/>
+            </a:endParaRPr>
+          </a:p>
+          <a:p>
+            <a:pPr indent="-457200" lvl="0" marL="457200" marR="0" rtl="0" algn="l">
+              <a:lnSpc>
+                <a:spcPct val="100000"/>
+              </a:lnSpc>
+              <a:spcBef>
+                <a:spcPts val="0"/>
+              </a:spcBef>
+              <a:spcAft>
+                <a:spcPts val="0"/>
+              </a:spcAft>
+              <a:buSzPts val="3600"/>
+              <a:buFont typeface="Times New Roman"/>
+              <a:buChar char="-"/>
+            </a:pPr>
+            <a:r>
+              <a:rPr lang="en-US" sz="3600">
+                <a:latin typeface="Times New Roman"/>
+                <a:ea typeface="Times New Roman"/>
+                <a:cs typeface="Times New Roman"/>
+                <a:sym typeface="Times New Roman"/>
+              </a:rPr>
+              <a:t>Solves overestimation issues [1]</a:t>
             </a:r>
             <a:endParaRPr sz="3600">
               <a:latin typeface="Times New Roman"/>
@@ -18594,14 +18201,14 @@
       </p:sp>
       <p:sp>
         <p:nvSpPr>
-          <p:cNvPr id="130" name="Google Shape;130;p1"/>
+          <p:cNvPr id="113" name="Google Shape;113;p1"/>
           <p:cNvSpPr txBox="1"/>
           <p:nvPr/>
         </p:nvSpPr>
         <p:spPr>
           <a:xfrm>
-            <a:off x="31616738" y="8049400"/>
-            <a:ext cx="6895200" cy="3000000"/>
+            <a:off x="31224799" y="8721350"/>
+            <a:ext cx="6580500" cy="1014000"/>
           </a:xfrm>
           <a:prstGeom prst="rect">
             <a:avLst/>
@@ -18617,7 +18224,7 @@
           </a:bodyPr>
           <a:lstStyle/>
           <a:p>
-            <a:pPr indent="-457200" lvl="0" marL="457200" marR="0" rtl="0" algn="l">
+            <a:pPr indent="0" lvl="0" marL="0" marR="0" rtl="0" algn="ctr">
               <a:lnSpc>
                 <a:spcPct val="100000"/>
               </a:lnSpc>
@@ -18630,90 +18237,489 @@
               <a:buClr>
                 <a:srgbClr val="000000"/>
               </a:buClr>
-              <a:buSzPts val="3600"/>
-              <a:buFont typeface="Times New Roman"/>
-              <a:buChar char="-"/>
+              <a:buSzPts val="4800"/>
+              <a:buFont typeface="Arial"/>
+              <a:buNone/>
             </a:pPr>
             <a:r>
-              <a:rPr lang="en-US" sz="3600">
-                <a:latin typeface="Times New Roman"/>
-                <a:ea typeface="Times New Roman"/>
-                <a:cs typeface="Times New Roman"/>
-                <a:sym typeface="Times New Roman"/>
-              </a:rPr>
-              <a:t>Reduces correlation of updates</a:t>
+              <a:rPr b="1" lang="en-US" sz="4800" u="sng"/>
+              <a:t>Double DQN</a:t>
             </a:r>
-            <a:endParaRPr sz="3600">
-              <a:latin typeface="Times New Roman"/>
-              <a:ea typeface="Times New Roman"/>
-              <a:cs typeface="Times New Roman"/>
-              <a:sym typeface="Times New Roman"/>
-            </a:endParaRPr>
-          </a:p>
-          <a:p>
-            <a:pPr indent="-457200" lvl="0" marL="457200" marR="0" rtl="0" algn="l">
-              <a:lnSpc>
-                <a:spcPct val="100000"/>
-              </a:lnSpc>
-              <a:spcBef>
-                <a:spcPts val="0"/>
-              </a:spcBef>
-              <a:spcAft>
-                <a:spcPts val="0"/>
-              </a:spcAft>
-              <a:buSzPts val="3600"/>
-              <a:buFont typeface="Times New Roman"/>
-              <a:buChar char="-"/>
-            </a:pPr>
-            <a:r>
-              <a:rPr lang="en-US" sz="3600">
-                <a:latin typeface="Times New Roman"/>
-                <a:ea typeface="Times New Roman"/>
-                <a:cs typeface="Times New Roman"/>
-                <a:sym typeface="Times New Roman"/>
-              </a:rPr>
-              <a:t>Increases learning speed</a:t>
-            </a:r>
-            <a:endParaRPr sz="3600">
-              <a:latin typeface="Times New Roman"/>
-              <a:ea typeface="Times New Roman"/>
-              <a:cs typeface="Times New Roman"/>
-              <a:sym typeface="Times New Roman"/>
-            </a:endParaRPr>
-          </a:p>
-          <a:p>
-            <a:pPr indent="-457200" lvl="0" marL="457200" marR="0" rtl="0" algn="l">
-              <a:lnSpc>
-                <a:spcPct val="100000"/>
-              </a:lnSpc>
-              <a:spcBef>
-                <a:spcPts val="0"/>
-              </a:spcBef>
-              <a:spcAft>
-                <a:spcPts val="0"/>
-              </a:spcAft>
-              <a:buSzPts val="3600"/>
-              <a:buFont typeface="Times New Roman"/>
-              <a:buChar char="-"/>
-            </a:pPr>
-            <a:r>
-              <a:rPr lang="en-US" sz="3600">
-                <a:latin typeface="Times New Roman"/>
-                <a:ea typeface="Times New Roman"/>
-                <a:cs typeface="Times New Roman"/>
-                <a:sym typeface="Times New Roman"/>
-              </a:rPr>
-              <a:t>Stores memory of old transitions</a:t>
-            </a:r>
-            <a:endParaRPr sz="3600">
-              <a:latin typeface="Times New Roman"/>
-              <a:ea typeface="Times New Roman"/>
-              <a:cs typeface="Times New Roman"/>
-              <a:sym typeface="Times New Roman"/>
+            <a:endParaRPr b="1" i="0" sz="4800" u="sng" cap="none" strike="noStrike">
+              <a:solidFill>
+                <a:srgbClr val="000000"/>
+              </a:solidFill>
+              <a:latin typeface="Arial"/>
+              <a:ea typeface="Arial"/>
+              <a:cs typeface="Arial"/>
+              <a:sym typeface="Arial"/>
             </a:endParaRPr>
           </a:p>
         </p:txBody>
       </p:sp>
+      <p:sp>
+        <p:nvSpPr>
+          <p:cNvPr id="114" name="Google Shape;114;p1"/>
+          <p:cNvSpPr txBox="1"/>
+          <p:nvPr/>
+        </p:nvSpPr>
+        <p:spPr>
+          <a:xfrm>
+            <a:off x="30495500" y="12181950"/>
+            <a:ext cx="9137700" cy="1014000"/>
+          </a:xfrm>
+          <a:prstGeom prst="rect">
+            <a:avLst/>
+          </a:prstGeom>
+          <a:noFill/>
+          <a:ln>
+            <a:noFill/>
+          </a:ln>
+        </p:spPr>
+        <p:txBody>
+          <a:bodyPr anchorCtr="0" anchor="t" bIns="91425" lIns="91425" spcFirstLastPara="1" rIns="91425" wrap="square" tIns="91425">
+            <a:noAutofit/>
+          </a:bodyPr>
+          <a:lstStyle/>
+          <a:p>
+            <a:pPr indent="0" lvl="0" marL="0" marR="0" rtl="0" algn="ctr">
+              <a:lnSpc>
+                <a:spcPct val="100000"/>
+              </a:lnSpc>
+              <a:spcBef>
+                <a:spcPts val="0"/>
+              </a:spcBef>
+              <a:spcAft>
+                <a:spcPts val="0"/>
+              </a:spcAft>
+              <a:buClr>
+                <a:srgbClr val="000000"/>
+              </a:buClr>
+              <a:buSzPts val="4800"/>
+              <a:buFont typeface="Arial"/>
+              <a:buNone/>
+            </a:pPr>
+            <a:r>
+              <a:rPr b="1" lang="en-US" sz="4800" u="sng"/>
+              <a:t>Clipped Double DQN</a:t>
+            </a:r>
+            <a:endParaRPr b="1" i="0" sz="4800" u="sng" cap="none" strike="noStrike">
+              <a:solidFill>
+                <a:srgbClr val="000000"/>
+              </a:solidFill>
+              <a:latin typeface="Arial"/>
+              <a:ea typeface="Arial"/>
+              <a:cs typeface="Arial"/>
+              <a:sym typeface="Arial"/>
+            </a:endParaRPr>
+          </a:p>
+        </p:txBody>
+      </p:sp>
+      <p:graphicFrame>
+        <p:nvGraphicFramePr>
+          <p:cNvPr id="115" name="Google Shape;115;p1"/>
+          <p:cNvGraphicFramePr/>
+          <p:nvPr/>
+        </p:nvGraphicFramePr>
+        <p:xfrm>
+          <a:off x="28303113" y="19883700"/>
+          <a:ext cx="3000000" cy="3000000"/>
+        </p:xfrm>
+        <a:graphic>
+          <a:graphicData uri="http://schemas.openxmlformats.org/drawingml/2006/table">
+            <a:tbl>
+              <a:tblPr>
+                <a:noFill/>
+                <a:tableStyleId>{09EDB5E5-7710-4CC0-AB22-8DAEA455112A}</a:tableStyleId>
+              </a:tblPr>
+              <a:tblGrid>
+                <a:gridCol w="6211925"/>
+                <a:gridCol w="6211925"/>
+              </a:tblGrid>
+              <a:tr h="433175">
+                <a:tc>
+                  <a:txBody>
+                    <a:bodyPr/>
+                    <a:lstStyle/>
+                    <a:p>
+                      <a:pPr indent="0" lvl="0" marL="0" rtl="0" algn="l">
+                        <a:spcBef>
+                          <a:spcPts val="0"/>
+                        </a:spcBef>
+                        <a:spcAft>
+                          <a:spcPts val="0"/>
+                        </a:spcAft>
+                        <a:buNone/>
+                      </a:pPr>
+                      <a:r>
+                        <a:rPr b="1" lang="en-US" sz="3600"/>
+                        <a:t>Model</a:t>
+                      </a:r>
+                      <a:endParaRPr b="1" sz="3600"/>
+                    </a:p>
+                  </a:txBody>
+                  <a:tcPr marT="91425" marB="91425" marR="91425" marL="91425"/>
+                </a:tc>
+                <a:tc>
+                  <a:txBody>
+                    <a:bodyPr/>
+                    <a:lstStyle/>
+                    <a:p>
+                      <a:pPr indent="0" lvl="0" marL="0" rtl="0" algn="l">
+                        <a:spcBef>
+                          <a:spcPts val="0"/>
+                        </a:spcBef>
+                        <a:spcAft>
+                          <a:spcPts val="0"/>
+                        </a:spcAft>
+                        <a:buNone/>
+                      </a:pPr>
+                      <a:r>
+                        <a:rPr b="1" lang="en-US" sz="3600"/>
+                        <a:t>Best performance reward</a:t>
+                      </a:r>
+                      <a:endParaRPr b="1" sz="3600"/>
+                    </a:p>
+                  </a:txBody>
+                  <a:tcPr marT="91425" marB="91425" marR="91425" marL="91425"/>
+                </a:tc>
+              </a:tr>
+              <a:tr h="433175">
+                <a:tc>
+                  <a:txBody>
+                    <a:bodyPr/>
+                    <a:lstStyle/>
+                    <a:p>
+                      <a:pPr indent="0" lvl="0" marL="0" rtl="0" algn="l">
+                        <a:spcBef>
+                          <a:spcPts val="0"/>
+                        </a:spcBef>
+                        <a:spcAft>
+                          <a:spcPts val="0"/>
+                        </a:spcAft>
+                        <a:buNone/>
+                      </a:pPr>
+                      <a:r>
+                        <a:rPr lang="en-US" sz="3600"/>
+                        <a:t>DQN</a:t>
+                      </a:r>
+                      <a:endParaRPr sz="3600"/>
+                    </a:p>
+                  </a:txBody>
+                  <a:tcPr marT="91425" marB="91425" marR="91425" marL="91425"/>
+                </a:tc>
+                <a:tc>
+                  <a:txBody>
+                    <a:bodyPr/>
+                    <a:lstStyle/>
+                    <a:p>
+                      <a:pPr indent="0" lvl="0" marL="0" rtl="0" algn="l">
+                        <a:spcBef>
+                          <a:spcPts val="0"/>
+                        </a:spcBef>
+                        <a:spcAft>
+                          <a:spcPts val="0"/>
+                        </a:spcAft>
+                        <a:buNone/>
+                      </a:pPr>
+                      <a:r>
+                        <a:rPr lang="en-US" sz="3600"/>
+                        <a:t>-7.05</a:t>
+                      </a:r>
+                      <a:endParaRPr sz="3600"/>
+                    </a:p>
+                  </a:txBody>
+                  <a:tcPr marT="91425" marB="91425" marR="91425" marL="91425"/>
+                </a:tc>
+              </a:tr>
+              <a:tr h="450450">
+                <a:tc>
+                  <a:txBody>
+                    <a:bodyPr/>
+                    <a:lstStyle/>
+                    <a:p>
+                      <a:pPr indent="0" lvl="0" marL="0" rtl="0" algn="l">
+                        <a:spcBef>
+                          <a:spcPts val="0"/>
+                        </a:spcBef>
+                        <a:spcAft>
+                          <a:spcPts val="0"/>
+                        </a:spcAft>
+                        <a:buNone/>
+                      </a:pPr>
+                      <a:r>
+                        <a:rPr lang="en-US" sz="3600"/>
+                        <a:t>Double DQN</a:t>
+                      </a:r>
+                      <a:endParaRPr sz="3600"/>
+                    </a:p>
+                  </a:txBody>
+                  <a:tcPr marT="91425" marB="91425" marR="91425" marL="91425"/>
+                </a:tc>
+                <a:tc>
+                  <a:txBody>
+                    <a:bodyPr/>
+                    <a:lstStyle/>
+                    <a:p>
+                      <a:pPr indent="0" lvl="0" marL="0" rtl="0" algn="l">
+                        <a:spcBef>
+                          <a:spcPts val="0"/>
+                        </a:spcBef>
+                        <a:spcAft>
+                          <a:spcPts val="0"/>
+                        </a:spcAft>
+                        <a:buNone/>
+                      </a:pPr>
+                      <a:r>
+                        <a:rPr lang="en-US" sz="3600"/>
+                        <a:t>+9.91</a:t>
+                      </a:r>
+                      <a:endParaRPr sz="3600"/>
+                    </a:p>
+                  </a:txBody>
+                  <a:tcPr marT="91425" marB="91425" marR="91425" marL="91425"/>
+                </a:tc>
+              </a:tr>
+              <a:tr h="433175">
+                <a:tc>
+                  <a:txBody>
+                    <a:bodyPr/>
+                    <a:lstStyle/>
+                    <a:p>
+                      <a:pPr indent="0" lvl="0" marL="0" rtl="0" algn="l">
+                        <a:spcBef>
+                          <a:spcPts val="0"/>
+                        </a:spcBef>
+                        <a:spcAft>
+                          <a:spcPts val="0"/>
+                        </a:spcAft>
+                        <a:buNone/>
+                      </a:pPr>
+                      <a:r>
+                        <a:rPr lang="en-US" sz="3600"/>
+                        <a:t>Clipped Double DQN</a:t>
+                      </a:r>
+                      <a:endParaRPr sz="3600"/>
+                    </a:p>
+                  </a:txBody>
+                  <a:tcPr marT="91425" marB="91425" marR="91425" marL="91425"/>
+                </a:tc>
+                <a:tc>
+                  <a:txBody>
+                    <a:bodyPr/>
+                    <a:lstStyle/>
+                    <a:p>
+                      <a:pPr indent="0" lvl="0" marL="0" rtl="0" algn="l">
+                        <a:spcBef>
+                          <a:spcPts val="0"/>
+                        </a:spcBef>
+                        <a:spcAft>
+                          <a:spcPts val="0"/>
+                        </a:spcAft>
+                        <a:buNone/>
+                      </a:pPr>
+                      <a:r>
+                        <a:rPr lang="en-US" sz="3600"/>
+                        <a:t>-10.71</a:t>
+                      </a:r>
+                      <a:endParaRPr sz="3600"/>
+                    </a:p>
+                  </a:txBody>
+                  <a:tcPr marT="91425" marB="91425" marR="91425" marL="91425"/>
+                </a:tc>
+              </a:tr>
+              <a:tr h="433175">
+                <a:tc>
+                  <a:txBody>
+                    <a:bodyPr/>
+                    <a:lstStyle/>
+                    <a:p>
+                      <a:pPr indent="0" lvl="0" marL="0" rtl="0" algn="l">
+                        <a:spcBef>
+                          <a:spcPts val="0"/>
+                        </a:spcBef>
+                        <a:spcAft>
+                          <a:spcPts val="0"/>
+                        </a:spcAft>
+                        <a:buNone/>
+                      </a:pPr>
+                      <a:r>
+                        <a:rPr lang="en-US" sz="3600"/>
+                        <a:t>Average Human</a:t>
+                      </a:r>
+                      <a:endParaRPr sz="3600"/>
+                    </a:p>
+                  </a:txBody>
+                  <a:tcPr marT="91425" marB="91425" marR="91425" marL="91425"/>
+                </a:tc>
+                <a:tc>
+                  <a:txBody>
+                    <a:bodyPr/>
+                    <a:lstStyle/>
+                    <a:p>
+                      <a:pPr indent="0" lvl="0" marL="0" rtl="0" algn="l">
+                        <a:spcBef>
+                          <a:spcPts val="0"/>
+                        </a:spcBef>
+                        <a:spcAft>
+                          <a:spcPts val="0"/>
+                        </a:spcAft>
+                        <a:buNone/>
+                      </a:pPr>
+                      <a:r>
+                        <a:rPr lang="en-US" sz="3600"/>
+                        <a:t>-3</a:t>
+                      </a:r>
+                      <a:endParaRPr sz="3600"/>
+                    </a:p>
+                  </a:txBody>
+                  <a:tcPr marT="91425" marB="91425" marR="91425" marL="91425"/>
+                </a:tc>
+              </a:tr>
+            </a:tbl>
+          </a:graphicData>
+        </a:graphic>
+      </p:graphicFrame>
+      <p:pic>
+        <p:nvPicPr>
+          <p:cNvPr id="116" name="Google Shape;116;p1"/>
+          <p:cNvPicPr preferRelativeResize="0"/>
+          <p:nvPr/>
+        </p:nvPicPr>
+        <p:blipFill>
+          <a:blip r:embed="rId8">
+            <a:alphaModFix/>
+          </a:blip>
+          <a:stretch>
+            <a:fillRect/>
+          </a:stretch>
+        </p:blipFill>
+        <p:spPr>
+          <a:xfrm>
+            <a:off x="24012450" y="13550645"/>
+            <a:ext cx="5426699" cy="4315080"/>
+          </a:xfrm>
+          <a:prstGeom prst="rect">
+            <a:avLst/>
+          </a:prstGeom>
+          <a:noFill/>
+          <a:ln>
+            <a:noFill/>
+          </a:ln>
+        </p:spPr>
+      </p:pic>
+      <p:pic>
+        <p:nvPicPr>
+          <p:cNvPr id="117" name="Google Shape;117;p1"/>
+          <p:cNvPicPr preferRelativeResize="0"/>
+          <p:nvPr/>
+        </p:nvPicPr>
+        <p:blipFill>
+          <a:blip r:embed="rId9">
+            <a:alphaModFix/>
+          </a:blip>
+          <a:stretch>
+            <a:fillRect/>
+          </a:stretch>
+        </p:blipFill>
+        <p:spPr>
+          <a:xfrm>
+            <a:off x="20350125" y="14160400"/>
+            <a:ext cx="3581400" cy="2724150"/>
+          </a:xfrm>
+          <a:prstGeom prst="rect">
+            <a:avLst/>
+          </a:prstGeom>
+          <a:noFill/>
+          <a:ln>
+            <a:noFill/>
+          </a:ln>
+        </p:spPr>
+      </p:pic>
+      <p:pic>
+        <p:nvPicPr>
+          <p:cNvPr id="118" name="Google Shape;118;p1"/>
+          <p:cNvPicPr preferRelativeResize="0"/>
+          <p:nvPr/>
+        </p:nvPicPr>
+        <p:blipFill>
+          <a:blip r:embed="rId10">
+            <a:alphaModFix/>
+          </a:blip>
+          <a:stretch>
+            <a:fillRect/>
+          </a:stretch>
+        </p:blipFill>
+        <p:spPr>
+          <a:xfrm>
+            <a:off x="1071075" y="10315525"/>
+            <a:ext cx="9871750" cy="6620475"/>
+          </a:xfrm>
+          <a:prstGeom prst="rect">
+            <a:avLst/>
+          </a:prstGeom>
+          <a:noFill/>
+          <a:ln>
+            <a:noFill/>
+          </a:ln>
+        </p:spPr>
+      </p:pic>
+      <p:pic>
+        <p:nvPicPr>
+          <p:cNvPr id="119" name="Google Shape;119;p1"/>
+          <p:cNvPicPr preferRelativeResize="0"/>
+          <p:nvPr/>
+        </p:nvPicPr>
+        <p:blipFill>
+          <a:blip r:embed="rId11">
+            <a:alphaModFix/>
+          </a:blip>
+          <a:stretch>
+            <a:fillRect/>
+          </a:stretch>
+        </p:blipFill>
+        <p:spPr>
+          <a:xfrm>
+            <a:off x="11463900" y="7345550"/>
+            <a:ext cx="2781000" cy="8772775"/>
+          </a:xfrm>
+          <a:prstGeom prst="rect">
+            <a:avLst/>
+          </a:prstGeom>
+          <a:noFill/>
+          <a:ln>
+            <a:noFill/>
+          </a:ln>
+        </p:spPr>
+      </p:pic>
+      <p:pic>
+        <p:nvPicPr>
+          <p:cNvPr id="120" name="Google Shape;120;p1"/>
+          <p:cNvPicPr preferRelativeResize="0"/>
+          <p:nvPr/>
+        </p:nvPicPr>
+        <p:blipFill>
+          <a:blip r:embed="rId12">
+            <a:alphaModFix/>
+          </a:blip>
+          <a:stretch>
+            <a:fillRect/>
+          </a:stretch>
+        </p:blipFill>
+        <p:spPr>
+          <a:xfrm>
+            <a:off x="8794925" y="19316150"/>
+            <a:ext cx="18629436" cy="9949799"/>
+          </a:xfrm>
+          <a:prstGeom prst="rect">
+            <a:avLst/>
+          </a:prstGeom>
+          <a:noFill/>
+          <a:ln>
+            <a:noFill/>
+          </a:ln>
+        </p:spPr>
+      </p:pic>
     </p:spTree>
   </p:cSld>
   <p:clrMapOvr>
@@ -18723,6 +18729,285 @@
 </file>
 
 <file path=ppt/theme/theme1.xml><?xml version="1.0" encoding="utf-8"?>
+<a:theme xmlns:a="http://schemas.openxmlformats.org/drawingml/2006/main" xmlns:r="http://schemas.openxmlformats.org/officeDocument/2006/relationships" name="Default Design">
+  <a:themeElements>
+    <a:clrScheme name="Default Design 2">
+      <a:dk1>
+        <a:srgbClr val="000000"/>
+      </a:dk1>
+      <a:lt1>
+        <a:srgbClr val="FFFFFF"/>
+      </a:lt1>
+      <a:dk2>
+        <a:srgbClr val="000000"/>
+      </a:dk2>
+      <a:lt2>
+        <a:srgbClr val="808080"/>
+      </a:lt2>
+      <a:accent1>
+        <a:srgbClr val="00CC99"/>
+      </a:accent1>
+      <a:accent2>
+        <a:srgbClr val="3333CC"/>
+      </a:accent2>
+      <a:accent3>
+        <a:srgbClr val="FFFFFF"/>
+      </a:accent3>
+      <a:accent4>
+        <a:srgbClr val="000000"/>
+      </a:accent4>
+      <a:accent5>
+        <a:srgbClr val="AAE2CA"/>
+      </a:accent5>
+      <a:accent6>
+        <a:srgbClr val="2D2DB9"/>
+      </a:accent6>
+      <a:hlink>
+        <a:srgbClr val="CCCCFF"/>
+      </a:hlink>
+      <a:folHlink>
+        <a:srgbClr val="B2B2B2"/>
+      </a:folHlink>
+    </a:clrScheme>
+    <a:fontScheme name="Office">
+      <a:majorFont>
+        <a:latin typeface="Arial"/>
+        <a:ea typeface=""/>
+        <a:cs typeface=""/>
+        <a:font script="Jpan" typeface="ＭＳ Ｐゴシック"/>
+        <a:font script="Hang" typeface="맑은 고딕"/>
+        <a:font script="Hans" typeface="宋体"/>
+        <a:font script="Hant" typeface="新細明體"/>
+        <a:font script="Arab" typeface="Times New Roman"/>
+        <a:font script="Hebr" typeface="Times New Roman"/>
+        <a:font script="Thai" typeface="Angsana New"/>
+        <a:font script="Ethi" typeface="Nyala"/>
+        <a:font script="Beng" typeface="Vrinda"/>
+        <a:font script="Gujr" typeface="Shruti"/>
+        <a:font script="Khmr" typeface="MoolBoran"/>
+        <a:font script="Knda" typeface="Tunga"/>
+        <a:font script="Guru" typeface="Raavi"/>
+        <a:font script="Cans" typeface="Euphemia"/>
+        <a:font script="Cher" typeface="Plantagenet Cherokee"/>
+        <a:font script="Yiii" typeface="Microsoft Yi Baiti"/>
+        <a:font script="Tibt" typeface="Microsoft Himalaya"/>
+        <a:font script="Thaa" typeface="MV Boli"/>
+        <a:font script="Deva" typeface="Mangal"/>
+        <a:font script="Telu" typeface="Gautami"/>
+        <a:font script="Taml" typeface="Latha"/>
+        <a:font script="Syrc" typeface="Estrangelo Edessa"/>
+        <a:font script="Orya" typeface="Kalinga"/>
+        <a:font script="Mlym" typeface="Kartika"/>
+        <a:font script="Laoo" typeface="DokChampa"/>
+        <a:font script="Sinh" typeface="Iskoola Pota"/>
+        <a:font script="Mong" typeface="Mongolian Baiti"/>
+        <a:font script="Viet" typeface="Times New Roman"/>
+        <a:font script="Uigh" typeface="Microsoft Uighur"/>
+        <a:font script="Geor" typeface="Sylfaen"/>
+      </a:majorFont>
+      <a:minorFont>
+        <a:latin typeface="Arial"/>
+        <a:ea typeface=""/>
+        <a:cs typeface=""/>
+        <a:font script="Jpan" typeface="ＭＳ Ｐゴシック"/>
+        <a:font script="Hang" typeface="맑은 고딕"/>
+        <a:font script="Hans" typeface="宋体"/>
+        <a:font script="Hant" typeface="新細明體"/>
+        <a:font script="Arab" typeface="Arial"/>
+        <a:font script="Hebr" typeface="Arial"/>
+        <a:font script="Thai" typeface="Cordia New"/>
+        <a:font script="Ethi" typeface="Nyala"/>
+        <a:font script="Beng" typeface="Vrinda"/>
+        <a:font script="Gujr" typeface="Shruti"/>
+        <a:font script="Khmr" typeface="DaunPenh"/>
+        <a:font script="Knda" typeface="Tunga"/>
+        <a:font script="Guru" typeface="Raavi"/>
+        <a:font script="Cans" typeface="Euphemia"/>
+        <a:font script="Cher" typeface="Plantagenet Cherokee"/>
+        <a:font script="Yiii" typeface="Microsoft Yi Baiti"/>
+        <a:font script="Tibt" typeface="Microsoft Himalaya"/>
+        <a:font script="Thaa" typeface="MV Boli"/>
+        <a:font script="Deva" typeface="Mangal"/>
+        <a:font script="Telu" typeface="Gautami"/>
+        <a:font script="Taml" typeface="Latha"/>
+        <a:font script="Syrc" typeface="Estrangelo Edessa"/>
+        <a:font script="Orya" typeface="Kalinga"/>
+        <a:font script="Mlym" typeface="Kartika"/>
+        <a:font script="Laoo" typeface="DokChampa"/>
+        <a:font script="Sinh" typeface="Iskoola Pota"/>
+        <a:font script="Mong" typeface="Mongolian Baiti"/>
+        <a:font script="Viet" typeface="Arial"/>
+        <a:font script="Uigh" typeface="Microsoft Uighur"/>
+        <a:font script="Geor" typeface="Sylfaen"/>
+      </a:minorFont>
+    </a:fontScheme>
+    <a:fmtScheme name="Office">
+      <a:fillStyleLst>
+        <a:solidFill>
+          <a:schemeClr val="phClr"/>
+        </a:solidFill>
+        <a:gradFill rotWithShape="1">
+          <a:gsLst>
+            <a:gs pos="0">
+              <a:schemeClr val="phClr">
+                <a:tint val="50000"/>
+                <a:satMod val="300000"/>
+              </a:schemeClr>
+            </a:gs>
+            <a:gs pos="35000">
+              <a:schemeClr val="phClr">
+                <a:tint val="37000"/>
+                <a:satMod val="300000"/>
+              </a:schemeClr>
+            </a:gs>
+            <a:gs pos="100000">
+              <a:schemeClr val="phClr">
+                <a:tint val="15000"/>
+                <a:satMod val="350000"/>
+              </a:schemeClr>
+            </a:gs>
+          </a:gsLst>
+          <a:lin ang="16200000" scaled="1"/>
+        </a:gradFill>
+        <a:gradFill rotWithShape="1">
+          <a:gsLst>
+            <a:gs pos="0">
+              <a:schemeClr val="phClr">
+                <a:tint val="100000"/>
+                <a:shade val="100000"/>
+                <a:satMod val="130000"/>
+              </a:schemeClr>
+            </a:gs>
+            <a:gs pos="100000">
+              <a:schemeClr val="phClr">
+                <a:tint val="50000"/>
+                <a:shade val="100000"/>
+                <a:satMod val="350000"/>
+              </a:schemeClr>
+            </a:gs>
+          </a:gsLst>
+          <a:lin ang="16200000" scaled="0"/>
+        </a:gradFill>
+      </a:fillStyleLst>
+      <a:lnStyleLst>
+        <a:ln w="9525" cap="flat" cmpd="sng" algn="ctr">
+          <a:solidFill>
+            <a:schemeClr val="phClr">
+              <a:shade val="95000"/>
+              <a:satMod val="105000"/>
+            </a:schemeClr>
+          </a:solidFill>
+          <a:prstDash val="solid"/>
+        </a:ln>
+        <a:ln w="25400" cap="flat" cmpd="sng" algn="ctr">
+          <a:solidFill>
+            <a:schemeClr val="phClr"/>
+          </a:solidFill>
+          <a:prstDash val="solid"/>
+        </a:ln>
+        <a:ln w="38100" cap="flat" cmpd="sng" algn="ctr">
+          <a:solidFill>
+            <a:schemeClr val="phClr"/>
+          </a:solidFill>
+          <a:prstDash val="solid"/>
+        </a:ln>
+      </a:lnStyleLst>
+      <a:effectStyleLst>
+        <a:effectStyle>
+          <a:effectLst>
+            <a:outerShdw blurRad="40000" dist="20000" dir="5400000" rotWithShape="0">
+              <a:srgbClr val="000000">
+                <a:alpha val="38000"/>
+              </a:srgbClr>
+            </a:outerShdw>
+          </a:effectLst>
+        </a:effectStyle>
+        <a:effectStyle>
+          <a:effectLst>
+            <a:outerShdw blurRad="40000" dist="23000" dir="5400000" rotWithShape="0">
+              <a:srgbClr val="000000">
+                <a:alpha val="35000"/>
+              </a:srgbClr>
+            </a:outerShdw>
+          </a:effectLst>
+        </a:effectStyle>
+        <a:effectStyle>
+          <a:effectLst>
+            <a:outerShdw blurRad="40000" dist="23000" dir="5400000" rotWithShape="0">
+              <a:srgbClr val="000000">
+                <a:alpha val="35000"/>
+              </a:srgbClr>
+            </a:outerShdw>
+          </a:effectLst>
+          <a:scene3d>
+            <a:camera prst="orthographicFront">
+              <a:rot lat="0" lon="0" rev="0"/>
+            </a:camera>
+            <a:lightRig rig="threePt" dir="t">
+              <a:rot lat="0" lon="0" rev="1200000"/>
+            </a:lightRig>
+          </a:scene3d>
+          <a:sp3d>
+            <a:bevelT w="63500" h="25400"/>
+          </a:sp3d>
+        </a:effectStyle>
+      </a:effectStyleLst>
+      <a:bgFillStyleLst>
+        <a:solidFill>
+          <a:schemeClr val="phClr"/>
+        </a:solidFill>
+        <a:gradFill rotWithShape="1">
+          <a:gsLst>
+            <a:gs pos="0">
+              <a:schemeClr val="phClr">
+                <a:tint val="40000"/>
+                <a:satMod val="350000"/>
+              </a:schemeClr>
+            </a:gs>
+            <a:gs pos="40000">
+              <a:schemeClr val="phClr">
+                <a:tint val="45000"/>
+                <a:shade val="99000"/>
+                <a:satMod val="350000"/>
+              </a:schemeClr>
+            </a:gs>
+            <a:gs pos="100000">
+              <a:schemeClr val="phClr">
+                <a:shade val="20000"/>
+                <a:satMod val="255000"/>
+              </a:schemeClr>
+            </a:gs>
+          </a:gsLst>
+          <a:path path="circle">
+            <a:fillToRect l="50000" t="-80000" r="50000" b="180000"/>
+          </a:path>
+        </a:gradFill>
+        <a:gradFill rotWithShape="1">
+          <a:gsLst>
+            <a:gs pos="0">
+              <a:schemeClr val="phClr">
+                <a:tint val="80000"/>
+                <a:satMod val="300000"/>
+              </a:schemeClr>
+            </a:gs>
+            <a:gs pos="100000">
+              <a:schemeClr val="phClr">
+                <a:shade val="30000"/>
+                <a:satMod val="200000"/>
+              </a:schemeClr>
+            </a:gs>
+          </a:gsLst>
+          <a:path path="circle">
+            <a:fillToRect l="50000" t="50000" r="50000" b="50000"/>
+          </a:path>
+        </a:gradFill>
+      </a:bgFillStyleLst>
+    </a:fmtScheme>
+  </a:themeElements>
+</a:theme>
+</file>
+
+<file path=ppt/theme/theme2.xml><?xml version="1.0" encoding="utf-8"?>
 <a:theme xmlns:a="http://schemas.openxmlformats.org/drawingml/2006/main" xmlns:r="http://schemas.openxmlformats.org/officeDocument/2006/relationships">
   <a:themeElements>
     <a:clrScheme name="Default">
@@ -18999,283 +19284,4 @@
     </a:fmtScheme>
   </a:themeElements>
 </a:theme>
-</file>
-
-<file path=ppt/theme/theme2.xml><?xml version="1.0" encoding="utf-8"?>
-<a:theme xmlns:a="http://schemas.openxmlformats.org/drawingml/2006/main" xmlns:r="http://schemas.openxmlformats.org/officeDocument/2006/relationships" name="Default Design">
-  <a:themeElements>
-    <a:clrScheme name="Default Design 2">
-      <a:dk1>
-        <a:srgbClr val="000000"/>
-      </a:dk1>
-      <a:lt1>
-        <a:srgbClr val="FFFFFF"/>
-      </a:lt1>
-      <a:dk2>
-        <a:srgbClr val="000000"/>
-      </a:dk2>
-      <a:lt2>
-        <a:srgbClr val="808080"/>
-      </a:lt2>
-      <a:accent1>
-        <a:srgbClr val="00CC99"/>
-      </a:accent1>
-      <a:accent2>
-        <a:srgbClr val="3333CC"/>
-      </a:accent2>
-      <a:accent3>
-        <a:srgbClr val="FFFFFF"/>
-      </a:accent3>
-      <a:accent4>
-        <a:srgbClr val="000000"/>
-      </a:accent4>
-      <a:accent5>
-        <a:srgbClr val="AAE2CA"/>
-      </a:accent5>
-      <a:accent6>
-        <a:srgbClr val="2D2DB9"/>
-      </a:accent6>
-      <a:hlink>
-        <a:srgbClr val="CCCCFF"/>
-      </a:hlink>
-      <a:folHlink>
-        <a:srgbClr val="B2B2B2"/>
-      </a:folHlink>
-    </a:clrScheme>
-    <a:fontScheme name="Office">
-      <a:majorFont>
-        <a:latin typeface="Arial"/>
-        <a:ea typeface=""/>
-        <a:cs typeface=""/>
-        <a:font script="Jpan" typeface="ＭＳ Ｐゴシック"/>
-        <a:font script="Hang" typeface="맑은 고딕"/>
-        <a:font script="Hans" typeface="宋体"/>
-        <a:font script="Hant" typeface="新細明體"/>
-        <a:font script="Arab" typeface="Times New Roman"/>
-        <a:font script="Hebr" typeface="Times New Roman"/>
-        <a:font script="Thai" typeface="Angsana New"/>
-        <a:font script="Ethi" typeface="Nyala"/>
-        <a:font script="Beng" typeface="Vrinda"/>
-        <a:font script="Gujr" typeface="Shruti"/>
-        <a:font script="Khmr" typeface="MoolBoran"/>
-        <a:font script="Knda" typeface="Tunga"/>
-        <a:font script="Guru" typeface="Raavi"/>
-        <a:font script="Cans" typeface="Euphemia"/>
-        <a:font script="Cher" typeface="Plantagenet Cherokee"/>
-        <a:font script="Yiii" typeface="Microsoft Yi Baiti"/>
-        <a:font script="Tibt" typeface="Microsoft Himalaya"/>
-        <a:font script="Thaa" typeface="MV Boli"/>
-        <a:font script="Deva" typeface="Mangal"/>
-        <a:font script="Telu" typeface="Gautami"/>
-        <a:font script="Taml" typeface="Latha"/>
-        <a:font script="Syrc" typeface="Estrangelo Edessa"/>
-        <a:font script="Orya" typeface="Kalinga"/>
-        <a:font script="Mlym" typeface="Kartika"/>
-        <a:font script="Laoo" typeface="DokChampa"/>
-        <a:font script="Sinh" typeface="Iskoola Pota"/>
-        <a:font script="Mong" typeface="Mongolian Baiti"/>
-        <a:font script="Viet" typeface="Times New Roman"/>
-        <a:font script="Uigh" typeface="Microsoft Uighur"/>
-        <a:font script="Geor" typeface="Sylfaen"/>
-      </a:majorFont>
-      <a:minorFont>
-        <a:latin typeface="Arial"/>
-        <a:ea typeface=""/>
-        <a:cs typeface=""/>
-        <a:font script="Jpan" typeface="ＭＳ Ｐゴシック"/>
-        <a:font script="Hang" typeface="맑은 고딕"/>
-        <a:font script="Hans" typeface="宋体"/>
-        <a:font script="Hant" typeface="新細明體"/>
-        <a:font script="Arab" typeface="Arial"/>
-        <a:font script="Hebr" typeface="Arial"/>
-        <a:font script="Thai" typeface="Cordia New"/>
-        <a:font script="Ethi" typeface="Nyala"/>
-        <a:font script="Beng" typeface="Vrinda"/>
-        <a:font script="Gujr" typeface="Shruti"/>
-        <a:font script="Khmr" typeface="DaunPenh"/>
-        <a:font script="Knda" typeface="Tunga"/>
-        <a:font script="Guru" typeface="Raavi"/>
-        <a:font script="Cans" typeface="Euphemia"/>
-        <a:font script="Cher" typeface="Plantagenet Cherokee"/>
-        <a:font script="Yiii" typeface="Microsoft Yi Baiti"/>
-        <a:font script="Tibt" typeface="Microsoft Himalaya"/>
-        <a:font script="Thaa" typeface="MV Boli"/>
-        <a:font script="Deva" typeface="Mangal"/>
-        <a:font script="Telu" typeface="Gautami"/>
-        <a:font script="Taml" typeface="Latha"/>
-        <a:font script="Syrc" typeface="Estrangelo Edessa"/>
-        <a:font script="Orya" typeface="Kalinga"/>
-        <a:font script="Mlym" typeface="Kartika"/>
-        <a:font script="Laoo" typeface="DokChampa"/>
-        <a:font script="Sinh" typeface="Iskoola Pota"/>
-        <a:font script="Mong" typeface="Mongolian Baiti"/>
-        <a:font script="Viet" typeface="Arial"/>
-        <a:font script="Uigh" typeface="Microsoft Uighur"/>
-        <a:font script="Geor" typeface="Sylfaen"/>
-      </a:minorFont>
-    </a:fontScheme>
-    <a:fmtScheme name="Office">
-      <a:fillStyleLst>
-        <a:solidFill>
-          <a:schemeClr val="phClr"/>
-        </a:solidFill>
-        <a:gradFill rotWithShape="1">
-          <a:gsLst>
-            <a:gs pos="0">
-              <a:schemeClr val="phClr">
-                <a:tint val="50000"/>
-                <a:satMod val="300000"/>
-              </a:schemeClr>
-            </a:gs>
-            <a:gs pos="35000">
-              <a:schemeClr val="phClr">
-                <a:tint val="37000"/>
-                <a:satMod val="300000"/>
-              </a:schemeClr>
-            </a:gs>
-            <a:gs pos="100000">
-              <a:schemeClr val="phClr">
-                <a:tint val="15000"/>
-                <a:satMod val="350000"/>
-              </a:schemeClr>
-            </a:gs>
-          </a:gsLst>
-          <a:lin ang="16200000" scaled="1"/>
-        </a:gradFill>
-        <a:gradFill rotWithShape="1">
-          <a:gsLst>
-            <a:gs pos="0">
-              <a:schemeClr val="phClr">
-                <a:tint val="100000"/>
-                <a:shade val="100000"/>
-                <a:satMod val="130000"/>
-              </a:schemeClr>
-            </a:gs>
-            <a:gs pos="100000">
-              <a:schemeClr val="phClr">
-                <a:tint val="50000"/>
-                <a:shade val="100000"/>
-                <a:satMod val="350000"/>
-              </a:schemeClr>
-            </a:gs>
-          </a:gsLst>
-          <a:lin ang="16200000" scaled="0"/>
-        </a:gradFill>
-      </a:fillStyleLst>
-      <a:lnStyleLst>
-        <a:ln w="9525" cap="flat" cmpd="sng" algn="ctr">
-          <a:solidFill>
-            <a:schemeClr val="phClr">
-              <a:shade val="95000"/>
-              <a:satMod val="105000"/>
-            </a:schemeClr>
-          </a:solidFill>
-          <a:prstDash val="solid"/>
-        </a:ln>
-        <a:ln w="25400" cap="flat" cmpd="sng" algn="ctr">
-          <a:solidFill>
-            <a:schemeClr val="phClr"/>
-          </a:solidFill>
-          <a:prstDash val="solid"/>
-        </a:ln>
-        <a:ln w="38100" cap="flat" cmpd="sng" algn="ctr">
-          <a:solidFill>
-            <a:schemeClr val="phClr"/>
-          </a:solidFill>
-          <a:prstDash val="solid"/>
-        </a:ln>
-      </a:lnStyleLst>
-      <a:effectStyleLst>
-        <a:effectStyle>
-          <a:effectLst>
-            <a:outerShdw blurRad="40000" dist="20000" dir="5400000" rotWithShape="0">
-              <a:srgbClr val="000000">
-                <a:alpha val="38000"/>
-              </a:srgbClr>
-            </a:outerShdw>
-          </a:effectLst>
-        </a:effectStyle>
-        <a:effectStyle>
-          <a:effectLst>
-            <a:outerShdw blurRad="40000" dist="23000" dir="5400000" rotWithShape="0">
-              <a:srgbClr val="000000">
-                <a:alpha val="35000"/>
-              </a:srgbClr>
-            </a:outerShdw>
-          </a:effectLst>
-        </a:effectStyle>
-        <a:effectStyle>
-          <a:effectLst>
-            <a:outerShdw blurRad="40000" dist="23000" dir="5400000" rotWithShape="0">
-              <a:srgbClr val="000000">
-                <a:alpha val="35000"/>
-              </a:srgbClr>
-            </a:outerShdw>
-          </a:effectLst>
-          <a:scene3d>
-            <a:camera prst="orthographicFront">
-              <a:rot lat="0" lon="0" rev="0"/>
-            </a:camera>
-            <a:lightRig rig="threePt" dir="t">
-              <a:rot lat="0" lon="0" rev="1200000"/>
-            </a:lightRig>
-          </a:scene3d>
-          <a:sp3d>
-            <a:bevelT w="63500" h="25400"/>
-          </a:sp3d>
-        </a:effectStyle>
-      </a:effectStyleLst>
-      <a:bgFillStyleLst>
-        <a:solidFill>
-          <a:schemeClr val="phClr"/>
-        </a:solidFill>
-        <a:gradFill rotWithShape="1">
-          <a:gsLst>
-            <a:gs pos="0">
-              <a:schemeClr val="phClr">
-                <a:tint val="40000"/>
-                <a:satMod val="350000"/>
-              </a:schemeClr>
-            </a:gs>
-            <a:gs pos="40000">
-              <a:schemeClr val="phClr">
-                <a:tint val="45000"/>
-                <a:shade val="99000"/>
-                <a:satMod val="350000"/>
-              </a:schemeClr>
-            </a:gs>
-            <a:gs pos="100000">
-              <a:schemeClr val="phClr">
-                <a:shade val="20000"/>
-                <a:satMod val="255000"/>
-              </a:schemeClr>
-            </a:gs>
-          </a:gsLst>
-          <a:path path="circle">
-            <a:fillToRect l="50000" t="-80000" r="50000" b="180000"/>
-          </a:path>
-        </a:gradFill>
-        <a:gradFill rotWithShape="1">
-          <a:gsLst>
-            <a:gs pos="0">
-              <a:schemeClr val="phClr">
-                <a:tint val="80000"/>
-                <a:satMod val="300000"/>
-              </a:schemeClr>
-            </a:gs>
-            <a:gs pos="100000">
-              <a:schemeClr val="phClr">
-                <a:shade val="30000"/>
-                <a:satMod val="200000"/>
-              </a:schemeClr>
-            </a:gs>
-          </a:gsLst>
-          <a:path path="circle">
-            <a:fillToRect l="50000" t="50000" r="50000" b="50000"/>
-          </a:path>
-        </a:gradFill>
-      </a:bgFillStyleLst>
-    </a:fmtScheme>
-  </a:themeElements>
-</a:theme>
 </file>